--- a/實驗六/presentation/實驗六_第二組_葉彥辰_郭亮佑_蘇昱嘉.pptx
+++ b/實驗六/presentation/實驗六_第二組_葉彥辰_郭亮佑_蘇昱嘉.pptx
@@ -5,16 +5,22 @@
     <p:sldMasterId id="2147483660" r:id="rId1"/>
   </p:sldMasterIdLst>
   <p:notesMasterIdLst>
-    <p:notesMasterId r:id="rId9"/>
+    <p:notesMasterId r:id="rId15"/>
   </p:notesMasterIdLst>
   <p:sldIdLst>
     <p:sldId id="256" r:id="rId2"/>
     <p:sldId id="257" r:id="rId3"/>
-    <p:sldId id="342" r:id="rId4"/>
-    <p:sldId id="343" r:id="rId5"/>
-    <p:sldId id="344" r:id="rId6"/>
-    <p:sldId id="345" r:id="rId7"/>
-    <p:sldId id="341" r:id="rId8"/>
+    <p:sldId id="346" r:id="rId4"/>
+    <p:sldId id="347" r:id="rId5"/>
+    <p:sldId id="351" r:id="rId6"/>
+    <p:sldId id="348" r:id="rId7"/>
+    <p:sldId id="349" r:id="rId8"/>
+    <p:sldId id="350" r:id="rId9"/>
+    <p:sldId id="342" r:id="rId10"/>
+    <p:sldId id="343" r:id="rId11"/>
+    <p:sldId id="344" r:id="rId12"/>
+    <p:sldId id="345" r:id="rId13"/>
+    <p:sldId id="341" r:id="rId14"/>
   </p:sldIdLst>
   <p:sldSz cx="12192000" cy="6858000"/>
   <p:notesSz cx="6858000" cy="9144000"/>
@@ -490,7 +496,7 @@
           <a:p>
             <a:fld id="{57D05ABF-D590-45D6-9362-AC05D4E152AF}" type="datetimeFigureOut">
               <a:rPr lang="zh-TW" altLang="en-US" smtClean="0"/>
-              <a:t>2025/4/4</a:t>
+              <a:t>2025/4/6</a:t>
             </a:fld>
             <a:endParaRPr lang="zh-TW" altLang="en-US"/>
           </a:p>
@@ -904,7 +910,7 @@
           <a:p>
             <a:fld id="{A6CAA258-0090-479D-81AE-6C5E423E63D8}" type="datetimeFigureOut">
               <a:rPr lang="zh-TW" altLang="en-US" smtClean="0"/>
-              <a:t>2025/4/4</a:t>
+              <a:t>2025/4/6</a:t>
             </a:fld>
             <a:endParaRPr lang="zh-TW" altLang="en-US"/>
           </a:p>
@@ -1102,7 +1108,7 @@
           <a:p>
             <a:fld id="{A6CAA258-0090-479D-81AE-6C5E423E63D8}" type="datetimeFigureOut">
               <a:rPr lang="zh-TW" altLang="en-US" smtClean="0"/>
-              <a:t>2025/4/4</a:t>
+              <a:t>2025/4/6</a:t>
             </a:fld>
             <a:endParaRPr lang="zh-TW" altLang="en-US"/>
           </a:p>
@@ -1310,7 +1316,7 @@
           <a:p>
             <a:fld id="{A6CAA258-0090-479D-81AE-6C5E423E63D8}" type="datetimeFigureOut">
               <a:rPr lang="zh-TW" altLang="en-US" smtClean="0"/>
-              <a:t>2025/4/4</a:t>
+              <a:t>2025/4/6</a:t>
             </a:fld>
             <a:endParaRPr lang="zh-TW" altLang="en-US"/>
           </a:p>
@@ -1508,7 +1514,7 @@
           <a:p>
             <a:fld id="{A6CAA258-0090-479D-81AE-6C5E423E63D8}" type="datetimeFigureOut">
               <a:rPr lang="zh-TW" altLang="en-US" smtClean="0"/>
-              <a:t>2025/4/4</a:t>
+              <a:t>2025/4/6</a:t>
             </a:fld>
             <a:endParaRPr lang="zh-TW" altLang="en-US"/>
           </a:p>
@@ -1783,7 +1789,7 @@
           <a:p>
             <a:fld id="{A6CAA258-0090-479D-81AE-6C5E423E63D8}" type="datetimeFigureOut">
               <a:rPr lang="zh-TW" altLang="en-US" smtClean="0"/>
-              <a:t>2025/4/4</a:t>
+              <a:t>2025/4/6</a:t>
             </a:fld>
             <a:endParaRPr lang="zh-TW" altLang="en-US"/>
           </a:p>
@@ -2048,7 +2054,7 @@
           <a:p>
             <a:fld id="{A6CAA258-0090-479D-81AE-6C5E423E63D8}" type="datetimeFigureOut">
               <a:rPr lang="zh-TW" altLang="en-US" smtClean="0"/>
-              <a:t>2025/4/4</a:t>
+              <a:t>2025/4/6</a:t>
             </a:fld>
             <a:endParaRPr lang="zh-TW" altLang="en-US"/>
           </a:p>
@@ -2460,7 +2466,7 @@
           <a:p>
             <a:fld id="{A6CAA258-0090-479D-81AE-6C5E423E63D8}" type="datetimeFigureOut">
               <a:rPr lang="zh-TW" altLang="en-US" smtClean="0"/>
-              <a:t>2025/4/4</a:t>
+              <a:t>2025/4/6</a:t>
             </a:fld>
             <a:endParaRPr lang="zh-TW" altLang="en-US"/>
           </a:p>
@@ -2601,7 +2607,7 @@
           <a:p>
             <a:fld id="{A6CAA258-0090-479D-81AE-6C5E423E63D8}" type="datetimeFigureOut">
               <a:rPr lang="zh-TW" altLang="en-US" smtClean="0"/>
-              <a:t>2025/4/4</a:t>
+              <a:t>2025/4/6</a:t>
             </a:fld>
             <a:endParaRPr lang="zh-TW" altLang="en-US"/>
           </a:p>
@@ -2714,7 +2720,7 @@
           <a:p>
             <a:fld id="{A6CAA258-0090-479D-81AE-6C5E423E63D8}" type="datetimeFigureOut">
               <a:rPr lang="zh-TW" altLang="en-US" smtClean="0"/>
-              <a:t>2025/4/4</a:t>
+              <a:t>2025/4/6</a:t>
             </a:fld>
             <a:endParaRPr lang="zh-TW" altLang="en-US"/>
           </a:p>
@@ -3025,7 +3031,7 @@
           <a:p>
             <a:fld id="{A6CAA258-0090-479D-81AE-6C5E423E63D8}" type="datetimeFigureOut">
               <a:rPr lang="zh-TW" altLang="en-US" smtClean="0"/>
-              <a:t>2025/4/4</a:t>
+              <a:t>2025/4/6</a:t>
             </a:fld>
             <a:endParaRPr lang="zh-TW" altLang="en-US"/>
           </a:p>
@@ -3313,7 +3319,7 @@
           <a:p>
             <a:fld id="{A6CAA258-0090-479D-81AE-6C5E423E63D8}" type="datetimeFigureOut">
               <a:rPr lang="zh-TW" altLang="en-US" smtClean="0"/>
-              <a:t>2025/4/4</a:t>
+              <a:t>2025/4/6</a:t>
             </a:fld>
             <a:endParaRPr lang="zh-TW" altLang="en-US"/>
           </a:p>
@@ -3554,7 +3560,7 @@
           <a:p>
             <a:fld id="{A6CAA258-0090-479D-81AE-6C5E423E63D8}" type="datetimeFigureOut">
               <a:rPr lang="zh-TW" altLang="en-US" smtClean="0"/>
-              <a:t>2025/4/4</a:t>
+              <a:t>2025/4/6</a:t>
             </a:fld>
             <a:endParaRPr lang="zh-TW" altLang="en-US"/>
           </a:p>
@@ -3987,10 +3993,9 @@
           <a:lstStyle/>
           <a:p>
             <a:r>
-              <a:rPr lang="zh-TW" altLang="en-US" dirty="0" smtClean="0"/>
+              <a:rPr lang="zh-TW" altLang="en-US" dirty="0"/>
               <a:t>實驗六</a:t>
             </a:r>
-            <a:endParaRPr lang="zh-TW" altLang="en-US" dirty="0"/>
           </a:p>
         </p:txBody>
       </p:sp>
@@ -4037,6 +4042,1139 @@
 </p:sld>
 </file>
 
+<file path=ppt/slides/slide10.xml><?xml version="1.0" encoding="utf-8"?>
+<p:sld xmlns:a="http://schemas.openxmlformats.org/drawingml/2006/main" xmlns:r="http://schemas.openxmlformats.org/officeDocument/2006/relationships" xmlns:p="http://schemas.openxmlformats.org/presentationml/2006/main">
+  <p:cSld>
+    <p:spTree>
+      <p:nvGrpSpPr>
+        <p:cNvPr id="1" name=""/>
+        <p:cNvGrpSpPr/>
+        <p:nvPr/>
+      </p:nvGrpSpPr>
+      <p:grpSpPr>
+        <a:xfrm>
+          <a:off x="0" y="0"/>
+          <a:ext cx="0" cy="0"/>
+          <a:chOff x="0" y="0"/>
+          <a:chExt cx="0" cy="0"/>
+        </a:xfrm>
+      </p:grpSpPr>
+      <p:sp>
+        <p:nvSpPr>
+          <p:cNvPr id="2" name="標題 1"/>
+          <p:cNvSpPr>
+            <a:spLocks noGrp="1"/>
+          </p:cNvSpPr>
+          <p:nvPr>
+            <p:ph type="title"/>
+          </p:nvPr>
+        </p:nvSpPr>
+        <p:spPr/>
+        <p:txBody>
+          <a:bodyPr/>
+          <a:lstStyle/>
+          <a:p>
+            <a:r>
+              <a:rPr lang="zh-TW" altLang="en-US" dirty="0">
+                <a:latin typeface="標楷體" panose="03000509000000000000" pitchFamily="65" charset="-120"/>
+                <a:ea typeface="標楷體" panose="03000509000000000000" pitchFamily="65" charset="-120"/>
+              </a:rPr>
+              <a:t>實驗</a:t>
+            </a:r>
+            <a:r>
+              <a:rPr lang="en-US" altLang="zh-TW" dirty="0">
+                <a:latin typeface="標楷體" panose="03000509000000000000" pitchFamily="65" charset="-120"/>
+                <a:ea typeface="標楷體" panose="03000509000000000000" pitchFamily="65" charset="-120"/>
+              </a:rPr>
+              <a:t>6-3</a:t>
+            </a:r>
+            <a:endParaRPr lang="zh-TW" altLang="en-US" dirty="0">
+              <a:latin typeface="標楷體" panose="03000509000000000000" pitchFamily="65" charset="-120"/>
+              <a:ea typeface="標楷體" panose="03000509000000000000" pitchFamily="65" charset="-120"/>
+            </a:endParaRPr>
+          </a:p>
+        </p:txBody>
+      </p:sp>
+      <p:pic>
+        <p:nvPicPr>
+          <p:cNvPr id="5" name="圖片 4"/>
+          <p:cNvPicPr>
+            <a:picLocks noChangeAspect="1"/>
+          </p:cNvPicPr>
+          <p:nvPr/>
+        </p:nvPicPr>
+        <p:blipFill>
+          <a:blip r:embed="rId2"/>
+          <a:stretch>
+            <a:fillRect/>
+          </a:stretch>
+        </p:blipFill>
+        <p:spPr>
+          <a:xfrm>
+            <a:off x="776404" y="1393503"/>
+            <a:ext cx="7107507" cy="436579"/>
+          </a:xfrm>
+          <a:prstGeom prst="rect">
+            <a:avLst/>
+          </a:prstGeom>
+        </p:spPr>
+      </p:pic>
+      <p:sp>
+        <p:nvSpPr>
+          <p:cNvPr id="7" name="矩形 6"/>
+          <p:cNvSpPr/>
+          <p:nvPr/>
+        </p:nvSpPr>
+        <p:spPr>
+          <a:xfrm>
+            <a:off x="1162050" y="2176701"/>
+            <a:ext cx="6096000" cy="3477875"/>
+          </a:xfrm>
+          <a:prstGeom prst="rect">
+            <a:avLst/>
+          </a:prstGeom>
+        </p:spPr>
+        <p:txBody>
+          <a:bodyPr>
+            <a:spAutoFit/>
+          </a:bodyPr>
+          <a:lstStyle/>
+          <a:p>
+            <a:r>
+              <a:rPr lang="en-US" altLang="zh-TW" sz="2000" dirty="0">
+                <a:latin typeface="Cascadia Code" panose="020B0609020000020004" pitchFamily="49" charset="0"/>
+              </a:rPr>
+              <a:t>s = </a:t>
+            </a:r>
+            <a:r>
+              <a:rPr lang="en-US" altLang="zh-TW" sz="2000" dirty="0" err="1">
+                <a:latin typeface="Cascadia Code" panose="020B0609020000020004" pitchFamily="49" charset="0"/>
+              </a:rPr>
+              <a:t>tf</a:t>
+            </a:r>
+            <a:r>
+              <a:rPr lang="en-US" altLang="zh-TW" sz="2000" dirty="0">
+                <a:latin typeface="Cascadia Code" panose="020B0609020000020004" pitchFamily="49" charset="0"/>
+              </a:rPr>
+              <a:t>(</a:t>
+            </a:r>
+            <a:r>
+              <a:rPr lang="en-US" altLang="zh-TW" sz="2000" dirty="0">
+                <a:solidFill>
+                  <a:srgbClr val="A709F5"/>
+                </a:solidFill>
+                <a:latin typeface="Cascadia Code" panose="020B0609020000020004" pitchFamily="49" charset="0"/>
+              </a:rPr>
+              <a:t>'s'</a:t>
+            </a:r>
+            <a:r>
+              <a:rPr lang="en-US" altLang="zh-TW" sz="2000" dirty="0">
+                <a:latin typeface="Cascadia Code" panose="020B0609020000020004" pitchFamily="49" charset="0"/>
+              </a:rPr>
+              <a:t>);</a:t>
+            </a:r>
+          </a:p>
+          <a:p>
+            <a:r>
+              <a:rPr lang="en-US" altLang="zh-TW" sz="2000" dirty="0">
+                <a:latin typeface="Cascadia Code" panose="020B0609020000020004" pitchFamily="49" charset="0"/>
+              </a:rPr>
+              <a:t>tau = 0.51;</a:t>
+            </a:r>
+          </a:p>
+          <a:p>
+            <a:r>
+              <a:rPr lang="en-US" altLang="zh-TW" sz="2000" dirty="0" err="1">
+                <a:latin typeface="Cascadia Code" panose="020B0609020000020004" pitchFamily="49" charset="0"/>
+              </a:rPr>
+              <a:t>K_m</a:t>
+            </a:r>
+            <a:r>
+              <a:rPr lang="en-US" altLang="zh-TW" sz="2000" dirty="0">
+                <a:latin typeface="Cascadia Code" panose="020B0609020000020004" pitchFamily="49" charset="0"/>
+              </a:rPr>
+              <a:t> = 307;</a:t>
+            </a:r>
+          </a:p>
+          <a:p>
+            <a:r>
+              <a:rPr lang="en-US" altLang="zh-TW" sz="2000" dirty="0">
+                <a:latin typeface="Cascadia Code" panose="020B0609020000020004" pitchFamily="49" charset="0"/>
+              </a:rPr>
+              <a:t>D = 3;</a:t>
+            </a:r>
+          </a:p>
+          <a:p>
+            <a:endParaRPr lang="en-US" altLang="zh-TW" sz="2000" dirty="0">
+              <a:latin typeface="Cascadia Code" panose="020B0609020000020004" pitchFamily="49" charset="0"/>
+            </a:endParaRPr>
+          </a:p>
+          <a:p>
+            <a:r>
+              <a:rPr lang="en-US" altLang="zh-TW" sz="2000" dirty="0">
+                <a:latin typeface="Cascadia Code" panose="020B0609020000020004" pitchFamily="49" charset="0"/>
+              </a:rPr>
+              <a:t>sys = (s + D) / (s * (tau *s + 1));</a:t>
+            </a:r>
+          </a:p>
+          <a:p>
+            <a:endParaRPr lang="en-US" altLang="zh-TW" sz="2000" dirty="0">
+              <a:latin typeface="Cascadia Code" panose="020B0609020000020004" pitchFamily="49" charset="0"/>
+            </a:endParaRPr>
+          </a:p>
+          <a:p>
+            <a:r>
+              <a:rPr lang="en-US" altLang="zh-TW" sz="2000" dirty="0">
+                <a:latin typeface="Cascadia Code" panose="020B0609020000020004" pitchFamily="49" charset="0"/>
+              </a:rPr>
+              <a:t>figure(1)</a:t>
+            </a:r>
+          </a:p>
+          <a:p>
+            <a:r>
+              <a:rPr lang="en-US" altLang="zh-TW" sz="2000" dirty="0" err="1">
+                <a:latin typeface="Cascadia Code" panose="020B0609020000020004" pitchFamily="49" charset="0"/>
+              </a:rPr>
+              <a:t>rlocus</a:t>
+            </a:r>
+            <a:r>
+              <a:rPr lang="en-US" altLang="zh-TW" sz="2000" dirty="0">
+                <a:latin typeface="Cascadia Code" panose="020B0609020000020004" pitchFamily="49" charset="0"/>
+              </a:rPr>
+              <a:t>(sys)</a:t>
+            </a:r>
+          </a:p>
+          <a:p>
+            <a:br>
+              <a:rPr lang="en-US" altLang="zh-TW" sz="2000" dirty="0">
+                <a:latin typeface="Cascadia Code" panose="020B0609020000020004" pitchFamily="49" charset="0"/>
+              </a:rPr>
+            </a:br>
+            <a:endParaRPr lang="en-US" altLang="zh-TW" sz="2000" dirty="0">
+              <a:latin typeface="Cascadia Code" panose="020B0609020000020004" pitchFamily="49" charset="0"/>
+            </a:endParaRPr>
+          </a:p>
+        </p:txBody>
+      </p:sp>
+      <p:pic>
+        <p:nvPicPr>
+          <p:cNvPr id="8" name="圖片 7"/>
+          <p:cNvPicPr>
+            <a:picLocks noChangeAspect="1"/>
+          </p:cNvPicPr>
+          <p:nvPr/>
+        </p:nvPicPr>
+        <p:blipFill>
+          <a:blip r:embed="rId3" cstate="print">
+            <a:extLst>
+              <a:ext uri="{28A0092B-C50C-407E-A947-70E740481C1C}">
+                <a14:useLocalDpi xmlns:a14="http://schemas.microsoft.com/office/drawing/2010/main" val="0"/>
+              </a:ext>
+            </a:extLst>
+          </a:blip>
+          <a:stretch>
+            <a:fillRect/>
+          </a:stretch>
+        </p:blipFill>
+        <p:spPr>
+          <a:xfrm>
+            <a:off x="6479667" y="2272017"/>
+            <a:ext cx="5621793" cy="3382559"/>
+          </a:xfrm>
+          <a:prstGeom prst="rect">
+            <a:avLst/>
+          </a:prstGeom>
+        </p:spPr>
+      </p:pic>
+    </p:spTree>
+    <p:extLst>
+      <p:ext uri="{BB962C8B-B14F-4D97-AF65-F5344CB8AC3E}">
+        <p14:creationId xmlns:p14="http://schemas.microsoft.com/office/powerpoint/2010/main" val="243689877"/>
+      </p:ext>
+    </p:extLst>
+  </p:cSld>
+  <p:clrMapOvr>
+    <a:masterClrMapping/>
+  </p:clrMapOvr>
+</p:sld>
+</file>
+
+<file path=ppt/slides/slide11.xml><?xml version="1.0" encoding="utf-8"?>
+<p:sld xmlns:a="http://schemas.openxmlformats.org/drawingml/2006/main" xmlns:r="http://schemas.openxmlformats.org/officeDocument/2006/relationships" xmlns:p="http://schemas.openxmlformats.org/presentationml/2006/main">
+  <p:cSld>
+    <p:spTree>
+      <p:nvGrpSpPr>
+        <p:cNvPr id="1" name=""/>
+        <p:cNvGrpSpPr/>
+        <p:nvPr/>
+      </p:nvGrpSpPr>
+      <p:grpSpPr>
+        <a:xfrm>
+          <a:off x="0" y="0"/>
+          <a:ext cx="0" cy="0"/>
+          <a:chOff x="0" y="0"/>
+          <a:chExt cx="0" cy="0"/>
+        </a:xfrm>
+      </p:grpSpPr>
+      <p:sp>
+        <p:nvSpPr>
+          <p:cNvPr id="2" name="標題 1"/>
+          <p:cNvSpPr>
+            <a:spLocks noGrp="1"/>
+          </p:cNvSpPr>
+          <p:nvPr>
+            <p:ph type="title"/>
+          </p:nvPr>
+        </p:nvSpPr>
+        <p:spPr/>
+        <p:txBody>
+          <a:bodyPr/>
+          <a:lstStyle/>
+          <a:p>
+            <a:r>
+              <a:rPr lang="zh-TW" altLang="en-US" dirty="0">
+                <a:latin typeface="標楷體" panose="03000509000000000000" pitchFamily="65" charset="-120"/>
+                <a:ea typeface="標楷體" panose="03000509000000000000" pitchFamily="65" charset="-120"/>
+              </a:rPr>
+              <a:t>實驗</a:t>
+            </a:r>
+            <a:r>
+              <a:rPr lang="en-US" altLang="zh-TW" dirty="0">
+                <a:latin typeface="標楷體" panose="03000509000000000000" pitchFamily="65" charset="-120"/>
+                <a:ea typeface="標楷體" panose="03000509000000000000" pitchFamily="65" charset="-120"/>
+              </a:rPr>
+              <a:t>6-3</a:t>
+            </a:r>
+            <a:endParaRPr lang="zh-TW" altLang="en-US" dirty="0">
+              <a:latin typeface="標楷體" panose="03000509000000000000" pitchFamily="65" charset="-120"/>
+              <a:ea typeface="標楷體" panose="03000509000000000000" pitchFamily="65" charset="-120"/>
+            </a:endParaRPr>
+          </a:p>
+        </p:txBody>
+      </p:sp>
+      <p:pic>
+        <p:nvPicPr>
+          <p:cNvPr id="3" name="圖片 2"/>
+          <p:cNvPicPr>
+            <a:picLocks noChangeAspect="1"/>
+          </p:cNvPicPr>
+          <p:nvPr/>
+        </p:nvPicPr>
+        <p:blipFill>
+          <a:blip r:embed="rId2"/>
+          <a:stretch>
+            <a:fillRect/>
+          </a:stretch>
+        </p:blipFill>
+        <p:spPr>
+          <a:xfrm>
+            <a:off x="241465" y="1515650"/>
+            <a:ext cx="11709069" cy="965496"/>
+          </a:xfrm>
+          <a:prstGeom prst="rect">
+            <a:avLst/>
+          </a:prstGeom>
+        </p:spPr>
+      </p:pic>
+      <p:pic>
+        <p:nvPicPr>
+          <p:cNvPr id="4" name="圖片 3"/>
+          <p:cNvPicPr>
+            <a:picLocks noChangeAspect="1"/>
+          </p:cNvPicPr>
+          <p:nvPr/>
+        </p:nvPicPr>
+        <p:blipFill>
+          <a:blip r:embed="rId3">
+            <a:extLst>
+              <a:ext uri="{28A0092B-C50C-407E-A947-70E740481C1C}">
+                <a14:useLocalDpi xmlns:a14="http://schemas.microsoft.com/office/drawing/2010/main" val="0"/>
+              </a:ext>
+            </a:extLst>
+          </a:blip>
+          <a:stretch>
+            <a:fillRect/>
+          </a:stretch>
+        </p:blipFill>
+        <p:spPr>
+          <a:xfrm>
+            <a:off x="6308134" y="2763575"/>
+            <a:ext cx="3815720" cy="3139320"/>
+          </a:xfrm>
+          <a:prstGeom prst="rect">
+            <a:avLst/>
+          </a:prstGeom>
+        </p:spPr>
+      </p:pic>
+      <p:sp>
+        <p:nvSpPr>
+          <p:cNvPr id="6" name="矩形 5"/>
+          <p:cNvSpPr/>
+          <p:nvPr/>
+        </p:nvSpPr>
+        <p:spPr>
+          <a:xfrm>
+            <a:off x="838200" y="2763574"/>
+            <a:ext cx="4514385" cy="3139321"/>
+          </a:xfrm>
+          <a:prstGeom prst="rect">
+            <a:avLst/>
+          </a:prstGeom>
+        </p:spPr>
+        <p:txBody>
+          <a:bodyPr wrap="square">
+            <a:spAutoFit/>
+          </a:bodyPr>
+          <a:lstStyle/>
+          <a:p>
+            <a:r>
+              <a:rPr lang="en-US" altLang="zh-TW" dirty="0">
+                <a:latin typeface="Cascadia Code" panose="020B0609020000020004" pitchFamily="49" charset="0"/>
+              </a:rPr>
+              <a:t>s = </a:t>
+            </a:r>
+            <a:r>
+              <a:rPr lang="en-US" altLang="zh-TW" dirty="0" err="1">
+                <a:latin typeface="Cascadia Code" panose="020B0609020000020004" pitchFamily="49" charset="0"/>
+              </a:rPr>
+              <a:t>tf</a:t>
+            </a:r>
+            <a:r>
+              <a:rPr lang="en-US" altLang="zh-TW" dirty="0">
+                <a:latin typeface="Cascadia Code" panose="020B0609020000020004" pitchFamily="49" charset="0"/>
+              </a:rPr>
+              <a:t>(</a:t>
+            </a:r>
+            <a:r>
+              <a:rPr lang="en-US" altLang="zh-TW" dirty="0">
+                <a:solidFill>
+                  <a:srgbClr val="A709F5"/>
+                </a:solidFill>
+                <a:latin typeface="Cascadia Code" panose="020B0609020000020004" pitchFamily="49" charset="0"/>
+              </a:rPr>
+              <a:t>'s'</a:t>
+            </a:r>
+            <a:r>
+              <a:rPr lang="en-US" altLang="zh-TW" dirty="0">
+                <a:latin typeface="Cascadia Code" panose="020B0609020000020004" pitchFamily="49" charset="0"/>
+              </a:rPr>
+              <a:t>);</a:t>
+            </a:r>
+          </a:p>
+          <a:p>
+            <a:r>
+              <a:rPr lang="en-US" altLang="zh-TW" dirty="0">
+                <a:latin typeface="Cascadia Code" panose="020B0609020000020004" pitchFamily="49" charset="0"/>
+              </a:rPr>
+              <a:t>tau = 0.51;</a:t>
+            </a:r>
+          </a:p>
+          <a:p>
+            <a:r>
+              <a:rPr lang="en-US" altLang="zh-TW" dirty="0" err="1">
+                <a:latin typeface="Cascadia Code" panose="020B0609020000020004" pitchFamily="49" charset="0"/>
+              </a:rPr>
+              <a:t>K_m</a:t>
+            </a:r>
+            <a:r>
+              <a:rPr lang="en-US" altLang="zh-TW" dirty="0">
+                <a:latin typeface="Cascadia Code" panose="020B0609020000020004" pitchFamily="49" charset="0"/>
+              </a:rPr>
+              <a:t> = 307;</a:t>
+            </a:r>
+          </a:p>
+          <a:p>
+            <a:r>
+              <a:rPr lang="en-US" altLang="zh-TW" dirty="0">
+                <a:latin typeface="Cascadia Code" panose="020B0609020000020004" pitchFamily="49" charset="0"/>
+              </a:rPr>
+              <a:t>D = 3;</a:t>
+            </a:r>
+          </a:p>
+          <a:p>
+            <a:r>
+              <a:rPr lang="en-US" altLang="zh-TW" dirty="0">
+                <a:latin typeface="Cascadia Code" panose="020B0609020000020004" pitchFamily="49" charset="0"/>
+              </a:rPr>
+              <a:t>sys = (s + D) / (s * (tau *s + 1));</a:t>
+            </a:r>
+          </a:p>
+          <a:p>
+            <a:endParaRPr lang="en-US" altLang="zh-TW" dirty="0">
+              <a:latin typeface="Cascadia Code" panose="020B0609020000020004" pitchFamily="49" charset="0"/>
+            </a:endParaRPr>
+          </a:p>
+          <a:p>
+            <a:r>
+              <a:rPr lang="en-US" altLang="zh-TW" dirty="0">
+                <a:latin typeface="Cascadia Code" panose="020B0609020000020004" pitchFamily="49" charset="0"/>
+              </a:rPr>
+              <a:t>figure(2)</a:t>
+            </a:r>
+          </a:p>
+          <a:p>
+            <a:r>
+              <a:rPr lang="en-US" altLang="zh-TW" dirty="0">
+                <a:latin typeface="Cascadia Code" panose="020B0609020000020004" pitchFamily="49" charset="0"/>
+              </a:rPr>
+              <a:t>K = 3.86;</a:t>
+            </a:r>
+          </a:p>
+          <a:p>
+            <a:r>
+              <a:rPr lang="en-US" altLang="zh-TW" dirty="0" err="1">
+                <a:latin typeface="Cascadia Code" panose="020B0609020000020004" pitchFamily="49" charset="0"/>
+              </a:rPr>
+              <a:t>sys_cl</a:t>
+            </a:r>
+            <a:r>
+              <a:rPr lang="en-US" altLang="zh-TW" dirty="0">
+                <a:latin typeface="Cascadia Code" panose="020B0609020000020004" pitchFamily="49" charset="0"/>
+              </a:rPr>
+              <a:t> = feedback(K * sys, 1);</a:t>
+            </a:r>
+          </a:p>
+          <a:p>
+            <a:r>
+              <a:rPr lang="en-US" altLang="zh-TW" dirty="0">
+                <a:latin typeface="Cascadia Code" panose="020B0609020000020004" pitchFamily="49" charset="0"/>
+              </a:rPr>
+              <a:t>step(</a:t>
+            </a:r>
+            <a:r>
+              <a:rPr lang="en-US" altLang="zh-TW" dirty="0" err="1">
+                <a:latin typeface="Cascadia Code" panose="020B0609020000020004" pitchFamily="49" charset="0"/>
+              </a:rPr>
+              <a:t>sys_cl</a:t>
+            </a:r>
+            <a:r>
+              <a:rPr lang="en-US" altLang="zh-TW" dirty="0">
+                <a:latin typeface="Cascadia Code" panose="020B0609020000020004" pitchFamily="49" charset="0"/>
+              </a:rPr>
+              <a:t>)</a:t>
+            </a:r>
+          </a:p>
+        </p:txBody>
+      </p:sp>
+    </p:spTree>
+    <p:extLst>
+      <p:ext uri="{BB962C8B-B14F-4D97-AF65-F5344CB8AC3E}">
+        <p14:creationId xmlns:p14="http://schemas.microsoft.com/office/powerpoint/2010/main" val="2670467341"/>
+      </p:ext>
+    </p:extLst>
+  </p:cSld>
+  <p:clrMapOvr>
+    <a:masterClrMapping/>
+  </p:clrMapOvr>
+</p:sld>
+</file>
+
+<file path=ppt/slides/slide12.xml><?xml version="1.0" encoding="utf-8"?>
+<p:sld xmlns:a="http://schemas.openxmlformats.org/drawingml/2006/main" xmlns:r="http://schemas.openxmlformats.org/officeDocument/2006/relationships" xmlns:p="http://schemas.openxmlformats.org/presentationml/2006/main">
+  <p:cSld>
+    <p:spTree>
+      <p:nvGrpSpPr>
+        <p:cNvPr id="1" name=""/>
+        <p:cNvGrpSpPr/>
+        <p:nvPr/>
+      </p:nvGrpSpPr>
+      <p:grpSpPr>
+        <a:xfrm>
+          <a:off x="0" y="0"/>
+          <a:ext cx="0" cy="0"/>
+          <a:chOff x="0" y="0"/>
+          <a:chExt cx="0" cy="0"/>
+        </a:xfrm>
+      </p:grpSpPr>
+      <p:sp>
+        <p:nvSpPr>
+          <p:cNvPr id="2" name="標題 1"/>
+          <p:cNvSpPr>
+            <a:spLocks noGrp="1"/>
+          </p:cNvSpPr>
+          <p:nvPr>
+            <p:ph type="title"/>
+          </p:nvPr>
+        </p:nvSpPr>
+        <p:spPr/>
+        <p:txBody>
+          <a:bodyPr/>
+          <a:lstStyle/>
+          <a:p>
+            <a:r>
+              <a:rPr lang="zh-TW" altLang="en-US" dirty="0">
+                <a:latin typeface="標楷體" panose="03000509000000000000" pitchFamily="65" charset="-120"/>
+                <a:ea typeface="標楷體" panose="03000509000000000000" pitchFamily="65" charset="-120"/>
+              </a:rPr>
+              <a:t>實驗</a:t>
+            </a:r>
+            <a:r>
+              <a:rPr lang="en-US" altLang="zh-TW" dirty="0">
+                <a:latin typeface="標楷體" panose="03000509000000000000" pitchFamily="65" charset="-120"/>
+                <a:ea typeface="標楷體" panose="03000509000000000000" pitchFamily="65" charset="-120"/>
+              </a:rPr>
+              <a:t>6-3</a:t>
+            </a:r>
+            <a:endParaRPr lang="zh-TW" altLang="en-US" dirty="0">
+              <a:latin typeface="標楷體" panose="03000509000000000000" pitchFamily="65" charset="-120"/>
+              <a:ea typeface="標楷體" panose="03000509000000000000" pitchFamily="65" charset="-120"/>
+            </a:endParaRPr>
+          </a:p>
+        </p:txBody>
+      </p:sp>
+      <p:pic>
+        <p:nvPicPr>
+          <p:cNvPr id="3" name="圖片 2"/>
+          <p:cNvPicPr>
+            <a:picLocks noChangeAspect="1"/>
+          </p:cNvPicPr>
+          <p:nvPr/>
+        </p:nvPicPr>
+        <p:blipFill>
+          <a:blip r:embed="rId2"/>
+          <a:stretch>
+            <a:fillRect/>
+          </a:stretch>
+        </p:blipFill>
+        <p:spPr>
+          <a:xfrm>
+            <a:off x="241465" y="1515650"/>
+            <a:ext cx="11709069" cy="965496"/>
+          </a:xfrm>
+          <a:prstGeom prst="rect">
+            <a:avLst/>
+          </a:prstGeom>
+        </p:spPr>
+      </p:pic>
+      <p:sp>
+        <p:nvSpPr>
+          <p:cNvPr id="6" name="矩形 5"/>
+          <p:cNvSpPr/>
+          <p:nvPr/>
+        </p:nvSpPr>
+        <p:spPr>
+          <a:xfrm>
+            <a:off x="495300" y="2656547"/>
+            <a:ext cx="9083040" cy="646331"/>
+          </a:xfrm>
+          <a:prstGeom prst="rect">
+            <a:avLst/>
+          </a:prstGeom>
+        </p:spPr>
+        <p:txBody>
+          <a:bodyPr wrap="square">
+            <a:spAutoFit/>
+          </a:bodyPr>
+          <a:lstStyle/>
+          <a:p>
+            <a:r>
+              <a:rPr lang="en-US" altLang="zh-TW" dirty="0">
+                <a:latin typeface="Cascadia Code" panose="020B0609020000020004" pitchFamily="49" charset="0"/>
+              </a:rPr>
+              <a:t>k = 3.86 -&gt; </a:t>
+            </a:r>
+            <a:r>
+              <a:rPr lang="en-US" altLang="zh-TW" dirty="0" err="1">
+                <a:latin typeface="Cascadia Code" panose="020B0609020000020004" pitchFamily="49" charset="0"/>
+              </a:rPr>
+              <a:t>k_p</a:t>
+            </a:r>
+            <a:r>
+              <a:rPr lang="en-US" altLang="zh-TW" dirty="0">
+                <a:latin typeface="Cascadia Code" panose="020B0609020000020004" pitchFamily="49" charset="0"/>
+              </a:rPr>
+              <a:t> = k / </a:t>
+            </a:r>
+            <a:r>
+              <a:rPr lang="en-US" altLang="zh-TW" dirty="0" err="1">
+                <a:latin typeface="Cascadia Code" panose="020B0609020000020004" pitchFamily="49" charset="0"/>
+              </a:rPr>
+              <a:t>k_m</a:t>
+            </a:r>
+            <a:r>
+              <a:rPr lang="en-US" altLang="zh-TW" dirty="0">
+                <a:latin typeface="Cascadia Code" panose="020B0609020000020004" pitchFamily="49" charset="0"/>
+              </a:rPr>
+              <a:t> = 3.86 / 307  =</a:t>
+            </a:r>
+            <a:r>
+              <a:rPr lang="en-US" altLang="zh-TW" b="1" dirty="0"/>
+              <a:t>0.01257328990228013</a:t>
+            </a:r>
+            <a:r>
+              <a:rPr lang="en-US" altLang="zh-TW" dirty="0">
+                <a:latin typeface="Cascadia Code" panose="020B0609020000020004" pitchFamily="49" charset="0"/>
+              </a:rPr>
+              <a:t> </a:t>
+            </a:r>
+          </a:p>
+          <a:p>
+            <a:r>
+              <a:rPr lang="en-US" altLang="zh-TW" dirty="0">
+                <a:latin typeface="Cascadia Code" panose="020B0609020000020004" pitchFamily="49" charset="0"/>
+              </a:rPr>
+              <a:t> -&gt; </a:t>
+            </a:r>
+            <a:r>
+              <a:rPr lang="en-US" altLang="zh-TW" dirty="0" err="1">
+                <a:latin typeface="Cascadia Code" panose="020B0609020000020004" pitchFamily="49" charset="0"/>
+              </a:rPr>
+              <a:t>k_i</a:t>
+            </a:r>
+            <a:r>
+              <a:rPr lang="en-US" altLang="zh-TW" dirty="0">
+                <a:latin typeface="Cascadia Code" panose="020B0609020000020004" pitchFamily="49" charset="0"/>
+              </a:rPr>
+              <a:t> = </a:t>
+            </a:r>
+            <a:r>
+              <a:rPr lang="en-US" altLang="zh-TW" dirty="0" err="1">
+                <a:latin typeface="Cascadia Code" panose="020B0609020000020004" pitchFamily="49" charset="0"/>
+              </a:rPr>
+              <a:t>k_p</a:t>
+            </a:r>
+            <a:r>
+              <a:rPr lang="en-US" altLang="zh-TW" dirty="0">
+                <a:latin typeface="Cascadia Code" panose="020B0609020000020004" pitchFamily="49" charset="0"/>
+              </a:rPr>
+              <a:t> * D = 0.03771986970684039</a:t>
+            </a:r>
+          </a:p>
+        </p:txBody>
+      </p:sp>
+    </p:spTree>
+    <p:extLst>
+      <p:ext uri="{BB962C8B-B14F-4D97-AF65-F5344CB8AC3E}">
+        <p14:creationId xmlns:p14="http://schemas.microsoft.com/office/powerpoint/2010/main" val="578369338"/>
+      </p:ext>
+    </p:extLst>
+  </p:cSld>
+  <p:clrMapOvr>
+    <a:masterClrMapping/>
+  </p:clrMapOvr>
+</p:sld>
+</file>
+
+<file path=ppt/slides/slide13.xml><?xml version="1.0" encoding="utf-8"?>
+<p:sld xmlns:a="http://schemas.openxmlformats.org/drawingml/2006/main" xmlns:r="http://schemas.openxmlformats.org/officeDocument/2006/relationships" xmlns:p="http://schemas.openxmlformats.org/presentationml/2006/main">
+  <p:cSld>
+    <p:spTree>
+      <p:nvGrpSpPr>
+        <p:cNvPr id="1" name=""/>
+        <p:cNvGrpSpPr/>
+        <p:nvPr/>
+      </p:nvGrpSpPr>
+      <p:grpSpPr>
+        <a:xfrm>
+          <a:off x="0" y="0"/>
+          <a:ext cx="0" cy="0"/>
+          <a:chOff x="0" y="0"/>
+          <a:chExt cx="0" cy="0"/>
+        </a:xfrm>
+      </p:grpSpPr>
+      <p:sp>
+        <p:nvSpPr>
+          <p:cNvPr id="6" name="標題 1">
+            <a:extLst>
+              <a:ext uri="{FF2B5EF4-FFF2-40B4-BE49-F238E27FC236}">
+                <a16:creationId xmlns:a16="http://schemas.microsoft.com/office/drawing/2014/main" id="{F0F24871-7E6E-6347-BF59-1F8F0DD956D0}"/>
+              </a:ext>
+            </a:extLst>
+          </p:cNvPr>
+          <p:cNvSpPr>
+            <a:spLocks noGrp="1"/>
+          </p:cNvSpPr>
+          <p:nvPr>
+            <p:ph type="title"/>
+          </p:nvPr>
+        </p:nvSpPr>
+        <p:spPr>
+          <a:xfrm>
+            <a:off x="838200" y="365125"/>
+            <a:ext cx="10515600" cy="1325563"/>
+          </a:xfrm>
+        </p:spPr>
+        <p:txBody>
+          <a:bodyPr/>
+          <a:lstStyle/>
+          <a:p>
+            <a:r>
+              <a:rPr lang="zh-TW" altLang="en-US" dirty="0">
+                <a:latin typeface="標楷體" panose="03000509000000000000" pitchFamily="65" charset="-120"/>
+                <a:ea typeface="標楷體" panose="03000509000000000000" pitchFamily="65" charset="-120"/>
+              </a:rPr>
+              <a:t>問題討論</a:t>
+            </a:r>
+          </a:p>
+        </p:txBody>
+      </p:sp>
+      <p:sp>
+        <p:nvSpPr>
+          <p:cNvPr id="4" name="標題 1">
+            <a:extLst>
+              <a:ext uri="{FF2B5EF4-FFF2-40B4-BE49-F238E27FC236}">
+                <a16:creationId xmlns:a16="http://schemas.microsoft.com/office/drawing/2014/main" id="{982A2E51-34D5-E916-A511-4B6C9FD64EEC}"/>
+              </a:ext>
+            </a:extLst>
+          </p:cNvPr>
+          <p:cNvSpPr txBox="1">
+            <a:spLocks/>
+          </p:cNvSpPr>
+          <p:nvPr/>
+        </p:nvSpPr>
+        <p:spPr>
+          <a:xfrm>
+            <a:off x="925945" y="1459634"/>
+            <a:ext cx="10515600" cy="1325563"/>
+          </a:xfrm>
+          <a:prstGeom prst="rect">
+            <a:avLst/>
+          </a:prstGeom>
+        </p:spPr>
+        <p:txBody>
+          <a:bodyPr vert="horz" lIns="91440" tIns="45720" rIns="91440" bIns="45720" rtlCol="0" anchor="ctr">
+            <a:normAutofit/>
+          </a:bodyPr>
+          <a:lstStyle>
+            <a:lvl1pPr algn="l" defTabSz="914400" rtl="0" eaLnBrk="1" latinLnBrk="0" hangingPunct="1">
+              <a:lnSpc>
+                <a:spcPct val="90000"/>
+              </a:lnSpc>
+              <a:spcBef>
+                <a:spcPct val="0"/>
+              </a:spcBef>
+              <a:buNone/>
+              <a:defRPr sz="4400" kern="1200">
+                <a:solidFill>
+                  <a:schemeClr val="tx1"/>
+                </a:solidFill>
+                <a:latin typeface="+mj-lt"/>
+                <a:ea typeface="+mj-ea"/>
+                <a:cs typeface="+mj-cs"/>
+              </a:defRPr>
+            </a:lvl1pPr>
+          </a:lstStyle>
+          <a:p>
+            <a:r>
+              <a:rPr lang="en-US" altLang="zh-TW" sz="2400" dirty="0">
+                <a:latin typeface="標楷體" panose="03000509000000000000" pitchFamily="65" charset="-120"/>
+                <a:ea typeface="標楷體" panose="03000509000000000000" pitchFamily="65" charset="-120"/>
+              </a:rPr>
+              <a:t>(2)</a:t>
+            </a:r>
+            <a:r>
+              <a:rPr lang="zh-TW" altLang="en-US" sz="2400" dirty="0">
+                <a:latin typeface="標楷體" panose="03000509000000000000" pitchFamily="65" charset="-120"/>
+                <a:ea typeface="標楷體" panose="03000509000000000000" pitchFamily="65" charset="-120"/>
+              </a:rPr>
+              <a:t>根據實驗的設計，請討論參數改變對</a:t>
+            </a:r>
+            <a:r>
+              <a:rPr lang="en-US" altLang="zh-TW" sz="2400" dirty="0">
+                <a:latin typeface="標楷體" panose="03000509000000000000" pitchFamily="65" charset="-120"/>
+                <a:ea typeface="標楷體" panose="03000509000000000000" pitchFamily="65" charset="-120"/>
+              </a:rPr>
+              <a:t>PI</a:t>
+            </a:r>
+            <a:r>
+              <a:rPr lang="zh-TW" altLang="en-US" sz="2400" dirty="0">
+                <a:latin typeface="標楷體" panose="03000509000000000000" pitchFamily="65" charset="-120"/>
+                <a:ea typeface="標楷體" panose="03000509000000000000" pitchFamily="65" charset="-120"/>
+              </a:rPr>
+              <a:t>與</a:t>
+            </a:r>
+            <a:r>
+              <a:rPr lang="en-US" altLang="zh-TW" sz="2400" dirty="0">
+                <a:latin typeface="標楷體" panose="03000509000000000000" pitchFamily="65" charset="-120"/>
+                <a:ea typeface="標楷體" panose="03000509000000000000" pitchFamily="65" charset="-120"/>
+              </a:rPr>
+              <a:t>PID</a:t>
+            </a:r>
+            <a:r>
+              <a:rPr lang="zh-TW" altLang="en-US" sz="2400" dirty="0">
+                <a:latin typeface="標楷體" panose="03000509000000000000" pitchFamily="65" charset="-120"/>
+                <a:ea typeface="標楷體" panose="03000509000000000000" pitchFamily="65" charset="-120"/>
+              </a:rPr>
+              <a:t>控制器，在輸入相同步階訊號的情況下，與輸出訊號的差異</a:t>
+            </a:r>
+          </a:p>
+        </p:txBody>
+      </p:sp>
+      <p:sp>
+        <p:nvSpPr>
+          <p:cNvPr id="8" name="Rectangle 1">
+            <a:extLst>
+              <a:ext uri="{FF2B5EF4-FFF2-40B4-BE49-F238E27FC236}">
+                <a16:creationId xmlns:a16="http://schemas.microsoft.com/office/drawing/2014/main" id="{4EDB8AD8-B909-2413-AF5E-A907E5128A98}"/>
+              </a:ext>
+            </a:extLst>
+          </p:cNvPr>
+          <p:cNvSpPr>
+            <a:spLocks noChangeArrowheads="1"/>
+          </p:cNvSpPr>
+          <p:nvPr/>
+        </p:nvSpPr>
+        <p:spPr bwMode="auto">
+          <a:xfrm>
+            <a:off x="838200" y="2918643"/>
+            <a:ext cx="10270837" cy="2308324"/>
+          </a:xfrm>
+          <a:prstGeom prst="rect">
+            <a:avLst/>
+          </a:prstGeom>
+          <a:noFill/>
+          <a:ln>
+            <a:noFill/>
+          </a:ln>
+          <a:effectLst/>
+          <a:extLst>
+            <a:ext uri="{909E8E84-426E-40DD-AFC4-6F175D3DCCD1}">
+              <a14:hiddenFill xmlns:a14="http://schemas.microsoft.com/office/drawing/2010/main">
+                <a:solidFill>
+                  <a:schemeClr val="accent1"/>
+                </a:solidFill>
+              </a14:hiddenFill>
+            </a:ext>
+            <a:ext uri="{91240B29-F687-4F45-9708-019B960494DF}">
+              <a14:hiddenLine xmlns:a14="http://schemas.microsoft.com/office/drawing/2010/main" w="9525">
+                <a:solidFill>
+                  <a:schemeClr val="tx1"/>
+                </a:solidFill>
+                <a:miter lim="800000"/>
+                <a:headEnd/>
+                <a:tailEnd/>
+              </a14:hiddenLine>
+            </a:ext>
+            <a:ext uri="{AF507438-7753-43E0-B8FC-AC1667EBCBE1}">
+              <a14:hiddenEffects xmlns:a14="http://schemas.microsoft.com/office/drawing/2010/main">
+                <a:effectLst>
+                  <a:outerShdw dist="35921" dir="2700000" algn="ctr" rotWithShape="0">
+                    <a:schemeClr val="bg2"/>
+                  </a:outerShdw>
+                </a:effectLst>
+              </a14:hiddenEffects>
+            </a:ext>
+          </a:extLst>
+        </p:spPr>
+        <p:txBody>
+          <a:bodyPr vert="horz" wrap="square" lIns="91440" tIns="45720" rIns="91440" bIns="45720" numCol="1" anchor="ctr" anchorCtr="0" compatLnSpc="1">
+            <a:prstTxWarp prst="textNoShape">
+              <a:avLst/>
+            </a:prstTxWarp>
+            <a:spAutoFit/>
+          </a:bodyPr>
+          <a:lstStyle/>
+          <a:p>
+            <a:pPr marL="0" marR="0" lvl="0" indent="0" algn="l" defTabSz="914400" rtl="0" eaLnBrk="0" fontAlgn="base" latinLnBrk="0" hangingPunct="0">
+              <a:lnSpc>
+                <a:spcPct val="100000"/>
+              </a:lnSpc>
+              <a:spcBef>
+                <a:spcPct val="0"/>
+              </a:spcBef>
+              <a:spcAft>
+                <a:spcPct val="0"/>
+              </a:spcAft>
+              <a:buClrTx/>
+              <a:buSzTx/>
+              <a:tabLst/>
+            </a:pPr>
+            <a:r>
+              <a:rPr kumimoji="0" lang="en-US" altLang="zh-TW" sz="2400" i="0" u="none" strike="noStrike" cap="none" normalizeH="0" baseline="0" dirty="0">
+                <a:ln>
+                  <a:noFill/>
+                </a:ln>
+                <a:solidFill>
+                  <a:schemeClr val="tx1"/>
+                </a:solidFill>
+                <a:effectLst/>
+                <a:latin typeface="標楷體" panose="03000509000000000000" pitchFamily="65" charset="-120"/>
+                <a:ea typeface="標楷體" panose="03000509000000000000" pitchFamily="65" charset="-120"/>
+              </a:rPr>
+              <a:t>Ans:</a:t>
+            </a:r>
+          </a:p>
+          <a:p>
+            <a:pPr marL="0" marR="0" lvl="0" indent="0" algn="l" defTabSz="914400" rtl="0" eaLnBrk="0" fontAlgn="base" latinLnBrk="0" hangingPunct="0">
+              <a:lnSpc>
+                <a:spcPct val="100000"/>
+              </a:lnSpc>
+              <a:spcBef>
+                <a:spcPct val="0"/>
+              </a:spcBef>
+              <a:spcAft>
+                <a:spcPct val="0"/>
+              </a:spcAft>
+              <a:buClrTx/>
+              <a:buSzTx/>
+              <a:tabLst/>
+            </a:pPr>
+            <a:r>
+              <a:rPr kumimoji="0" lang="zh-TW" altLang="zh-TW" sz="2000" i="0" u="none" strike="noStrike" cap="none" normalizeH="0" baseline="0" dirty="0">
+                <a:ln>
+                  <a:noFill/>
+                </a:ln>
+                <a:solidFill>
+                  <a:schemeClr val="tx1"/>
+                </a:solidFill>
+                <a:effectLst/>
+                <a:latin typeface="標楷體" panose="03000509000000000000" pitchFamily="65" charset="-120"/>
+                <a:ea typeface="標楷體" panose="03000509000000000000" pitchFamily="65" charset="-120"/>
+              </a:rPr>
+              <a:t>PI控制器適用於對穩態誤差要求高、但對超越量要求不高的系統。</a:t>
+            </a:r>
+            <a:endParaRPr kumimoji="0" lang="en-US" altLang="zh-TW" sz="2000" i="0" u="none" strike="noStrike" cap="none" normalizeH="0" baseline="0" dirty="0">
+              <a:ln>
+                <a:noFill/>
+              </a:ln>
+              <a:solidFill>
+                <a:schemeClr val="tx1"/>
+              </a:solidFill>
+              <a:effectLst/>
+              <a:latin typeface="標楷體" panose="03000509000000000000" pitchFamily="65" charset="-120"/>
+              <a:ea typeface="標楷體" panose="03000509000000000000" pitchFamily="65" charset="-120"/>
+            </a:endParaRPr>
+          </a:p>
+          <a:p>
+            <a:pPr marL="0" marR="0" lvl="0" indent="0" algn="l" defTabSz="914400" rtl="0" eaLnBrk="0" fontAlgn="base" latinLnBrk="0" hangingPunct="0">
+              <a:lnSpc>
+                <a:spcPct val="100000"/>
+              </a:lnSpc>
+              <a:spcBef>
+                <a:spcPct val="0"/>
+              </a:spcBef>
+              <a:spcAft>
+                <a:spcPct val="0"/>
+              </a:spcAft>
+              <a:buClrTx/>
+              <a:buSzTx/>
+              <a:tabLst/>
+            </a:pPr>
+            <a:endParaRPr kumimoji="0" lang="zh-TW" altLang="zh-TW" sz="2000" i="0" u="none" strike="noStrike" cap="none" normalizeH="0" baseline="0" dirty="0">
+              <a:ln>
+                <a:noFill/>
+              </a:ln>
+              <a:solidFill>
+                <a:schemeClr val="tx1"/>
+              </a:solidFill>
+              <a:effectLst/>
+              <a:latin typeface="標楷體" panose="03000509000000000000" pitchFamily="65" charset="-120"/>
+              <a:ea typeface="標楷體" panose="03000509000000000000" pitchFamily="65" charset="-120"/>
+            </a:endParaRPr>
+          </a:p>
+          <a:p>
+            <a:pPr marL="0" marR="0" lvl="0" indent="0" algn="l" defTabSz="914400" rtl="0" eaLnBrk="0" fontAlgn="base" latinLnBrk="0" hangingPunct="0">
+              <a:lnSpc>
+                <a:spcPct val="100000"/>
+              </a:lnSpc>
+              <a:spcBef>
+                <a:spcPct val="0"/>
+              </a:spcBef>
+              <a:spcAft>
+                <a:spcPct val="0"/>
+              </a:spcAft>
+              <a:buClrTx/>
+              <a:buSzTx/>
+              <a:tabLst/>
+            </a:pPr>
+            <a:r>
+              <a:rPr kumimoji="0" lang="zh-TW" altLang="zh-TW" sz="2000" i="0" u="none" strike="noStrike" cap="none" normalizeH="0" baseline="0" dirty="0">
+                <a:ln>
+                  <a:noFill/>
+                </a:ln>
+                <a:solidFill>
+                  <a:schemeClr val="tx1"/>
+                </a:solidFill>
+                <a:effectLst/>
+                <a:latin typeface="標楷體" panose="03000509000000000000" pitchFamily="65" charset="-120"/>
+                <a:ea typeface="標楷體" panose="03000509000000000000" pitchFamily="65" charset="-120"/>
+              </a:rPr>
+              <a:t>PID控制器適用於對反應速度與穩定性要求高的情境。</a:t>
+            </a:r>
+            <a:endParaRPr kumimoji="0" lang="en-US" altLang="zh-TW" sz="2000" i="0" u="none" strike="noStrike" cap="none" normalizeH="0" baseline="0" dirty="0">
+              <a:ln>
+                <a:noFill/>
+              </a:ln>
+              <a:solidFill>
+                <a:schemeClr val="tx1"/>
+              </a:solidFill>
+              <a:effectLst/>
+              <a:latin typeface="標楷體" panose="03000509000000000000" pitchFamily="65" charset="-120"/>
+              <a:ea typeface="標楷體" panose="03000509000000000000" pitchFamily="65" charset="-120"/>
+            </a:endParaRPr>
+          </a:p>
+          <a:p>
+            <a:pPr marL="0" marR="0" lvl="0" indent="0" algn="l" defTabSz="914400" rtl="0" eaLnBrk="0" fontAlgn="base" latinLnBrk="0" hangingPunct="0">
+              <a:lnSpc>
+                <a:spcPct val="100000"/>
+              </a:lnSpc>
+              <a:spcBef>
+                <a:spcPct val="0"/>
+              </a:spcBef>
+              <a:spcAft>
+                <a:spcPct val="0"/>
+              </a:spcAft>
+              <a:buClrTx/>
+              <a:buSzTx/>
+              <a:tabLst/>
+            </a:pPr>
+            <a:endParaRPr kumimoji="0" lang="zh-TW" altLang="zh-TW" sz="2000" i="0" u="none" strike="noStrike" cap="none" normalizeH="0" baseline="0" dirty="0">
+              <a:ln>
+                <a:noFill/>
+              </a:ln>
+              <a:solidFill>
+                <a:schemeClr val="tx1"/>
+              </a:solidFill>
+              <a:effectLst/>
+              <a:latin typeface="標楷體" panose="03000509000000000000" pitchFamily="65" charset="-120"/>
+              <a:ea typeface="標楷體" panose="03000509000000000000" pitchFamily="65" charset="-120"/>
+            </a:endParaRPr>
+          </a:p>
+          <a:p>
+            <a:pPr marL="0" marR="0" lvl="0" indent="0" algn="l" defTabSz="914400" rtl="0" eaLnBrk="0" fontAlgn="base" latinLnBrk="0" hangingPunct="0">
+              <a:lnSpc>
+                <a:spcPct val="100000"/>
+              </a:lnSpc>
+              <a:spcBef>
+                <a:spcPct val="0"/>
+              </a:spcBef>
+              <a:spcAft>
+                <a:spcPct val="0"/>
+              </a:spcAft>
+              <a:buClrTx/>
+              <a:buSzTx/>
+              <a:tabLst/>
+            </a:pPr>
+            <a:r>
+              <a:rPr kumimoji="0" lang="zh-TW" altLang="zh-TW" sz="2000" i="0" u="none" strike="noStrike" cap="none" normalizeH="0" baseline="0" dirty="0">
+                <a:ln>
+                  <a:noFill/>
+                </a:ln>
+                <a:solidFill>
+                  <a:schemeClr val="tx1"/>
+                </a:solidFill>
+                <a:effectLst/>
+                <a:latin typeface="標楷體" panose="03000509000000000000" pitchFamily="65" charset="-120"/>
+                <a:ea typeface="標楷體" panose="03000509000000000000" pitchFamily="65" charset="-120"/>
+              </a:rPr>
+              <a:t>實驗中可以透過調整比例、積分與微分增益來觀察波形變化，如：上升時間、尖峰時間、超越量、穩態誤差等指標。</a:t>
+            </a:r>
+          </a:p>
+        </p:txBody>
+      </p:sp>
+    </p:spTree>
+    <p:extLst>
+      <p:ext uri="{BB962C8B-B14F-4D97-AF65-F5344CB8AC3E}">
+        <p14:creationId xmlns:p14="http://schemas.microsoft.com/office/powerpoint/2010/main" val="460641026"/>
+      </p:ext>
+    </p:extLst>
+  </p:cSld>
+  <p:clrMapOvr>
+    <a:masterClrMapping/>
+  </p:clrMapOvr>
+</p:sld>
+</file>
+
 <file path=ppt/slides/slide2.xml><?xml version="1.0" encoding="utf-8"?>
 <p:sld xmlns:a="http://schemas.openxmlformats.org/drawingml/2006/main" xmlns:r="http://schemas.openxmlformats.org/officeDocument/2006/relationships" xmlns:p="http://schemas.openxmlformats.org/presentationml/2006/main">
   <p:cSld>
@@ -4070,7 +5208,7 @@
           <a:lstStyle/>
           <a:p>
             <a:r>
-              <a:rPr lang="zh-TW" altLang="en-US" dirty="0" smtClean="0">
+              <a:rPr lang="zh-TW" altLang="en-US" dirty="0">
                 <a:latin typeface="標楷體" panose="03000509000000000000" pitchFamily="65" charset="-120"/>
                 <a:ea typeface="標楷體" panose="03000509000000000000" pitchFamily="65" charset="-120"/>
               </a:rPr>
@@ -4081,14 +5219,7 @@
                 <a:latin typeface="標楷體" panose="03000509000000000000" pitchFamily="65" charset="-120"/>
                 <a:ea typeface="標楷體" panose="03000509000000000000" pitchFamily="65" charset="-120"/>
               </a:rPr>
-              <a:t>6</a:t>
-            </a:r>
-            <a:r>
-              <a:rPr lang="en-US" altLang="zh-TW" dirty="0" smtClean="0">
-                <a:latin typeface="標楷體" panose="03000509000000000000" pitchFamily="65" charset="-120"/>
-                <a:ea typeface="標楷體" panose="03000509000000000000" pitchFamily="65" charset="-120"/>
-              </a:rPr>
-              <a:t>-1</a:t>
+              <a:t>6-1</a:t>
             </a:r>
             <a:endParaRPr lang="zh-TW" altLang="en-US" dirty="0">
               <a:latin typeface="標楷體" panose="03000509000000000000" pitchFamily="65" charset="-120"/>
@@ -4097,6 +5228,114 @@
           </a:p>
         </p:txBody>
       </p:sp>
+      <p:sp>
+        <p:nvSpPr>
+          <p:cNvPr id="3" name="標題 1">
+            <a:extLst>
+              <a:ext uri="{FF2B5EF4-FFF2-40B4-BE49-F238E27FC236}">
+                <a16:creationId xmlns:a16="http://schemas.microsoft.com/office/drawing/2014/main" id="{C2D8107A-BA0F-3B73-B0B8-10E5EFE91BA8}"/>
+              </a:ext>
+            </a:extLst>
+          </p:cNvPr>
+          <p:cNvSpPr txBox="1">
+            <a:spLocks/>
+          </p:cNvSpPr>
+          <p:nvPr/>
+        </p:nvSpPr>
+        <p:spPr>
+          <a:xfrm>
+            <a:off x="838200" y="1182543"/>
+            <a:ext cx="10515600" cy="1325563"/>
+          </a:xfrm>
+          <a:prstGeom prst="rect">
+            <a:avLst/>
+          </a:prstGeom>
+        </p:spPr>
+        <p:txBody>
+          <a:bodyPr vert="horz" lIns="91440" tIns="45720" rIns="91440" bIns="45720" rtlCol="0" anchor="ctr">
+            <a:normAutofit/>
+          </a:bodyPr>
+          <a:lstStyle>
+            <a:lvl1pPr algn="l" defTabSz="914400" rtl="0" eaLnBrk="1" latinLnBrk="0" hangingPunct="1">
+              <a:lnSpc>
+                <a:spcPct val="90000"/>
+              </a:lnSpc>
+              <a:spcBef>
+                <a:spcPct val="0"/>
+              </a:spcBef>
+              <a:buNone/>
+              <a:defRPr sz="4400" kern="1200">
+                <a:solidFill>
+                  <a:schemeClr val="tx1"/>
+                </a:solidFill>
+                <a:latin typeface="+mj-lt"/>
+                <a:ea typeface="+mj-ea"/>
+                <a:cs typeface="+mj-cs"/>
+              </a:defRPr>
+            </a:lvl1pPr>
+          </a:lstStyle>
+          <a:p>
+            <a:r>
+              <a:rPr lang="en-US" altLang="zh-TW" sz="2400" dirty="0">
+                <a:latin typeface="標楷體" panose="03000509000000000000" pitchFamily="65" charset="-120"/>
+                <a:ea typeface="標楷體" panose="03000509000000000000" pitchFamily="65" charset="-120"/>
+              </a:rPr>
+              <a:t>(1)</a:t>
+            </a:r>
+            <a:r>
+              <a:rPr lang="zh-TW" altLang="en-US" sz="2400" dirty="0">
+                <a:latin typeface="標楷體" panose="03000509000000000000" pitchFamily="65" charset="-120"/>
+                <a:ea typeface="標楷體" panose="03000509000000000000" pitchFamily="65" charset="-120"/>
+              </a:rPr>
+              <a:t>請繪出圖</a:t>
+            </a:r>
+            <a:r>
+              <a:rPr lang="en-US" altLang="zh-TW" sz="2400" dirty="0">
+                <a:latin typeface="標楷體" panose="03000509000000000000" pitchFamily="65" charset="-120"/>
+                <a:ea typeface="標楷體" panose="03000509000000000000" pitchFamily="65" charset="-120"/>
+              </a:rPr>
+              <a:t>6-7</a:t>
+            </a:r>
+            <a:r>
+              <a:rPr lang="zh-TW" altLang="en-US" sz="2400" dirty="0">
+                <a:latin typeface="標楷體" panose="03000509000000000000" pitchFamily="65" charset="-120"/>
+                <a:ea typeface="標楷體" panose="03000509000000000000" pitchFamily="65" charset="-120"/>
+              </a:rPr>
+              <a:t>之實際系統方塊圖</a:t>
+            </a:r>
+          </a:p>
+        </p:txBody>
+      </p:sp>
+      <p:pic>
+        <p:nvPicPr>
+          <p:cNvPr id="5" name="圖片 4">
+            <a:extLst>
+              <a:ext uri="{FF2B5EF4-FFF2-40B4-BE49-F238E27FC236}">
+                <a16:creationId xmlns:a16="http://schemas.microsoft.com/office/drawing/2014/main" id="{35CA0DC0-8D9D-8C8C-9BB6-39F5817E4A7C}"/>
+              </a:ext>
+            </a:extLst>
+          </p:cNvPr>
+          <p:cNvPicPr>
+            <a:picLocks noChangeAspect="1"/>
+          </p:cNvPicPr>
+          <p:nvPr/>
+        </p:nvPicPr>
+        <p:blipFill>
+          <a:blip r:embed="rId2"/>
+          <a:stretch>
+            <a:fillRect/>
+          </a:stretch>
+        </p:blipFill>
+        <p:spPr>
+          <a:xfrm>
+            <a:off x="1902691" y="2710603"/>
+            <a:ext cx="8746836" cy="3278584"/>
+          </a:xfrm>
+          <a:prstGeom prst="rect">
+            <a:avLst/>
+          </a:prstGeom>
+        </p:spPr>
+      </p:pic>
     </p:spTree>
     <p:extLst>
       <p:ext uri="{BB962C8B-B14F-4D97-AF65-F5344CB8AC3E}">
@@ -4115,6 +5354,1253 @@
   <p:cSld>
     <p:spTree>
       <p:nvGrpSpPr>
+        <p:cNvPr id="1" name="">
+          <a:extLst>
+            <a:ext uri="{FF2B5EF4-FFF2-40B4-BE49-F238E27FC236}">
+              <a16:creationId xmlns:a16="http://schemas.microsoft.com/office/drawing/2014/main" id="{55E7B129-0454-B07A-D7CB-E3CDD708EDB6}"/>
+            </a:ext>
+          </a:extLst>
+        </p:cNvPr>
+        <p:cNvGrpSpPr/>
+        <p:nvPr/>
+      </p:nvGrpSpPr>
+      <p:grpSpPr>
+        <a:xfrm>
+          <a:off x="0" y="0"/>
+          <a:ext cx="0" cy="0"/>
+          <a:chOff x="0" y="0"/>
+          <a:chExt cx="0" cy="0"/>
+        </a:xfrm>
+      </p:grpSpPr>
+      <p:sp>
+        <p:nvSpPr>
+          <p:cNvPr id="2" name="標題 1">
+            <a:extLst>
+              <a:ext uri="{FF2B5EF4-FFF2-40B4-BE49-F238E27FC236}">
+                <a16:creationId xmlns:a16="http://schemas.microsoft.com/office/drawing/2014/main" id="{5B0DA86A-B59E-338A-ED0D-9B563FB937BE}"/>
+              </a:ext>
+            </a:extLst>
+          </p:cNvPr>
+          <p:cNvSpPr>
+            <a:spLocks noGrp="1"/>
+          </p:cNvSpPr>
+          <p:nvPr>
+            <p:ph type="title"/>
+          </p:nvPr>
+        </p:nvSpPr>
+        <p:spPr/>
+        <p:txBody>
+          <a:bodyPr/>
+          <a:lstStyle/>
+          <a:p>
+            <a:r>
+              <a:rPr lang="zh-TW" altLang="en-US" dirty="0">
+                <a:latin typeface="標楷體" panose="03000509000000000000" pitchFamily="65" charset="-120"/>
+                <a:ea typeface="標楷體" panose="03000509000000000000" pitchFamily="65" charset="-120"/>
+              </a:rPr>
+              <a:t>實驗</a:t>
+            </a:r>
+            <a:r>
+              <a:rPr lang="en-US" altLang="zh-TW" dirty="0">
+                <a:latin typeface="標楷體" panose="03000509000000000000" pitchFamily="65" charset="-120"/>
+                <a:ea typeface="標楷體" panose="03000509000000000000" pitchFamily="65" charset="-120"/>
+              </a:rPr>
+              <a:t>6-1</a:t>
+            </a:r>
+            <a:endParaRPr lang="zh-TW" altLang="en-US" dirty="0">
+              <a:latin typeface="標楷體" panose="03000509000000000000" pitchFamily="65" charset="-120"/>
+              <a:ea typeface="標楷體" panose="03000509000000000000" pitchFamily="65" charset="-120"/>
+            </a:endParaRPr>
+          </a:p>
+        </p:txBody>
+      </p:sp>
+      <p:sp>
+        <p:nvSpPr>
+          <p:cNvPr id="3" name="標題 1">
+            <a:extLst>
+              <a:ext uri="{FF2B5EF4-FFF2-40B4-BE49-F238E27FC236}">
+                <a16:creationId xmlns:a16="http://schemas.microsoft.com/office/drawing/2014/main" id="{47E346BA-F4F9-67CF-ABDF-E32520D4B4DC}"/>
+              </a:ext>
+            </a:extLst>
+          </p:cNvPr>
+          <p:cNvSpPr txBox="1">
+            <a:spLocks/>
+          </p:cNvSpPr>
+          <p:nvPr/>
+        </p:nvSpPr>
+        <p:spPr>
+          <a:xfrm>
+            <a:off x="838200" y="1182543"/>
+            <a:ext cx="10515600" cy="1325563"/>
+          </a:xfrm>
+          <a:prstGeom prst="rect">
+            <a:avLst/>
+          </a:prstGeom>
+        </p:spPr>
+        <p:txBody>
+          <a:bodyPr vert="horz" lIns="91440" tIns="45720" rIns="91440" bIns="45720" rtlCol="0" anchor="ctr">
+            <a:normAutofit/>
+          </a:bodyPr>
+          <a:lstStyle>
+            <a:lvl1pPr algn="l" defTabSz="914400" rtl="0" eaLnBrk="1" latinLnBrk="0" hangingPunct="1">
+              <a:lnSpc>
+                <a:spcPct val="90000"/>
+              </a:lnSpc>
+              <a:spcBef>
+                <a:spcPct val="0"/>
+              </a:spcBef>
+              <a:buNone/>
+              <a:defRPr sz="4400" kern="1200">
+                <a:solidFill>
+                  <a:schemeClr val="tx1"/>
+                </a:solidFill>
+                <a:latin typeface="+mj-lt"/>
+                <a:ea typeface="+mj-ea"/>
+                <a:cs typeface="+mj-cs"/>
+              </a:defRPr>
+            </a:lvl1pPr>
+          </a:lstStyle>
+          <a:p>
+            <a:r>
+              <a:rPr lang="en-US" altLang="zh-TW" sz="2400" dirty="0">
+                <a:latin typeface="標楷體" panose="03000509000000000000" pitchFamily="65" charset="-120"/>
+                <a:ea typeface="標楷體" panose="03000509000000000000" pitchFamily="65" charset="-120"/>
+              </a:rPr>
+              <a:t>(2)</a:t>
+            </a:r>
+            <a:r>
+              <a:rPr lang="zh-TW" altLang="en-US" sz="2400" dirty="0">
+                <a:latin typeface="標楷體" panose="03000509000000000000" pitchFamily="65" charset="-120"/>
+                <a:ea typeface="標楷體" panose="03000509000000000000" pitchFamily="65" charset="-120"/>
+              </a:rPr>
+              <a:t>完成表</a:t>
+            </a:r>
+            <a:r>
+              <a:rPr lang="en-US" altLang="zh-TW" sz="2400" dirty="0">
+                <a:latin typeface="標楷體" panose="03000509000000000000" pitchFamily="65" charset="-120"/>
+                <a:ea typeface="標楷體" panose="03000509000000000000" pitchFamily="65" charset="-120"/>
+              </a:rPr>
+              <a:t>6-1</a:t>
+            </a:r>
+            <a:endParaRPr lang="zh-TW" altLang="en-US" sz="2400" dirty="0">
+              <a:latin typeface="標楷體" panose="03000509000000000000" pitchFamily="65" charset="-120"/>
+              <a:ea typeface="標楷體" panose="03000509000000000000" pitchFamily="65" charset="-120"/>
+            </a:endParaRPr>
+          </a:p>
+        </p:txBody>
+      </p:sp>
+    </p:spTree>
+    <p:extLst>
+      <p:ext uri="{BB962C8B-B14F-4D97-AF65-F5344CB8AC3E}">
+        <p14:creationId xmlns:p14="http://schemas.microsoft.com/office/powerpoint/2010/main" val="161310738"/>
+      </p:ext>
+    </p:extLst>
+  </p:cSld>
+  <p:clrMapOvr>
+    <a:masterClrMapping/>
+  </p:clrMapOvr>
+</p:sld>
+</file>
+
+<file path=ppt/slides/slide4.xml><?xml version="1.0" encoding="utf-8"?>
+<p:sld xmlns:a="http://schemas.openxmlformats.org/drawingml/2006/main" xmlns:r="http://schemas.openxmlformats.org/officeDocument/2006/relationships" xmlns:p="http://schemas.openxmlformats.org/presentationml/2006/main">
+  <p:cSld>
+    <p:spTree>
+      <p:nvGrpSpPr>
+        <p:cNvPr id="1" name="">
+          <a:extLst>
+            <a:ext uri="{FF2B5EF4-FFF2-40B4-BE49-F238E27FC236}">
+              <a16:creationId xmlns:a16="http://schemas.microsoft.com/office/drawing/2014/main" id="{F7C10D08-650A-9D1E-CD20-196335920166}"/>
+            </a:ext>
+          </a:extLst>
+        </p:cNvPr>
+        <p:cNvGrpSpPr/>
+        <p:nvPr/>
+      </p:nvGrpSpPr>
+      <p:grpSpPr>
+        <a:xfrm>
+          <a:off x="0" y="0"/>
+          <a:ext cx="0" cy="0"/>
+          <a:chOff x="0" y="0"/>
+          <a:chExt cx="0" cy="0"/>
+        </a:xfrm>
+      </p:grpSpPr>
+      <p:sp>
+        <p:nvSpPr>
+          <p:cNvPr id="2" name="標題 1">
+            <a:extLst>
+              <a:ext uri="{FF2B5EF4-FFF2-40B4-BE49-F238E27FC236}">
+                <a16:creationId xmlns:a16="http://schemas.microsoft.com/office/drawing/2014/main" id="{1BBCCB7A-013C-4487-0064-83857C3E53C8}"/>
+              </a:ext>
+            </a:extLst>
+          </p:cNvPr>
+          <p:cNvSpPr>
+            <a:spLocks noGrp="1"/>
+          </p:cNvSpPr>
+          <p:nvPr>
+            <p:ph type="title"/>
+          </p:nvPr>
+        </p:nvSpPr>
+        <p:spPr/>
+        <p:txBody>
+          <a:bodyPr/>
+          <a:lstStyle/>
+          <a:p>
+            <a:r>
+              <a:rPr lang="zh-TW" altLang="en-US" dirty="0">
+                <a:latin typeface="標楷體" panose="03000509000000000000" pitchFamily="65" charset="-120"/>
+                <a:ea typeface="標楷體" panose="03000509000000000000" pitchFamily="65" charset="-120"/>
+              </a:rPr>
+              <a:t>實驗</a:t>
+            </a:r>
+            <a:r>
+              <a:rPr lang="en-US" altLang="zh-TW" dirty="0">
+                <a:latin typeface="標楷體" panose="03000509000000000000" pitchFamily="65" charset="-120"/>
+                <a:ea typeface="標楷體" panose="03000509000000000000" pitchFamily="65" charset="-120"/>
+              </a:rPr>
+              <a:t>6-1-1(</a:t>
+            </a:r>
+            <a:r>
+              <a:rPr lang="zh-TW" altLang="en-US" dirty="0">
+                <a:latin typeface="標楷體" panose="03000509000000000000" pitchFamily="65" charset="-120"/>
+                <a:ea typeface="標楷體" panose="03000509000000000000" pitchFamily="65" charset="-120"/>
+              </a:rPr>
+              <a:t>軟體</a:t>
+            </a:r>
+            <a:r>
+              <a:rPr lang="en-US" altLang="zh-TW" dirty="0">
+                <a:latin typeface="標楷體" panose="03000509000000000000" pitchFamily="65" charset="-120"/>
+                <a:ea typeface="標楷體" panose="03000509000000000000" pitchFamily="65" charset="-120"/>
+              </a:rPr>
+              <a:t>)</a:t>
+            </a:r>
+            <a:endParaRPr lang="zh-TW" altLang="en-US" dirty="0">
+              <a:latin typeface="標楷體" panose="03000509000000000000" pitchFamily="65" charset="-120"/>
+              <a:ea typeface="標楷體" panose="03000509000000000000" pitchFamily="65" charset="-120"/>
+            </a:endParaRPr>
+          </a:p>
+        </p:txBody>
+      </p:sp>
+      <p:sp>
+        <p:nvSpPr>
+          <p:cNvPr id="3" name="標題 1">
+            <a:extLst>
+              <a:ext uri="{FF2B5EF4-FFF2-40B4-BE49-F238E27FC236}">
+                <a16:creationId xmlns:a16="http://schemas.microsoft.com/office/drawing/2014/main" id="{5AB579FE-8C61-920F-AD04-60AD021C7552}"/>
+              </a:ext>
+            </a:extLst>
+          </p:cNvPr>
+          <p:cNvSpPr txBox="1">
+            <a:spLocks/>
+          </p:cNvSpPr>
+          <p:nvPr/>
+        </p:nvSpPr>
+        <p:spPr>
+          <a:xfrm>
+            <a:off x="838200" y="1182543"/>
+            <a:ext cx="10515600" cy="1325563"/>
+          </a:xfrm>
+          <a:prstGeom prst="rect">
+            <a:avLst/>
+          </a:prstGeom>
+        </p:spPr>
+        <p:txBody>
+          <a:bodyPr vert="horz" lIns="91440" tIns="45720" rIns="91440" bIns="45720" rtlCol="0" anchor="ctr">
+            <a:normAutofit/>
+          </a:bodyPr>
+          <a:lstStyle>
+            <a:lvl1pPr algn="l" defTabSz="914400" rtl="0" eaLnBrk="1" latinLnBrk="0" hangingPunct="1">
+              <a:lnSpc>
+                <a:spcPct val="90000"/>
+              </a:lnSpc>
+              <a:spcBef>
+                <a:spcPct val="0"/>
+              </a:spcBef>
+              <a:buNone/>
+              <a:defRPr sz="4400" kern="1200">
+                <a:solidFill>
+                  <a:schemeClr val="tx1"/>
+                </a:solidFill>
+                <a:latin typeface="+mj-lt"/>
+                <a:ea typeface="+mj-ea"/>
+                <a:cs typeface="+mj-cs"/>
+              </a:defRPr>
+            </a:lvl1pPr>
+          </a:lstStyle>
+          <a:p>
+            <a:r>
+              <a:rPr lang="en-US" altLang="zh-TW" sz="2400" dirty="0">
+                <a:latin typeface="標楷體" panose="03000509000000000000" pitchFamily="65" charset="-120"/>
+                <a:ea typeface="標楷體" panose="03000509000000000000" pitchFamily="65" charset="-120"/>
+              </a:rPr>
+              <a:t>(3)10%-</a:t>
+            </a:r>
+            <a:r>
+              <a:rPr lang="zh-TW" altLang="en-US" sz="2400" dirty="0">
+                <a:latin typeface="標楷體" panose="03000509000000000000" pitchFamily="65" charset="-120"/>
+                <a:ea typeface="標楷體" panose="03000509000000000000" pitchFamily="65" charset="-120"/>
+              </a:rPr>
+              <a:t>觀察室示波器顯示之響應波形，並以軟體模擬。</a:t>
+            </a:r>
+          </a:p>
+        </p:txBody>
+      </p:sp>
+      <p:pic>
+        <p:nvPicPr>
+          <p:cNvPr id="1026" name="Picture 2">
+            <a:extLst>
+              <a:ext uri="{FF2B5EF4-FFF2-40B4-BE49-F238E27FC236}">
+                <a16:creationId xmlns:a16="http://schemas.microsoft.com/office/drawing/2014/main" id="{7F70D21E-1A0B-75DB-A53C-28239E9293C2}"/>
+              </a:ext>
+            </a:extLst>
+          </p:cNvPr>
+          <p:cNvPicPr>
+            <a:picLocks noChangeAspect="1" noChangeArrowheads="1"/>
+          </p:cNvPicPr>
+          <p:nvPr/>
+        </p:nvPicPr>
+        <p:blipFill>
+          <a:blip r:embed="rId2" cstate="print">
+            <a:extLst>
+              <a:ext uri="{28A0092B-C50C-407E-A947-70E740481C1C}">
+                <a14:useLocalDpi xmlns:a14="http://schemas.microsoft.com/office/drawing/2010/main" val="0"/>
+              </a:ext>
+            </a:extLst>
+          </a:blip>
+          <a:srcRect/>
+          <a:stretch>
+            <a:fillRect/>
+          </a:stretch>
+        </p:blipFill>
+        <p:spPr bwMode="auto">
+          <a:xfrm>
+            <a:off x="212775" y="3325524"/>
+            <a:ext cx="3260098" cy="3002264"/>
+          </a:xfrm>
+          <a:prstGeom prst="rect">
+            <a:avLst/>
+          </a:prstGeom>
+          <a:noFill/>
+          <a:extLst>
+            <a:ext uri="{909E8E84-426E-40DD-AFC4-6F175D3DCCD1}">
+              <a14:hiddenFill xmlns:a14="http://schemas.microsoft.com/office/drawing/2010/main">
+                <a:solidFill>
+                  <a:srgbClr val="FFFFFF"/>
+                </a:solidFill>
+              </a14:hiddenFill>
+            </a:ext>
+          </a:extLst>
+        </p:spPr>
+      </p:pic>
+      <p:pic>
+        <p:nvPicPr>
+          <p:cNvPr id="5" name="圖片 4">
+            <a:extLst>
+              <a:ext uri="{FF2B5EF4-FFF2-40B4-BE49-F238E27FC236}">
+                <a16:creationId xmlns:a16="http://schemas.microsoft.com/office/drawing/2014/main" id="{3F749C62-318E-D819-5DE2-62E801E836F4}"/>
+              </a:ext>
+            </a:extLst>
+          </p:cNvPr>
+          <p:cNvPicPr>
+            <a:picLocks noChangeAspect="1"/>
+          </p:cNvPicPr>
+          <p:nvPr/>
+        </p:nvPicPr>
+        <p:blipFill>
+          <a:blip r:embed="rId3"/>
+          <a:stretch>
+            <a:fillRect/>
+          </a:stretch>
+        </p:blipFill>
+        <p:spPr>
+          <a:xfrm>
+            <a:off x="4082476" y="3325523"/>
+            <a:ext cx="3825958" cy="3167351"/>
+          </a:xfrm>
+          <a:prstGeom prst="rect">
+            <a:avLst/>
+          </a:prstGeom>
+        </p:spPr>
+      </p:pic>
+      <p:pic>
+        <p:nvPicPr>
+          <p:cNvPr id="7" name="圖片 6">
+            <a:extLst>
+              <a:ext uri="{FF2B5EF4-FFF2-40B4-BE49-F238E27FC236}">
+                <a16:creationId xmlns:a16="http://schemas.microsoft.com/office/drawing/2014/main" id="{9FE0DF33-D495-82D0-6B38-5472B3026BDE}"/>
+              </a:ext>
+            </a:extLst>
+          </p:cNvPr>
+          <p:cNvPicPr>
+            <a:picLocks noChangeAspect="1"/>
+          </p:cNvPicPr>
+          <p:nvPr/>
+        </p:nvPicPr>
+        <p:blipFill>
+          <a:blip r:embed="rId4"/>
+          <a:stretch>
+            <a:fillRect/>
+          </a:stretch>
+        </p:blipFill>
+        <p:spPr>
+          <a:xfrm>
+            <a:off x="8259759" y="3325524"/>
+            <a:ext cx="3719466" cy="3093854"/>
+          </a:xfrm>
+          <a:prstGeom prst="rect">
+            <a:avLst/>
+          </a:prstGeom>
+        </p:spPr>
+      </p:pic>
+    </p:spTree>
+    <p:extLst>
+      <p:ext uri="{BB962C8B-B14F-4D97-AF65-F5344CB8AC3E}">
+        <p14:creationId xmlns:p14="http://schemas.microsoft.com/office/powerpoint/2010/main" val="1695825350"/>
+      </p:ext>
+    </p:extLst>
+  </p:cSld>
+  <p:clrMapOvr>
+    <a:masterClrMapping/>
+  </p:clrMapOvr>
+</p:sld>
+</file>
+
+<file path=ppt/slides/slide5.xml><?xml version="1.0" encoding="utf-8"?>
+<p:sld xmlns:a="http://schemas.openxmlformats.org/drawingml/2006/main" xmlns:r="http://schemas.openxmlformats.org/officeDocument/2006/relationships" xmlns:p="http://schemas.openxmlformats.org/presentationml/2006/main">
+  <p:cSld>
+    <p:spTree>
+      <p:nvGrpSpPr>
+        <p:cNvPr id="1" name="">
+          <a:extLst>
+            <a:ext uri="{FF2B5EF4-FFF2-40B4-BE49-F238E27FC236}">
+              <a16:creationId xmlns:a16="http://schemas.microsoft.com/office/drawing/2014/main" id="{6A7F8A4C-43C0-1012-9474-74349EE0B036}"/>
+            </a:ext>
+          </a:extLst>
+        </p:cNvPr>
+        <p:cNvGrpSpPr/>
+        <p:nvPr/>
+      </p:nvGrpSpPr>
+      <p:grpSpPr>
+        <a:xfrm>
+          <a:off x="0" y="0"/>
+          <a:ext cx="0" cy="0"/>
+          <a:chOff x="0" y="0"/>
+          <a:chExt cx="0" cy="0"/>
+        </a:xfrm>
+      </p:grpSpPr>
+      <p:sp>
+        <p:nvSpPr>
+          <p:cNvPr id="2" name="標題 1">
+            <a:extLst>
+              <a:ext uri="{FF2B5EF4-FFF2-40B4-BE49-F238E27FC236}">
+                <a16:creationId xmlns:a16="http://schemas.microsoft.com/office/drawing/2014/main" id="{A6A44515-629D-E367-BE89-F2C0BB6367D7}"/>
+              </a:ext>
+            </a:extLst>
+          </p:cNvPr>
+          <p:cNvSpPr>
+            <a:spLocks noGrp="1"/>
+          </p:cNvSpPr>
+          <p:nvPr>
+            <p:ph type="title"/>
+          </p:nvPr>
+        </p:nvSpPr>
+        <p:spPr/>
+        <p:txBody>
+          <a:bodyPr/>
+          <a:lstStyle/>
+          <a:p>
+            <a:r>
+              <a:rPr lang="zh-TW" altLang="en-US" dirty="0">
+                <a:latin typeface="標楷體" panose="03000509000000000000" pitchFamily="65" charset="-120"/>
+                <a:ea typeface="標楷體" panose="03000509000000000000" pitchFamily="65" charset="-120"/>
+              </a:rPr>
+              <a:t>實驗</a:t>
+            </a:r>
+            <a:r>
+              <a:rPr lang="en-US" altLang="zh-TW" dirty="0">
+                <a:latin typeface="標楷體" panose="03000509000000000000" pitchFamily="65" charset="-120"/>
+                <a:ea typeface="標楷體" panose="03000509000000000000" pitchFamily="65" charset="-120"/>
+              </a:rPr>
+              <a:t>6-1-2(</a:t>
+            </a:r>
+            <a:r>
+              <a:rPr lang="zh-TW" altLang="en-US" dirty="0">
+                <a:latin typeface="標楷體" panose="03000509000000000000" pitchFamily="65" charset="-120"/>
+                <a:ea typeface="標楷體" panose="03000509000000000000" pitchFamily="65" charset="-120"/>
+              </a:rPr>
+              <a:t>軟體</a:t>
+            </a:r>
+            <a:r>
+              <a:rPr lang="en-US" altLang="zh-TW" dirty="0">
+                <a:latin typeface="標楷體" panose="03000509000000000000" pitchFamily="65" charset="-120"/>
+                <a:ea typeface="標楷體" panose="03000509000000000000" pitchFamily="65" charset="-120"/>
+              </a:rPr>
+              <a:t>)</a:t>
+            </a:r>
+            <a:endParaRPr lang="zh-TW" altLang="en-US" dirty="0">
+              <a:latin typeface="標楷體" panose="03000509000000000000" pitchFamily="65" charset="-120"/>
+              <a:ea typeface="標楷體" panose="03000509000000000000" pitchFamily="65" charset="-120"/>
+            </a:endParaRPr>
+          </a:p>
+        </p:txBody>
+      </p:sp>
+      <p:sp>
+        <p:nvSpPr>
+          <p:cNvPr id="3" name="標題 1">
+            <a:extLst>
+              <a:ext uri="{FF2B5EF4-FFF2-40B4-BE49-F238E27FC236}">
+                <a16:creationId xmlns:a16="http://schemas.microsoft.com/office/drawing/2014/main" id="{379E0CFE-F66D-51D5-0BFA-B9DC6FD98124}"/>
+              </a:ext>
+            </a:extLst>
+          </p:cNvPr>
+          <p:cNvSpPr txBox="1">
+            <a:spLocks/>
+          </p:cNvSpPr>
+          <p:nvPr/>
+        </p:nvSpPr>
+        <p:spPr>
+          <a:xfrm>
+            <a:off x="838200" y="1182543"/>
+            <a:ext cx="10515600" cy="1325563"/>
+          </a:xfrm>
+          <a:prstGeom prst="rect">
+            <a:avLst/>
+          </a:prstGeom>
+        </p:spPr>
+        <p:txBody>
+          <a:bodyPr vert="horz" lIns="91440" tIns="45720" rIns="91440" bIns="45720" rtlCol="0" anchor="ctr">
+            <a:normAutofit/>
+          </a:bodyPr>
+          <a:lstStyle>
+            <a:lvl1pPr algn="l" defTabSz="914400" rtl="0" eaLnBrk="1" latinLnBrk="0" hangingPunct="1">
+              <a:lnSpc>
+                <a:spcPct val="90000"/>
+              </a:lnSpc>
+              <a:spcBef>
+                <a:spcPct val="0"/>
+              </a:spcBef>
+              <a:buNone/>
+              <a:defRPr sz="4400" kern="1200">
+                <a:solidFill>
+                  <a:schemeClr val="tx1"/>
+                </a:solidFill>
+                <a:latin typeface="+mj-lt"/>
+                <a:ea typeface="+mj-ea"/>
+                <a:cs typeface="+mj-cs"/>
+              </a:defRPr>
+            </a:lvl1pPr>
+          </a:lstStyle>
+          <a:p>
+            <a:r>
+              <a:rPr lang="en-US" altLang="zh-TW" sz="2400" dirty="0">
+                <a:latin typeface="標楷體" panose="03000509000000000000" pitchFamily="65" charset="-120"/>
+                <a:ea typeface="標楷體" panose="03000509000000000000" pitchFamily="65" charset="-120"/>
+              </a:rPr>
+              <a:t>(3)50%-</a:t>
+            </a:r>
+            <a:r>
+              <a:rPr lang="zh-TW" altLang="en-US" sz="2400" dirty="0">
+                <a:latin typeface="標楷體" panose="03000509000000000000" pitchFamily="65" charset="-120"/>
+                <a:ea typeface="標楷體" panose="03000509000000000000" pitchFamily="65" charset="-120"/>
+              </a:rPr>
+              <a:t>觀察室示波器顯示之響應波形，並以軟體模擬。</a:t>
+            </a:r>
+          </a:p>
+        </p:txBody>
+      </p:sp>
+      <p:pic>
+        <p:nvPicPr>
+          <p:cNvPr id="6" name="圖片 5">
+            <a:extLst>
+              <a:ext uri="{FF2B5EF4-FFF2-40B4-BE49-F238E27FC236}">
+                <a16:creationId xmlns:a16="http://schemas.microsoft.com/office/drawing/2014/main" id="{B0D4B9F0-8D88-3051-44E3-82D56FE534E6}"/>
+              </a:ext>
+            </a:extLst>
+          </p:cNvPr>
+          <p:cNvPicPr>
+            <a:picLocks noChangeAspect="1"/>
+          </p:cNvPicPr>
+          <p:nvPr/>
+        </p:nvPicPr>
+        <p:blipFill>
+          <a:blip r:embed="rId2"/>
+          <a:stretch>
+            <a:fillRect/>
+          </a:stretch>
+        </p:blipFill>
+        <p:spPr>
+          <a:xfrm>
+            <a:off x="0" y="3636911"/>
+            <a:ext cx="3762740" cy="2520000"/>
+          </a:xfrm>
+          <a:prstGeom prst="rect">
+            <a:avLst/>
+          </a:prstGeom>
+        </p:spPr>
+      </p:pic>
+      <p:pic>
+        <p:nvPicPr>
+          <p:cNvPr id="9" name="圖片 8">
+            <a:extLst>
+              <a:ext uri="{FF2B5EF4-FFF2-40B4-BE49-F238E27FC236}">
+                <a16:creationId xmlns:a16="http://schemas.microsoft.com/office/drawing/2014/main" id="{19012455-CD7B-6B76-59BA-B7ACCF458A0A}"/>
+              </a:ext>
+            </a:extLst>
+          </p:cNvPr>
+          <p:cNvPicPr>
+            <a:picLocks noChangeAspect="1"/>
+          </p:cNvPicPr>
+          <p:nvPr/>
+        </p:nvPicPr>
+        <p:blipFill>
+          <a:blip r:embed="rId3"/>
+          <a:stretch>
+            <a:fillRect/>
+          </a:stretch>
+        </p:blipFill>
+        <p:spPr>
+          <a:xfrm>
+            <a:off x="4116000" y="3636911"/>
+            <a:ext cx="3740816" cy="2520000"/>
+          </a:xfrm>
+          <a:prstGeom prst="rect">
+            <a:avLst/>
+          </a:prstGeom>
+        </p:spPr>
+      </p:pic>
+      <p:pic>
+        <p:nvPicPr>
+          <p:cNvPr id="11" name="圖片 10">
+            <a:extLst>
+              <a:ext uri="{FF2B5EF4-FFF2-40B4-BE49-F238E27FC236}">
+                <a16:creationId xmlns:a16="http://schemas.microsoft.com/office/drawing/2014/main" id="{CF099F74-2CA1-AB4B-4254-3C2E188563B6}"/>
+              </a:ext>
+            </a:extLst>
+          </p:cNvPr>
+          <p:cNvPicPr>
+            <a:picLocks noChangeAspect="1"/>
+          </p:cNvPicPr>
+          <p:nvPr/>
+        </p:nvPicPr>
+        <p:blipFill>
+          <a:blip r:embed="rId4"/>
+          <a:stretch>
+            <a:fillRect/>
+          </a:stretch>
+        </p:blipFill>
+        <p:spPr>
+          <a:xfrm>
+            <a:off x="8094472" y="3636911"/>
+            <a:ext cx="3828220" cy="2520000"/>
+          </a:xfrm>
+          <a:prstGeom prst="rect">
+            <a:avLst/>
+          </a:prstGeom>
+        </p:spPr>
+      </p:pic>
+    </p:spTree>
+    <p:extLst>
+      <p:ext uri="{BB962C8B-B14F-4D97-AF65-F5344CB8AC3E}">
+        <p14:creationId xmlns:p14="http://schemas.microsoft.com/office/powerpoint/2010/main" val="4027453250"/>
+      </p:ext>
+    </p:extLst>
+  </p:cSld>
+  <p:clrMapOvr>
+    <a:masterClrMapping/>
+  </p:clrMapOvr>
+</p:sld>
+</file>
+
+<file path=ppt/slides/slide6.xml><?xml version="1.0" encoding="utf-8"?>
+<p:sld xmlns:a="http://schemas.openxmlformats.org/drawingml/2006/main" xmlns:r="http://schemas.openxmlformats.org/officeDocument/2006/relationships" xmlns:p="http://schemas.openxmlformats.org/presentationml/2006/main">
+  <p:cSld>
+    <p:spTree>
+      <p:nvGrpSpPr>
+        <p:cNvPr id="1" name="">
+          <a:extLst>
+            <a:ext uri="{FF2B5EF4-FFF2-40B4-BE49-F238E27FC236}">
+              <a16:creationId xmlns:a16="http://schemas.microsoft.com/office/drawing/2014/main" id="{C52789E3-E9F1-314D-762E-A193E9488C39}"/>
+            </a:ext>
+          </a:extLst>
+        </p:cNvPr>
+        <p:cNvGrpSpPr/>
+        <p:nvPr/>
+      </p:nvGrpSpPr>
+      <p:grpSpPr>
+        <a:xfrm>
+          <a:off x="0" y="0"/>
+          <a:ext cx="0" cy="0"/>
+          <a:chOff x="0" y="0"/>
+          <a:chExt cx="0" cy="0"/>
+        </a:xfrm>
+      </p:grpSpPr>
+      <p:sp>
+        <p:nvSpPr>
+          <p:cNvPr id="2" name="標題 1">
+            <a:extLst>
+              <a:ext uri="{FF2B5EF4-FFF2-40B4-BE49-F238E27FC236}">
+                <a16:creationId xmlns:a16="http://schemas.microsoft.com/office/drawing/2014/main" id="{A34A95B3-215B-4AEB-7E15-56109E392229}"/>
+              </a:ext>
+            </a:extLst>
+          </p:cNvPr>
+          <p:cNvSpPr>
+            <a:spLocks noGrp="1"/>
+          </p:cNvSpPr>
+          <p:nvPr>
+            <p:ph type="title"/>
+          </p:nvPr>
+        </p:nvSpPr>
+        <p:spPr/>
+        <p:txBody>
+          <a:bodyPr/>
+          <a:lstStyle/>
+          <a:p>
+            <a:r>
+              <a:rPr lang="zh-TW" altLang="en-US" dirty="0">
+                <a:latin typeface="標楷體" panose="03000509000000000000" pitchFamily="65" charset="-120"/>
+                <a:ea typeface="標楷體" panose="03000509000000000000" pitchFamily="65" charset="-120"/>
+              </a:rPr>
+              <a:t>實驗</a:t>
+            </a:r>
+            <a:r>
+              <a:rPr lang="en-US" altLang="zh-TW" dirty="0">
+                <a:latin typeface="標楷體" panose="03000509000000000000" pitchFamily="65" charset="-120"/>
+                <a:ea typeface="標楷體" panose="03000509000000000000" pitchFamily="65" charset="-120"/>
+              </a:rPr>
+              <a:t>6-2</a:t>
+            </a:r>
+            <a:endParaRPr lang="zh-TW" altLang="en-US" dirty="0">
+              <a:latin typeface="標楷體" panose="03000509000000000000" pitchFamily="65" charset="-120"/>
+              <a:ea typeface="標楷體" panose="03000509000000000000" pitchFamily="65" charset="-120"/>
+            </a:endParaRPr>
+          </a:p>
+        </p:txBody>
+      </p:sp>
+      <p:sp>
+        <p:nvSpPr>
+          <p:cNvPr id="3" name="標題 1">
+            <a:extLst>
+              <a:ext uri="{FF2B5EF4-FFF2-40B4-BE49-F238E27FC236}">
+                <a16:creationId xmlns:a16="http://schemas.microsoft.com/office/drawing/2014/main" id="{FED37D13-2721-A7CE-ACAF-02D8113392CB}"/>
+              </a:ext>
+            </a:extLst>
+          </p:cNvPr>
+          <p:cNvSpPr txBox="1">
+            <a:spLocks/>
+          </p:cNvSpPr>
+          <p:nvPr/>
+        </p:nvSpPr>
+        <p:spPr>
+          <a:xfrm>
+            <a:off x="838200" y="1182543"/>
+            <a:ext cx="10515600" cy="1325563"/>
+          </a:xfrm>
+          <a:prstGeom prst="rect">
+            <a:avLst/>
+          </a:prstGeom>
+        </p:spPr>
+        <p:txBody>
+          <a:bodyPr vert="horz" lIns="91440" tIns="45720" rIns="91440" bIns="45720" rtlCol="0" anchor="ctr">
+            <a:normAutofit/>
+          </a:bodyPr>
+          <a:lstStyle>
+            <a:lvl1pPr algn="l" defTabSz="914400" rtl="0" eaLnBrk="1" latinLnBrk="0" hangingPunct="1">
+              <a:lnSpc>
+                <a:spcPct val="90000"/>
+              </a:lnSpc>
+              <a:spcBef>
+                <a:spcPct val="0"/>
+              </a:spcBef>
+              <a:buNone/>
+              <a:defRPr sz="4400" kern="1200">
+                <a:solidFill>
+                  <a:schemeClr val="tx1"/>
+                </a:solidFill>
+                <a:latin typeface="+mj-lt"/>
+                <a:ea typeface="+mj-ea"/>
+                <a:cs typeface="+mj-cs"/>
+              </a:defRPr>
+            </a:lvl1pPr>
+          </a:lstStyle>
+          <a:p>
+            <a:r>
+              <a:rPr lang="en-US" altLang="zh-TW" sz="2400" dirty="0">
+                <a:latin typeface="標楷體" panose="03000509000000000000" pitchFamily="65" charset="-120"/>
+                <a:ea typeface="標楷體" panose="03000509000000000000" pitchFamily="65" charset="-120"/>
+              </a:rPr>
+              <a:t>(1)</a:t>
+            </a:r>
+            <a:r>
+              <a:rPr lang="zh-TW" altLang="en-US" sz="2400" dirty="0">
+                <a:latin typeface="標楷體" panose="03000509000000000000" pitchFamily="65" charset="-120"/>
+                <a:ea typeface="標楷體" panose="03000509000000000000" pitchFamily="65" charset="-120"/>
+              </a:rPr>
+              <a:t>請繪出圖</a:t>
+            </a:r>
+            <a:r>
+              <a:rPr lang="en-US" altLang="zh-TW" sz="2400" dirty="0">
+                <a:latin typeface="標楷體" panose="03000509000000000000" pitchFamily="65" charset="-120"/>
+                <a:ea typeface="標楷體" panose="03000509000000000000" pitchFamily="65" charset="-120"/>
+              </a:rPr>
+              <a:t>6-8</a:t>
+            </a:r>
+            <a:r>
+              <a:rPr lang="zh-TW" altLang="en-US" sz="2400" dirty="0">
+                <a:latin typeface="標楷體" panose="03000509000000000000" pitchFamily="65" charset="-120"/>
+                <a:ea typeface="標楷體" panose="03000509000000000000" pitchFamily="65" charset="-120"/>
+              </a:rPr>
+              <a:t>之實際系統方塊圖</a:t>
+            </a:r>
+          </a:p>
+        </p:txBody>
+      </p:sp>
+      <p:pic>
+        <p:nvPicPr>
+          <p:cNvPr id="5" name="圖片 4">
+            <a:extLst>
+              <a:ext uri="{FF2B5EF4-FFF2-40B4-BE49-F238E27FC236}">
+                <a16:creationId xmlns:a16="http://schemas.microsoft.com/office/drawing/2014/main" id="{756F4038-13D0-8653-FB6F-BA7C588450C8}"/>
+              </a:ext>
+            </a:extLst>
+          </p:cNvPr>
+          <p:cNvPicPr>
+            <a:picLocks noChangeAspect="1"/>
+          </p:cNvPicPr>
+          <p:nvPr/>
+        </p:nvPicPr>
+        <p:blipFill>
+          <a:blip r:embed="rId2"/>
+          <a:stretch>
+            <a:fillRect/>
+          </a:stretch>
+        </p:blipFill>
+        <p:spPr>
+          <a:xfrm>
+            <a:off x="1830761" y="2623127"/>
+            <a:ext cx="9373390" cy="3629891"/>
+          </a:xfrm>
+          <a:prstGeom prst="rect">
+            <a:avLst/>
+          </a:prstGeom>
+        </p:spPr>
+      </p:pic>
+    </p:spTree>
+    <p:extLst>
+      <p:ext uri="{BB962C8B-B14F-4D97-AF65-F5344CB8AC3E}">
+        <p14:creationId xmlns:p14="http://schemas.microsoft.com/office/powerpoint/2010/main" val="566980749"/>
+      </p:ext>
+    </p:extLst>
+  </p:cSld>
+  <p:clrMapOvr>
+    <a:masterClrMapping/>
+  </p:clrMapOvr>
+</p:sld>
+</file>
+
+<file path=ppt/slides/slide7.xml><?xml version="1.0" encoding="utf-8"?>
+<p:sld xmlns:a="http://schemas.openxmlformats.org/drawingml/2006/main" xmlns:r="http://schemas.openxmlformats.org/officeDocument/2006/relationships" xmlns:p="http://schemas.openxmlformats.org/presentationml/2006/main">
+  <p:cSld>
+    <p:spTree>
+      <p:nvGrpSpPr>
+        <p:cNvPr id="1" name="">
+          <a:extLst>
+            <a:ext uri="{FF2B5EF4-FFF2-40B4-BE49-F238E27FC236}">
+              <a16:creationId xmlns:a16="http://schemas.microsoft.com/office/drawing/2014/main" id="{C41F2BC7-F1D0-EF15-9F72-9A24222E5395}"/>
+            </a:ext>
+          </a:extLst>
+        </p:cNvPr>
+        <p:cNvGrpSpPr/>
+        <p:nvPr/>
+      </p:nvGrpSpPr>
+      <p:grpSpPr>
+        <a:xfrm>
+          <a:off x="0" y="0"/>
+          <a:ext cx="0" cy="0"/>
+          <a:chOff x="0" y="0"/>
+          <a:chExt cx="0" cy="0"/>
+        </a:xfrm>
+      </p:grpSpPr>
+      <p:sp>
+        <p:nvSpPr>
+          <p:cNvPr id="2" name="標題 1">
+            <a:extLst>
+              <a:ext uri="{FF2B5EF4-FFF2-40B4-BE49-F238E27FC236}">
+                <a16:creationId xmlns:a16="http://schemas.microsoft.com/office/drawing/2014/main" id="{D8C5F6F1-AD6E-C215-A2B3-F37616B5B28C}"/>
+              </a:ext>
+            </a:extLst>
+          </p:cNvPr>
+          <p:cNvSpPr>
+            <a:spLocks noGrp="1"/>
+          </p:cNvSpPr>
+          <p:nvPr>
+            <p:ph type="title"/>
+          </p:nvPr>
+        </p:nvSpPr>
+        <p:spPr/>
+        <p:txBody>
+          <a:bodyPr/>
+          <a:lstStyle/>
+          <a:p>
+            <a:r>
+              <a:rPr lang="zh-TW" altLang="en-US" dirty="0">
+                <a:latin typeface="標楷體" panose="03000509000000000000" pitchFamily="65" charset="-120"/>
+                <a:ea typeface="標楷體" panose="03000509000000000000" pitchFamily="65" charset="-120"/>
+              </a:rPr>
+              <a:t>實驗</a:t>
+            </a:r>
+            <a:r>
+              <a:rPr lang="en-US" altLang="zh-TW" dirty="0">
+                <a:latin typeface="標楷體" panose="03000509000000000000" pitchFamily="65" charset="-120"/>
+                <a:ea typeface="標楷體" panose="03000509000000000000" pitchFamily="65" charset="-120"/>
+              </a:rPr>
+              <a:t>6-2</a:t>
+            </a:r>
+            <a:endParaRPr lang="zh-TW" altLang="en-US" dirty="0">
+              <a:latin typeface="標楷體" panose="03000509000000000000" pitchFamily="65" charset="-120"/>
+              <a:ea typeface="標楷體" panose="03000509000000000000" pitchFamily="65" charset="-120"/>
+            </a:endParaRPr>
+          </a:p>
+        </p:txBody>
+      </p:sp>
+      <p:sp>
+        <p:nvSpPr>
+          <p:cNvPr id="3" name="標題 1">
+            <a:extLst>
+              <a:ext uri="{FF2B5EF4-FFF2-40B4-BE49-F238E27FC236}">
+                <a16:creationId xmlns:a16="http://schemas.microsoft.com/office/drawing/2014/main" id="{8A0FFC2A-66AE-F2F9-B41D-2AEDEC16D3A4}"/>
+              </a:ext>
+            </a:extLst>
+          </p:cNvPr>
+          <p:cNvSpPr txBox="1">
+            <a:spLocks/>
+          </p:cNvSpPr>
+          <p:nvPr/>
+        </p:nvSpPr>
+        <p:spPr>
+          <a:xfrm>
+            <a:off x="838200" y="1182543"/>
+            <a:ext cx="10515600" cy="1325563"/>
+          </a:xfrm>
+          <a:prstGeom prst="rect">
+            <a:avLst/>
+          </a:prstGeom>
+        </p:spPr>
+        <p:txBody>
+          <a:bodyPr vert="horz" lIns="91440" tIns="45720" rIns="91440" bIns="45720" rtlCol="0" anchor="ctr">
+            <a:normAutofit/>
+          </a:bodyPr>
+          <a:lstStyle>
+            <a:lvl1pPr algn="l" defTabSz="914400" rtl="0" eaLnBrk="1" latinLnBrk="0" hangingPunct="1">
+              <a:lnSpc>
+                <a:spcPct val="90000"/>
+              </a:lnSpc>
+              <a:spcBef>
+                <a:spcPct val="0"/>
+              </a:spcBef>
+              <a:buNone/>
+              <a:defRPr sz="4400" kern="1200">
+                <a:solidFill>
+                  <a:schemeClr val="tx1"/>
+                </a:solidFill>
+                <a:latin typeface="+mj-lt"/>
+                <a:ea typeface="+mj-ea"/>
+                <a:cs typeface="+mj-cs"/>
+              </a:defRPr>
+            </a:lvl1pPr>
+          </a:lstStyle>
+          <a:p>
+            <a:r>
+              <a:rPr lang="en-US" altLang="zh-TW" sz="2400" dirty="0">
+                <a:latin typeface="標楷體" panose="03000509000000000000" pitchFamily="65" charset="-120"/>
+                <a:ea typeface="標楷體" panose="03000509000000000000" pitchFamily="65" charset="-120"/>
+              </a:rPr>
+              <a:t>(2)</a:t>
+            </a:r>
+            <a:r>
+              <a:rPr lang="zh-TW" altLang="en-US" sz="2400" dirty="0">
+                <a:latin typeface="標楷體" panose="03000509000000000000" pitchFamily="65" charset="-120"/>
+                <a:ea typeface="標楷體" panose="03000509000000000000" pitchFamily="65" charset="-120"/>
+              </a:rPr>
+              <a:t>完成表</a:t>
+            </a:r>
+            <a:r>
+              <a:rPr lang="en-US" altLang="zh-TW" sz="2400" dirty="0">
+                <a:latin typeface="標楷體" panose="03000509000000000000" pitchFamily="65" charset="-120"/>
+                <a:ea typeface="標楷體" panose="03000509000000000000" pitchFamily="65" charset="-120"/>
+              </a:rPr>
+              <a:t>6-2</a:t>
+            </a:r>
+            <a:endParaRPr lang="zh-TW" altLang="en-US" sz="2400" dirty="0">
+              <a:latin typeface="標楷體" panose="03000509000000000000" pitchFamily="65" charset="-120"/>
+              <a:ea typeface="標楷體" panose="03000509000000000000" pitchFamily="65" charset="-120"/>
+            </a:endParaRPr>
+          </a:p>
+        </p:txBody>
+      </p:sp>
+    </p:spTree>
+    <p:extLst>
+      <p:ext uri="{BB962C8B-B14F-4D97-AF65-F5344CB8AC3E}">
+        <p14:creationId xmlns:p14="http://schemas.microsoft.com/office/powerpoint/2010/main" val="3487155211"/>
+      </p:ext>
+    </p:extLst>
+  </p:cSld>
+  <p:clrMapOvr>
+    <a:masterClrMapping/>
+  </p:clrMapOvr>
+</p:sld>
+</file>
+
+<file path=ppt/slides/slide8.xml><?xml version="1.0" encoding="utf-8"?>
+<p:sld xmlns:a="http://schemas.openxmlformats.org/drawingml/2006/main" xmlns:r="http://schemas.openxmlformats.org/officeDocument/2006/relationships" xmlns:p="http://schemas.openxmlformats.org/presentationml/2006/main">
+  <p:cSld>
+    <p:spTree>
+      <p:nvGrpSpPr>
+        <p:cNvPr id="1" name="">
+          <a:extLst>
+            <a:ext uri="{FF2B5EF4-FFF2-40B4-BE49-F238E27FC236}">
+              <a16:creationId xmlns:a16="http://schemas.microsoft.com/office/drawing/2014/main" id="{43FE20E1-9E00-FE25-B06A-5A953ED14867}"/>
+            </a:ext>
+          </a:extLst>
+        </p:cNvPr>
+        <p:cNvGrpSpPr/>
+        <p:nvPr/>
+      </p:nvGrpSpPr>
+      <p:grpSpPr>
+        <a:xfrm>
+          <a:off x="0" y="0"/>
+          <a:ext cx="0" cy="0"/>
+          <a:chOff x="0" y="0"/>
+          <a:chExt cx="0" cy="0"/>
+        </a:xfrm>
+      </p:grpSpPr>
+      <p:sp>
+        <p:nvSpPr>
+          <p:cNvPr id="2" name="標題 1">
+            <a:extLst>
+              <a:ext uri="{FF2B5EF4-FFF2-40B4-BE49-F238E27FC236}">
+                <a16:creationId xmlns:a16="http://schemas.microsoft.com/office/drawing/2014/main" id="{2B743DB8-3FA5-B843-FB2B-C9D6331F0872}"/>
+              </a:ext>
+            </a:extLst>
+          </p:cNvPr>
+          <p:cNvSpPr>
+            <a:spLocks noGrp="1"/>
+          </p:cNvSpPr>
+          <p:nvPr>
+            <p:ph type="title"/>
+          </p:nvPr>
+        </p:nvSpPr>
+        <p:spPr/>
+        <p:txBody>
+          <a:bodyPr/>
+          <a:lstStyle/>
+          <a:p>
+            <a:r>
+              <a:rPr lang="zh-TW" altLang="en-US" dirty="0">
+                <a:latin typeface="標楷體" panose="03000509000000000000" pitchFamily="65" charset="-120"/>
+                <a:ea typeface="標楷體" panose="03000509000000000000" pitchFamily="65" charset="-120"/>
+              </a:rPr>
+              <a:t>實驗</a:t>
+            </a:r>
+            <a:r>
+              <a:rPr lang="en-US" altLang="zh-TW" dirty="0">
+                <a:latin typeface="標楷體" panose="03000509000000000000" pitchFamily="65" charset="-120"/>
+                <a:ea typeface="標楷體" panose="03000509000000000000" pitchFamily="65" charset="-120"/>
+              </a:rPr>
+              <a:t>6-2(</a:t>
+            </a:r>
+            <a:r>
+              <a:rPr lang="zh-TW" altLang="en-US" dirty="0">
+                <a:latin typeface="標楷體" panose="03000509000000000000" pitchFamily="65" charset="-120"/>
+                <a:ea typeface="標楷體" panose="03000509000000000000" pitchFamily="65" charset="-120"/>
+              </a:rPr>
+              <a:t>模擬</a:t>
+            </a:r>
+            <a:r>
+              <a:rPr lang="en-US" altLang="zh-TW" dirty="0">
+                <a:latin typeface="標楷體" panose="03000509000000000000" pitchFamily="65" charset="-120"/>
+                <a:ea typeface="標楷體" panose="03000509000000000000" pitchFamily="65" charset="-120"/>
+              </a:rPr>
+              <a:t>)</a:t>
+            </a:r>
+            <a:endParaRPr lang="zh-TW" altLang="en-US" dirty="0">
+              <a:latin typeface="標楷體" panose="03000509000000000000" pitchFamily="65" charset="-120"/>
+              <a:ea typeface="標楷體" panose="03000509000000000000" pitchFamily="65" charset="-120"/>
+            </a:endParaRPr>
+          </a:p>
+        </p:txBody>
+      </p:sp>
+      <p:sp>
+        <p:nvSpPr>
+          <p:cNvPr id="3" name="標題 1">
+            <a:extLst>
+              <a:ext uri="{FF2B5EF4-FFF2-40B4-BE49-F238E27FC236}">
+                <a16:creationId xmlns:a16="http://schemas.microsoft.com/office/drawing/2014/main" id="{8695CE10-5717-44BB-1B04-8BDD8EDE1302}"/>
+              </a:ext>
+            </a:extLst>
+          </p:cNvPr>
+          <p:cNvSpPr txBox="1">
+            <a:spLocks/>
+          </p:cNvSpPr>
+          <p:nvPr/>
+        </p:nvSpPr>
+        <p:spPr>
+          <a:xfrm>
+            <a:off x="838200" y="1182543"/>
+            <a:ext cx="10515600" cy="1325563"/>
+          </a:xfrm>
+          <a:prstGeom prst="rect">
+            <a:avLst/>
+          </a:prstGeom>
+        </p:spPr>
+        <p:txBody>
+          <a:bodyPr vert="horz" lIns="91440" tIns="45720" rIns="91440" bIns="45720" rtlCol="0" anchor="ctr">
+            <a:normAutofit/>
+          </a:bodyPr>
+          <a:lstStyle>
+            <a:lvl1pPr algn="l" defTabSz="914400" rtl="0" eaLnBrk="1" latinLnBrk="0" hangingPunct="1">
+              <a:lnSpc>
+                <a:spcPct val="90000"/>
+              </a:lnSpc>
+              <a:spcBef>
+                <a:spcPct val="0"/>
+              </a:spcBef>
+              <a:buNone/>
+              <a:defRPr sz="4400" kern="1200">
+                <a:solidFill>
+                  <a:schemeClr val="tx1"/>
+                </a:solidFill>
+                <a:latin typeface="+mj-lt"/>
+                <a:ea typeface="+mj-ea"/>
+                <a:cs typeface="+mj-cs"/>
+              </a:defRPr>
+            </a:lvl1pPr>
+          </a:lstStyle>
+          <a:p>
+            <a:r>
+              <a:rPr lang="en-US" altLang="zh-TW" sz="2400" dirty="0">
+                <a:latin typeface="標楷體" panose="03000509000000000000" pitchFamily="65" charset="-120"/>
+                <a:ea typeface="標楷體" panose="03000509000000000000" pitchFamily="65" charset="-120"/>
+              </a:rPr>
+              <a:t>(3)</a:t>
+            </a:r>
+            <a:r>
+              <a:rPr lang="zh-TW" altLang="en-US" sz="2400" dirty="0">
+                <a:latin typeface="標楷體" panose="03000509000000000000" pitchFamily="65" charset="-120"/>
+                <a:ea typeface="標楷體" panose="03000509000000000000" pitchFamily="65" charset="-120"/>
+              </a:rPr>
+              <a:t>觀察室示波器顯示之響應波形，並以軟體模擬與驗證</a:t>
+            </a:r>
+          </a:p>
+        </p:txBody>
+      </p:sp>
+      <p:pic>
+        <p:nvPicPr>
+          <p:cNvPr id="5" name="圖片 4">
+            <a:extLst>
+              <a:ext uri="{FF2B5EF4-FFF2-40B4-BE49-F238E27FC236}">
+                <a16:creationId xmlns:a16="http://schemas.microsoft.com/office/drawing/2014/main" id="{C896633D-06E2-2C86-9D20-19CCEA5F1C1B}"/>
+              </a:ext>
+            </a:extLst>
+          </p:cNvPr>
+          <p:cNvPicPr>
+            <a:picLocks noChangeAspect="1"/>
+          </p:cNvPicPr>
+          <p:nvPr/>
+        </p:nvPicPr>
+        <p:blipFill>
+          <a:blip r:embed="rId2"/>
+          <a:stretch>
+            <a:fillRect/>
+          </a:stretch>
+        </p:blipFill>
+        <p:spPr>
+          <a:xfrm>
+            <a:off x="219363" y="3239606"/>
+            <a:ext cx="3927764" cy="3142211"/>
+          </a:xfrm>
+          <a:prstGeom prst="rect">
+            <a:avLst/>
+          </a:prstGeom>
+        </p:spPr>
+      </p:pic>
+      <p:pic>
+        <p:nvPicPr>
+          <p:cNvPr id="7" name="圖片 6">
+            <a:extLst>
+              <a:ext uri="{FF2B5EF4-FFF2-40B4-BE49-F238E27FC236}">
+                <a16:creationId xmlns:a16="http://schemas.microsoft.com/office/drawing/2014/main" id="{FB561BBF-A9AB-1839-40DE-6115A68BE8AE}"/>
+              </a:ext>
+            </a:extLst>
+          </p:cNvPr>
+          <p:cNvPicPr>
+            <a:picLocks noChangeAspect="1"/>
+          </p:cNvPicPr>
+          <p:nvPr/>
+        </p:nvPicPr>
+        <p:blipFill>
+          <a:blip r:embed="rId3"/>
+          <a:stretch>
+            <a:fillRect/>
+          </a:stretch>
+        </p:blipFill>
+        <p:spPr>
+          <a:xfrm>
+            <a:off x="4248471" y="3239606"/>
+            <a:ext cx="4059454" cy="3247563"/>
+          </a:xfrm>
+          <a:prstGeom prst="rect">
+            <a:avLst/>
+          </a:prstGeom>
+        </p:spPr>
+      </p:pic>
+      <p:pic>
+        <p:nvPicPr>
+          <p:cNvPr id="9" name="圖片 8">
+            <a:extLst>
+              <a:ext uri="{FF2B5EF4-FFF2-40B4-BE49-F238E27FC236}">
+                <a16:creationId xmlns:a16="http://schemas.microsoft.com/office/drawing/2014/main" id="{2475AD7B-9B54-152A-6480-B4523BBEB689}"/>
+              </a:ext>
+            </a:extLst>
+          </p:cNvPr>
+          <p:cNvPicPr>
+            <a:picLocks noChangeAspect="1"/>
+          </p:cNvPicPr>
+          <p:nvPr/>
+        </p:nvPicPr>
+        <p:blipFill>
+          <a:blip r:embed="rId4"/>
+          <a:stretch>
+            <a:fillRect/>
+          </a:stretch>
+        </p:blipFill>
+        <p:spPr>
+          <a:xfrm>
+            <a:off x="8307924" y="3325524"/>
+            <a:ext cx="3959189" cy="3167351"/>
+          </a:xfrm>
+          <a:prstGeom prst="rect">
+            <a:avLst/>
+          </a:prstGeom>
+        </p:spPr>
+      </p:pic>
+    </p:spTree>
+    <p:extLst>
+      <p:ext uri="{BB962C8B-B14F-4D97-AF65-F5344CB8AC3E}">
+        <p14:creationId xmlns:p14="http://schemas.microsoft.com/office/powerpoint/2010/main" val="3456697600"/>
+      </p:ext>
+    </p:extLst>
+  </p:cSld>
+  <p:clrMapOvr>
+    <a:masterClrMapping/>
+  </p:clrMapOvr>
+</p:sld>
+</file>
+
+<file path=ppt/slides/slide9.xml><?xml version="1.0" encoding="utf-8"?>
+<p:sld xmlns:a="http://schemas.openxmlformats.org/drawingml/2006/main" xmlns:r="http://schemas.openxmlformats.org/officeDocument/2006/relationships" xmlns:p="http://schemas.openxmlformats.org/presentationml/2006/main">
+  <p:cSld>
+    <p:spTree>
+      <p:nvGrpSpPr>
         <p:cNvPr id="1" name=""/>
         <p:cNvGrpSpPr/>
         <p:nvPr/>
@@ -4143,14 +6629,14 @@
           <a:lstStyle/>
           <a:p>
             <a:r>
-              <a:rPr lang="zh-TW" altLang="en-US" dirty="0" smtClean="0">
+              <a:rPr lang="zh-TW" altLang="en-US" dirty="0">
                 <a:latin typeface="標楷體" panose="03000509000000000000" pitchFamily="65" charset="-120"/>
                 <a:ea typeface="標楷體" panose="03000509000000000000" pitchFamily="65" charset="-120"/>
               </a:rPr>
               <a:t>實驗</a:t>
             </a:r>
             <a:r>
-              <a:rPr lang="en-US" altLang="zh-TW" dirty="0" smtClean="0">
+              <a:rPr lang="en-US" altLang="zh-TW" dirty="0">
                 <a:latin typeface="標楷體" panose="03000509000000000000" pitchFamily="65" charset="-120"/>
                 <a:ea typeface="標楷體" panose="03000509000000000000" pitchFamily="65" charset="-120"/>
               </a:rPr>
@@ -4215,809 +6701,6 @@
     <p:extLst>
       <p:ext uri="{BB962C8B-B14F-4D97-AF65-F5344CB8AC3E}">
         <p14:creationId xmlns:p14="http://schemas.microsoft.com/office/powerpoint/2010/main" val="975880221"/>
-      </p:ext>
-    </p:extLst>
-  </p:cSld>
-  <p:clrMapOvr>
-    <a:masterClrMapping/>
-  </p:clrMapOvr>
-</p:sld>
-</file>
-
-<file path=ppt/slides/slide4.xml><?xml version="1.0" encoding="utf-8"?>
-<p:sld xmlns:a="http://schemas.openxmlformats.org/drawingml/2006/main" xmlns:r="http://schemas.openxmlformats.org/officeDocument/2006/relationships" xmlns:p="http://schemas.openxmlformats.org/presentationml/2006/main">
-  <p:cSld>
-    <p:spTree>
-      <p:nvGrpSpPr>
-        <p:cNvPr id="1" name=""/>
-        <p:cNvGrpSpPr/>
-        <p:nvPr/>
-      </p:nvGrpSpPr>
-      <p:grpSpPr>
-        <a:xfrm>
-          <a:off x="0" y="0"/>
-          <a:ext cx="0" cy="0"/>
-          <a:chOff x="0" y="0"/>
-          <a:chExt cx="0" cy="0"/>
-        </a:xfrm>
-      </p:grpSpPr>
-      <p:sp>
-        <p:nvSpPr>
-          <p:cNvPr id="2" name="標題 1"/>
-          <p:cNvSpPr>
-            <a:spLocks noGrp="1"/>
-          </p:cNvSpPr>
-          <p:nvPr>
-            <p:ph type="title"/>
-          </p:nvPr>
-        </p:nvSpPr>
-        <p:spPr/>
-        <p:txBody>
-          <a:bodyPr/>
-          <a:lstStyle/>
-          <a:p>
-            <a:r>
-              <a:rPr lang="zh-TW" altLang="en-US" dirty="0" smtClean="0">
-                <a:latin typeface="標楷體" panose="03000509000000000000" pitchFamily="65" charset="-120"/>
-                <a:ea typeface="標楷體" panose="03000509000000000000" pitchFamily="65" charset="-120"/>
-              </a:rPr>
-              <a:t>實驗</a:t>
-            </a:r>
-            <a:r>
-              <a:rPr lang="en-US" altLang="zh-TW" dirty="0" smtClean="0">
-                <a:latin typeface="標楷體" panose="03000509000000000000" pitchFamily="65" charset="-120"/>
-                <a:ea typeface="標楷體" panose="03000509000000000000" pitchFamily="65" charset="-120"/>
-              </a:rPr>
-              <a:t>6-3</a:t>
-            </a:r>
-            <a:endParaRPr lang="zh-TW" altLang="en-US" dirty="0">
-              <a:latin typeface="標楷體" panose="03000509000000000000" pitchFamily="65" charset="-120"/>
-              <a:ea typeface="標楷體" panose="03000509000000000000" pitchFamily="65" charset="-120"/>
-            </a:endParaRPr>
-          </a:p>
-        </p:txBody>
-      </p:sp>
-      <p:pic>
-        <p:nvPicPr>
-          <p:cNvPr id="5" name="圖片 4"/>
-          <p:cNvPicPr>
-            <a:picLocks noChangeAspect="1"/>
-          </p:cNvPicPr>
-          <p:nvPr/>
-        </p:nvPicPr>
-        <p:blipFill>
-          <a:blip r:embed="rId2"/>
-          <a:stretch>
-            <a:fillRect/>
-          </a:stretch>
-        </p:blipFill>
-        <p:spPr>
-          <a:xfrm>
-            <a:off x="776404" y="1393503"/>
-            <a:ext cx="7107507" cy="436579"/>
-          </a:xfrm>
-          <a:prstGeom prst="rect">
-            <a:avLst/>
-          </a:prstGeom>
-        </p:spPr>
-      </p:pic>
-      <p:sp>
-        <p:nvSpPr>
-          <p:cNvPr id="7" name="矩形 6"/>
-          <p:cNvSpPr/>
-          <p:nvPr/>
-        </p:nvSpPr>
-        <p:spPr>
-          <a:xfrm>
-            <a:off x="1162050" y="2176701"/>
-            <a:ext cx="6096000" cy="3477875"/>
-          </a:xfrm>
-          <a:prstGeom prst="rect">
-            <a:avLst/>
-          </a:prstGeom>
-        </p:spPr>
-        <p:txBody>
-          <a:bodyPr>
-            <a:spAutoFit/>
-          </a:bodyPr>
-          <a:lstStyle/>
-          <a:p>
-            <a:r>
-              <a:rPr lang="en-US" altLang="zh-TW" sz="2000" dirty="0">
-                <a:latin typeface="Cascadia Code" panose="020B0609020000020004" pitchFamily="49" charset="0"/>
-              </a:rPr>
-              <a:t>s = </a:t>
-            </a:r>
-            <a:r>
-              <a:rPr lang="en-US" altLang="zh-TW" sz="2000" dirty="0" err="1">
-                <a:latin typeface="Cascadia Code" panose="020B0609020000020004" pitchFamily="49" charset="0"/>
-              </a:rPr>
-              <a:t>tf</a:t>
-            </a:r>
-            <a:r>
-              <a:rPr lang="en-US" altLang="zh-TW" sz="2000" dirty="0">
-                <a:latin typeface="Cascadia Code" panose="020B0609020000020004" pitchFamily="49" charset="0"/>
-              </a:rPr>
-              <a:t>(</a:t>
-            </a:r>
-            <a:r>
-              <a:rPr lang="en-US" altLang="zh-TW" sz="2000" dirty="0">
-                <a:solidFill>
-                  <a:srgbClr val="A709F5"/>
-                </a:solidFill>
-                <a:latin typeface="Cascadia Code" panose="020B0609020000020004" pitchFamily="49" charset="0"/>
-              </a:rPr>
-              <a:t>'s'</a:t>
-            </a:r>
-            <a:r>
-              <a:rPr lang="en-US" altLang="zh-TW" sz="2000" dirty="0">
-                <a:latin typeface="Cascadia Code" panose="020B0609020000020004" pitchFamily="49" charset="0"/>
-              </a:rPr>
-              <a:t>);</a:t>
-            </a:r>
-          </a:p>
-          <a:p>
-            <a:r>
-              <a:rPr lang="en-US" altLang="zh-TW" sz="2000" dirty="0">
-                <a:latin typeface="Cascadia Code" panose="020B0609020000020004" pitchFamily="49" charset="0"/>
-              </a:rPr>
-              <a:t>tau = 0.51;</a:t>
-            </a:r>
-          </a:p>
-          <a:p>
-            <a:r>
-              <a:rPr lang="en-US" altLang="zh-TW" sz="2000" dirty="0" err="1">
-                <a:latin typeface="Cascadia Code" panose="020B0609020000020004" pitchFamily="49" charset="0"/>
-              </a:rPr>
-              <a:t>K_m</a:t>
-            </a:r>
-            <a:r>
-              <a:rPr lang="en-US" altLang="zh-TW" sz="2000" dirty="0">
-                <a:latin typeface="Cascadia Code" panose="020B0609020000020004" pitchFamily="49" charset="0"/>
-              </a:rPr>
-              <a:t> = 307;</a:t>
-            </a:r>
-          </a:p>
-          <a:p>
-            <a:r>
-              <a:rPr lang="en-US" altLang="zh-TW" sz="2000" dirty="0">
-                <a:latin typeface="Cascadia Code" panose="020B0609020000020004" pitchFamily="49" charset="0"/>
-              </a:rPr>
-              <a:t>D = 3;</a:t>
-            </a:r>
-          </a:p>
-          <a:p>
-            <a:endParaRPr lang="en-US" altLang="zh-TW" sz="2000" dirty="0">
-              <a:latin typeface="Cascadia Code" panose="020B0609020000020004" pitchFamily="49" charset="0"/>
-            </a:endParaRPr>
-          </a:p>
-          <a:p>
-            <a:r>
-              <a:rPr lang="en-US" altLang="zh-TW" sz="2000" dirty="0">
-                <a:latin typeface="Cascadia Code" panose="020B0609020000020004" pitchFamily="49" charset="0"/>
-              </a:rPr>
-              <a:t>sys = (s + D) / (s * (tau *s + 1));</a:t>
-            </a:r>
-          </a:p>
-          <a:p>
-            <a:endParaRPr lang="en-US" altLang="zh-TW" sz="2000" dirty="0">
-              <a:latin typeface="Cascadia Code" panose="020B0609020000020004" pitchFamily="49" charset="0"/>
-            </a:endParaRPr>
-          </a:p>
-          <a:p>
-            <a:r>
-              <a:rPr lang="en-US" altLang="zh-TW" sz="2000" dirty="0">
-                <a:latin typeface="Cascadia Code" panose="020B0609020000020004" pitchFamily="49" charset="0"/>
-              </a:rPr>
-              <a:t>figure(1)</a:t>
-            </a:r>
-          </a:p>
-          <a:p>
-            <a:r>
-              <a:rPr lang="en-US" altLang="zh-TW" sz="2000" dirty="0" err="1">
-                <a:latin typeface="Cascadia Code" panose="020B0609020000020004" pitchFamily="49" charset="0"/>
-              </a:rPr>
-              <a:t>rlocus</a:t>
-            </a:r>
-            <a:r>
-              <a:rPr lang="en-US" altLang="zh-TW" sz="2000" dirty="0">
-                <a:latin typeface="Cascadia Code" panose="020B0609020000020004" pitchFamily="49" charset="0"/>
-              </a:rPr>
-              <a:t>(sys)</a:t>
-            </a:r>
-          </a:p>
-          <a:p>
-            <a:r>
-              <a:rPr lang="en-US" altLang="zh-TW" sz="2000" dirty="0" smtClean="0">
-                <a:latin typeface="Cascadia Code" panose="020B0609020000020004" pitchFamily="49" charset="0"/>
-              </a:rPr>
-              <a:t/>
-            </a:r>
-            <a:br>
-              <a:rPr lang="en-US" altLang="zh-TW" sz="2000" dirty="0" smtClean="0">
-                <a:latin typeface="Cascadia Code" panose="020B0609020000020004" pitchFamily="49" charset="0"/>
-              </a:rPr>
-            </a:br>
-            <a:endParaRPr lang="en-US" altLang="zh-TW" sz="2000" dirty="0">
-              <a:latin typeface="Cascadia Code" panose="020B0609020000020004" pitchFamily="49" charset="0"/>
-            </a:endParaRPr>
-          </a:p>
-        </p:txBody>
-      </p:sp>
-      <p:pic>
-        <p:nvPicPr>
-          <p:cNvPr id="8" name="圖片 7"/>
-          <p:cNvPicPr>
-            <a:picLocks noChangeAspect="1"/>
-          </p:cNvPicPr>
-          <p:nvPr/>
-        </p:nvPicPr>
-        <p:blipFill>
-          <a:blip r:embed="rId3" cstate="print">
-            <a:extLst>
-              <a:ext uri="{28A0092B-C50C-407E-A947-70E740481C1C}">
-                <a14:useLocalDpi xmlns:a14="http://schemas.microsoft.com/office/drawing/2010/main" val="0"/>
-              </a:ext>
-            </a:extLst>
-          </a:blip>
-          <a:stretch>
-            <a:fillRect/>
-          </a:stretch>
-        </p:blipFill>
-        <p:spPr>
-          <a:xfrm>
-            <a:off x="6479667" y="2272017"/>
-            <a:ext cx="5621793" cy="3382559"/>
-          </a:xfrm>
-          <a:prstGeom prst="rect">
-            <a:avLst/>
-          </a:prstGeom>
-        </p:spPr>
-      </p:pic>
-    </p:spTree>
-    <p:extLst>
-      <p:ext uri="{BB962C8B-B14F-4D97-AF65-F5344CB8AC3E}">
-        <p14:creationId xmlns:p14="http://schemas.microsoft.com/office/powerpoint/2010/main" val="243689877"/>
-      </p:ext>
-    </p:extLst>
-  </p:cSld>
-  <p:clrMapOvr>
-    <a:masterClrMapping/>
-  </p:clrMapOvr>
-</p:sld>
-</file>
-
-<file path=ppt/slides/slide5.xml><?xml version="1.0" encoding="utf-8"?>
-<p:sld xmlns:a="http://schemas.openxmlformats.org/drawingml/2006/main" xmlns:r="http://schemas.openxmlformats.org/officeDocument/2006/relationships" xmlns:p="http://schemas.openxmlformats.org/presentationml/2006/main">
-  <p:cSld>
-    <p:spTree>
-      <p:nvGrpSpPr>
-        <p:cNvPr id="1" name=""/>
-        <p:cNvGrpSpPr/>
-        <p:nvPr/>
-      </p:nvGrpSpPr>
-      <p:grpSpPr>
-        <a:xfrm>
-          <a:off x="0" y="0"/>
-          <a:ext cx="0" cy="0"/>
-          <a:chOff x="0" y="0"/>
-          <a:chExt cx="0" cy="0"/>
-        </a:xfrm>
-      </p:grpSpPr>
-      <p:sp>
-        <p:nvSpPr>
-          <p:cNvPr id="2" name="標題 1"/>
-          <p:cNvSpPr>
-            <a:spLocks noGrp="1"/>
-          </p:cNvSpPr>
-          <p:nvPr>
-            <p:ph type="title"/>
-          </p:nvPr>
-        </p:nvSpPr>
-        <p:spPr/>
-        <p:txBody>
-          <a:bodyPr/>
-          <a:lstStyle/>
-          <a:p>
-            <a:r>
-              <a:rPr lang="zh-TW" altLang="en-US" dirty="0" smtClean="0">
-                <a:latin typeface="標楷體" panose="03000509000000000000" pitchFamily="65" charset="-120"/>
-                <a:ea typeface="標楷體" panose="03000509000000000000" pitchFamily="65" charset="-120"/>
-              </a:rPr>
-              <a:t>實驗</a:t>
-            </a:r>
-            <a:r>
-              <a:rPr lang="en-US" altLang="zh-TW" dirty="0" smtClean="0">
-                <a:latin typeface="標楷體" panose="03000509000000000000" pitchFamily="65" charset="-120"/>
-                <a:ea typeface="標楷體" panose="03000509000000000000" pitchFamily="65" charset="-120"/>
-              </a:rPr>
-              <a:t>6-3</a:t>
-            </a:r>
-            <a:endParaRPr lang="zh-TW" altLang="en-US" dirty="0">
-              <a:latin typeface="標楷體" panose="03000509000000000000" pitchFamily="65" charset="-120"/>
-              <a:ea typeface="標楷體" panose="03000509000000000000" pitchFamily="65" charset="-120"/>
-            </a:endParaRPr>
-          </a:p>
-        </p:txBody>
-      </p:sp>
-      <p:pic>
-        <p:nvPicPr>
-          <p:cNvPr id="3" name="圖片 2"/>
-          <p:cNvPicPr>
-            <a:picLocks noChangeAspect="1"/>
-          </p:cNvPicPr>
-          <p:nvPr/>
-        </p:nvPicPr>
-        <p:blipFill>
-          <a:blip r:embed="rId2"/>
-          <a:stretch>
-            <a:fillRect/>
-          </a:stretch>
-        </p:blipFill>
-        <p:spPr>
-          <a:xfrm>
-            <a:off x="241465" y="1515650"/>
-            <a:ext cx="11709069" cy="965496"/>
-          </a:xfrm>
-          <a:prstGeom prst="rect">
-            <a:avLst/>
-          </a:prstGeom>
-        </p:spPr>
-      </p:pic>
-      <p:pic>
-        <p:nvPicPr>
-          <p:cNvPr id="4" name="圖片 3"/>
-          <p:cNvPicPr>
-            <a:picLocks noChangeAspect="1"/>
-          </p:cNvPicPr>
-          <p:nvPr/>
-        </p:nvPicPr>
-        <p:blipFill>
-          <a:blip r:embed="rId3">
-            <a:extLst>
-              <a:ext uri="{28A0092B-C50C-407E-A947-70E740481C1C}">
-                <a14:useLocalDpi xmlns:a14="http://schemas.microsoft.com/office/drawing/2010/main" val="0"/>
-              </a:ext>
-            </a:extLst>
-          </a:blip>
-          <a:stretch>
-            <a:fillRect/>
-          </a:stretch>
-        </p:blipFill>
-        <p:spPr>
-          <a:xfrm>
-            <a:off x="6308134" y="2763575"/>
-            <a:ext cx="3815720" cy="3139320"/>
-          </a:xfrm>
-          <a:prstGeom prst="rect">
-            <a:avLst/>
-          </a:prstGeom>
-        </p:spPr>
-      </p:pic>
-      <p:sp>
-        <p:nvSpPr>
-          <p:cNvPr id="6" name="矩形 5"/>
-          <p:cNvSpPr/>
-          <p:nvPr/>
-        </p:nvSpPr>
-        <p:spPr>
-          <a:xfrm>
-            <a:off x="838200" y="2763574"/>
-            <a:ext cx="4514385" cy="3139321"/>
-          </a:xfrm>
-          <a:prstGeom prst="rect">
-            <a:avLst/>
-          </a:prstGeom>
-        </p:spPr>
-        <p:txBody>
-          <a:bodyPr wrap="square">
-            <a:spAutoFit/>
-          </a:bodyPr>
-          <a:lstStyle/>
-          <a:p>
-            <a:r>
-              <a:rPr lang="en-US" altLang="zh-TW" dirty="0">
-                <a:latin typeface="Cascadia Code" panose="020B0609020000020004" pitchFamily="49" charset="0"/>
-              </a:rPr>
-              <a:t>s = </a:t>
-            </a:r>
-            <a:r>
-              <a:rPr lang="en-US" altLang="zh-TW" dirty="0" err="1">
-                <a:latin typeface="Cascadia Code" panose="020B0609020000020004" pitchFamily="49" charset="0"/>
-              </a:rPr>
-              <a:t>tf</a:t>
-            </a:r>
-            <a:r>
-              <a:rPr lang="en-US" altLang="zh-TW" dirty="0">
-                <a:latin typeface="Cascadia Code" panose="020B0609020000020004" pitchFamily="49" charset="0"/>
-              </a:rPr>
-              <a:t>(</a:t>
-            </a:r>
-            <a:r>
-              <a:rPr lang="en-US" altLang="zh-TW" dirty="0">
-                <a:solidFill>
-                  <a:srgbClr val="A709F5"/>
-                </a:solidFill>
-                <a:latin typeface="Cascadia Code" panose="020B0609020000020004" pitchFamily="49" charset="0"/>
-              </a:rPr>
-              <a:t>'s'</a:t>
-            </a:r>
-            <a:r>
-              <a:rPr lang="en-US" altLang="zh-TW" dirty="0">
-                <a:latin typeface="Cascadia Code" panose="020B0609020000020004" pitchFamily="49" charset="0"/>
-              </a:rPr>
-              <a:t>);</a:t>
-            </a:r>
-          </a:p>
-          <a:p>
-            <a:r>
-              <a:rPr lang="en-US" altLang="zh-TW" dirty="0">
-                <a:latin typeface="Cascadia Code" panose="020B0609020000020004" pitchFamily="49" charset="0"/>
-              </a:rPr>
-              <a:t>tau = 0.51;</a:t>
-            </a:r>
-          </a:p>
-          <a:p>
-            <a:r>
-              <a:rPr lang="en-US" altLang="zh-TW" dirty="0" err="1">
-                <a:latin typeface="Cascadia Code" panose="020B0609020000020004" pitchFamily="49" charset="0"/>
-              </a:rPr>
-              <a:t>K_m</a:t>
-            </a:r>
-            <a:r>
-              <a:rPr lang="en-US" altLang="zh-TW" dirty="0">
-                <a:latin typeface="Cascadia Code" panose="020B0609020000020004" pitchFamily="49" charset="0"/>
-              </a:rPr>
-              <a:t> = 307;</a:t>
-            </a:r>
-          </a:p>
-          <a:p>
-            <a:r>
-              <a:rPr lang="en-US" altLang="zh-TW" dirty="0">
-                <a:latin typeface="Cascadia Code" panose="020B0609020000020004" pitchFamily="49" charset="0"/>
-              </a:rPr>
-              <a:t>D = 3;</a:t>
-            </a:r>
-          </a:p>
-          <a:p>
-            <a:r>
-              <a:rPr lang="en-US" altLang="zh-TW" dirty="0" smtClean="0">
-                <a:latin typeface="Cascadia Code" panose="020B0609020000020004" pitchFamily="49" charset="0"/>
-              </a:rPr>
-              <a:t>sys </a:t>
-            </a:r>
-            <a:r>
-              <a:rPr lang="en-US" altLang="zh-TW" dirty="0">
-                <a:latin typeface="Cascadia Code" panose="020B0609020000020004" pitchFamily="49" charset="0"/>
-              </a:rPr>
-              <a:t>= (s + D) / (s * (tau *s + 1));</a:t>
-            </a:r>
-          </a:p>
-          <a:p>
-            <a:endParaRPr lang="en-US" altLang="zh-TW" dirty="0">
-              <a:latin typeface="Cascadia Code" panose="020B0609020000020004" pitchFamily="49" charset="0"/>
-            </a:endParaRPr>
-          </a:p>
-          <a:p>
-            <a:r>
-              <a:rPr lang="en-US" altLang="zh-TW" dirty="0">
-                <a:latin typeface="Cascadia Code" panose="020B0609020000020004" pitchFamily="49" charset="0"/>
-              </a:rPr>
-              <a:t>figure(2)</a:t>
-            </a:r>
-          </a:p>
-          <a:p>
-            <a:r>
-              <a:rPr lang="en-US" altLang="zh-TW" dirty="0">
-                <a:latin typeface="Cascadia Code" panose="020B0609020000020004" pitchFamily="49" charset="0"/>
-              </a:rPr>
-              <a:t>K = 3.86;</a:t>
-            </a:r>
-          </a:p>
-          <a:p>
-            <a:r>
-              <a:rPr lang="en-US" altLang="zh-TW" dirty="0" err="1">
-                <a:latin typeface="Cascadia Code" panose="020B0609020000020004" pitchFamily="49" charset="0"/>
-              </a:rPr>
-              <a:t>sys_cl</a:t>
-            </a:r>
-            <a:r>
-              <a:rPr lang="en-US" altLang="zh-TW" dirty="0">
-                <a:latin typeface="Cascadia Code" panose="020B0609020000020004" pitchFamily="49" charset="0"/>
-              </a:rPr>
-              <a:t> = feedback(K * sys, 1);</a:t>
-            </a:r>
-          </a:p>
-          <a:p>
-            <a:r>
-              <a:rPr lang="en-US" altLang="zh-TW" dirty="0">
-                <a:latin typeface="Cascadia Code" panose="020B0609020000020004" pitchFamily="49" charset="0"/>
-              </a:rPr>
-              <a:t>step(</a:t>
-            </a:r>
-            <a:r>
-              <a:rPr lang="en-US" altLang="zh-TW" dirty="0" err="1">
-                <a:latin typeface="Cascadia Code" panose="020B0609020000020004" pitchFamily="49" charset="0"/>
-              </a:rPr>
-              <a:t>sys_cl</a:t>
-            </a:r>
-            <a:r>
-              <a:rPr lang="en-US" altLang="zh-TW" dirty="0">
-                <a:latin typeface="Cascadia Code" panose="020B0609020000020004" pitchFamily="49" charset="0"/>
-              </a:rPr>
-              <a:t>)</a:t>
-            </a:r>
-          </a:p>
-        </p:txBody>
-      </p:sp>
-    </p:spTree>
-    <p:extLst>
-      <p:ext uri="{BB962C8B-B14F-4D97-AF65-F5344CB8AC3E}">
-        <p14:creationId xmlns:p14="http://schemas.microsoft.com/office/powerpoint/2010/main" val="2670467341"/>
-      </p:ext>
-    </p:extLst>
-  </p:cSld>
-  <p:clrMapOvr>
-    <a:masterClrMapping/>
-  </p:clrMapOvr>
-</p:sld>
-</file>
-
-<file path=ppt/slides/slide6.xml><?xml version="1.0" encoding="utf-8"?>
-<p:sld xmlns:a="http://schemas.openxmlformats.org/drawingml/2006/main" xmlns:r="http://schemas.openxmlformats.org/officeDocument/2006/relationships" xmlns:p="http://schemas.openxmlformats.org/presentationml/2006/main">
-  <p:cSld>
-    <p:spTree>
-      <p:nvGrpSpPr>
-        <p:cNvPr id="1" name=""/>
-        <p:cNvGrpSpPr/>
-        <p:nvPr/>
-      </p:nvGrpSpPr>
-      <p:grpSpPr>
-        <a:xfrm>
-          <a:off x="0" y="0"/>
-          <a:ext cx="0" cy="0"/>
-          <a:chOff x="0" y="0"/>
-          <a:chExt cx="0" cy="0"/>
-        </a:xfrm>
-      </p:grpSpPr>
-      <p:sp>
-        <p:nvSpPr>
-          <p:cNvPr id="2" name="標題 1"/>
-          <p:cNvSpPr>
-            <a:spLocks noGrp="1"/>
-          </p:cNvSpPr>
-          <p:nvPr>
-            <p:ph type="title"/>
-          </p:nvPr>
-        </p:nvSpPr>
-        <p:spPr/>
-        <p:txBody>
-          <a:bodyPr/>
-          <a:lstStyle/>
-          <a:p>
-            <a:r>
-              <a:rPr lang="zh-TW" altLang="en-US" dirty="0" smtClean="0">
-                <a:latin typeface="標楷體" panose="03000509000000000000" pitchFamily="65" charset="-120"/>
-                <a:ea typeface="標楷體" panose="03000509000000000000" pitchFamily="65" charset="-120"/>
-              </a:rPr>
-              <a:t>實驗</a:t>
-            </a:r>
-            <a:r>
-              <a:rPr lang="en-US" altLang="zh-TW" dirty="0" smtClean="0">
-                <a:latin typeface="標楷體" panose="03000509000000000000" pitchFamily="65" charset="-120"/>
-                <a:ea typeface="標楷體" panose="03000509000000000000" pitchFamily="65" charset="-120"/>
-              </a:rPr>
-              <a:t>6-3</a:t>
-            </a:r>
-            <a:endParaRPr lang="zh-TW" altLang="en-US" dirty="0">
-              <a:latin typeface="標楷體" panose="03000509000000000000" pitchFamily="65" charset="-120"/>
-              <a:ea typeface="標楷體" panose="03000509000000000000" pitchFamily="65" charset="-120"/>
-            </a:endParaRPr>
-          </a:p>
-        </p:txBody>
-      </p:sp>
-      <p:pic>
-        <p:nvPicPr>
-          <p:cNvPr id="3" name="圖片 2"/>
-          <p:cNvPicPr>
-            <a:picLocks noChangeAspect="1"/>
-          </p:cNvPicPr>
-          <p:nvPr/>
-        </p:nvPicPr>
-        <p:blipFill>
-          <a:blip r:embed="rId2"/>
-          <a:stretch>
-            <a:fillRect/>
-          </a:stretch>
-        </p:blipFill>
-        <p:spPr>
-          <a:xfrm>
-            <a:off x="241465" y="1515650"/>
-            <a:ext cx="11709069" cy="965496"/>
-          </a:xfrm>
-          <a:prstGeom prst="rect">
-            <a:avLst/>
-          </a:prstGeom>
-        </p:spPr>
-      </p:pic>
-      <p:sp>
-        <p:nvSpPr>
-          <p:cNvPr id="6" name="矩形 5"/>
-          <p:cNvSpPr/>
-          <p:nvPr/>
-        </p:nvSpPr>
-        <p:spPr>
-          <a:xfrm>
-            <a:off x="495300" y="2656547"/>
-            <a:ext cx="9083040" cy="646331"/>
-          </a:xfrm>
-          <a:prstGeom prst="rect">
-            <a:avLst/>
-          </a:prstGeom>
-        </p:spPr>
-        <p:txBody>
-          <a:bodyPr wrap="square">
-            <a:spAutoFit/>
-          </a:bodyPr>
-          <a:lstStyle/>
-          <a:p>
-            <a:r>
-              <a:rPr lang="en-US" altLang="zh-TW" dirty="0" smtClean="0">
-                <a:latin typeface="Cascadia Code" panose="020B0609020000020004" pitchFamily="49" charset="0"/>
-              </a:rPr>
-              <a:t>k = 3.86 -&gt; </a:t>
-            </a:r>
-            <a:r>
-              <a:rPr lang="en-US" altLang="zh-TW" dirty="0" err="1" smtClean="0">
-                <a:latin typeface="Cascadia Code" panose="020B0609020000020004" pitchFamily="49" charset="0"/>
-              </a:rPr>
-              <a:t>k_p</a:t>
-            </a:r>
-            <a:r>
-              <a:rPr lang="en-US" altLang="zh-TW" dirty="0" smtClean="0">
-                <a:latin typeface="Cascadia Code" panose="020B0609020000020004" pitchFamily="49" charset="0"/>
-              </a:rPr>
-              <a:t> = k / </a:t>
-            </a:r>
-            <a:r>
-              <a:rPr lang="en-US" altLang="zh-TW" dirty="0" err="1" smtClean="0">
-                <a:latin typeface="Cascadia Code" panose="020B0609020000020004" pitchFamily="49" charset="0"/>
-              </a:rPr>
-              <a:t>k_m</a:t>
-            </a:r>
-            <a:r>
-              <a:rPr lang="en-US" altLang="zh-TW" dirty="0" smtClean="0">
-                <a:latin typeface="Cascadia Code" panose="020B0609020000020004" pitchFamily="49" charset="0"/>
-              </a:rPr>
-              <a:t> = 3.86 / 307  =</a:t>
-            </a:r>
-            <a:r>
-              <a:rPr lang="en-US" altLang="zh-TW" b="1" dirty="0"/>
-              <a:t>0.01257328990228013</a:t>
-            </a:r>
-            <a:r>
-              <a:rPr lang="en-US" altLang="zh-TW" dirty="0" smtClean="0">
-                <a:latin typeface="Cascadia Code" panose="020B0609020000020004" pitchFamily="49" charset="0"/>
-              </a:rPr>
-              <a:t> </a:t>
-            </a:r>
-          </a:p>
-          <a:p>
-            <a:r>
-              <a:rPr lang="en-US" altLang="zh-TW" dirty="0">
-                <a:latin typeface="Cascadia Code" panose="020B0609020000020004" pitchFamily="49" charset="0"/>
-              </a:rPr>
-              <a:t> </a:t>
-            </a:r>
-            <a:r>
-              <a:rPr lang="en-US" altLang="zh-TW" dirty="0" smtClean="0">
-                <a:latin typeface="Cascadia Code" panose="020B0609020000020004" pitchFamily="49" charset="0"/>
-              </a:rPr>
-              <a:t>-&gt; </a:t>
-            </a:r>
-            <a:r>
-              <a:rPr lang="en-US" altLang="zh-TW" dirty="0" err="1" smtClean="0">
-                <a:latin typeface="Cascadia Code" panose="020B0609020000020004" pitchFamily="49" charset="0"/>
-              </a:rPr>
-              <a:t>k_i</a:t>
-            </a:r>
-            <a:r>
-              <a:rPr lang="en-US" altLang="zh-TW" dirty="0" smtClean="0">
-                <a:latin typeface="Cascadia Code" panose="020B0609020000020004" pitchFamily="49" charset="0"/>
-              </a:rPr>
-              <a:t> = </a:t>
-            </a:r>
-            <a:r>
-              <a:rPr lang="en-US" altLang="zh-TW" dirty="0" err="1" smtClean="0">
-                <a:latin typeface="Cascadia Code" panose="020B0609020000020004" pitchFamily="49" charset="0"/>
-              </a:rPr>
-              <a:t>k_p</a:t>
-            </a:r>
-            <a:r>
-              <a:rPr lang="en-US" altLang="zh-TW" dirty="0" smtClean="0">
-                <a:latin typeface="Cascadia Code" panose="020B0609020000020004" pitchFamily="49" charset="0"/>
-              </a:rPr>
-              <a:t> </a:t>
-            </a:r>
-            <a:r>
-              <a:rPr lang="en-US" altLang="zh-TW" dirty="0">
-                <a:latin typeface="Cascadia Code" panose="020B0609020000020004" pitchFamily="49" charset="0"/>
-              </a:rPr>
-              <a:t>* D = 0.03771986970684039</a:t>
-            </a:r>
-          </a:p>
-        </p:txBody>
-      </p:sp>
-    </p:spTree>
-    <p:extLst>
-      <p:ext uri="{BB962C8B-B14F-4D97-AF65-F5344CB8AC3E}">
-        <p14:creationId xmlns:p14="http://schemas.microsoft.com/office/powerpoint/2010/main" val="578369338"/>
-      </p:ext>
-    </p:extLst>
-  </p:cSld>
-  <p:clrMapOvr>
-    <a:masterClrMapping/>
-  </p:clrMapOvr>
-</p:sld>
-</file>
-
-<file path=ppt/slides/slide7.xml><?xml version="1.0" encoding="utf-8"?>
-<p:sld xmlns:a="http://schemas.openxmlformats.org/drawingml/2006/main" xmlns:r="http://schemas.openxmlformats.org/officeDocument/2006/relationships" xmlns:p="http://schemas.openxmlformats.org/presentationml/2006/main">
-  <p:cSld>
-    <p:spTree>
-      <p:nvGrpSpPr>
-        <p:cNvPr id="1" name=""/>
-        <p:cNvGrpSpPr/>
-        <p:nvPr/>
-      </p:nvGrpSpPr>
-      <p:grpSpPr>
-        <a:xfrm>
-          <a:off x="0" y="0"/>
-          <a:ext cx="0" cy="0"/>
-          <a:chOff x="0" y="0"/>
-          <a:chExt cx="0" cy="0"/>
-        </a:xfrm>
-      </p:grpSpPr>
-      <p:sp>
-        <p:nvSpPr>
-          <p:cNvPr id="6" name="標題 1">
-            <a:extLst>
-              <a:ext uri="{FF2B5EF4-FFF2-40B4-BE49-F238E27FC236}">
-                <a16:creationId xmlns:a16="http://schemas.microsoft.com/office/drawing/2014/main" id="{F0F24871-7E6E-6347-BF59-1F8F0DD956D0}"/>
-              </a:ext>
-            </a:extLst>
-          </p:cNvPr>
-          <p:cNvSpPr>
-            <a:spLocks noGrp="1"/>
-          </p:cNvSpPr>
-          <p:nvPr>
-            <p:ph type="title"/>
-          </p:nvPr>
-        </p:nvSpPr>
-        <p:spPr>
-          <a:xfrm>
-            <a:off x="838200" y="365125"/>
-            <a:ext cx="10515600" cy="1325563"/>
-          </a:xfrm>
-        </p:spPr>
-        <p:txBody>
-          <a:bodyPr/>
-          <a:lstStyle/>
-          <a:p>
-            <a:r>
-              <a:rPr lang="zh-TW" altLang="en-US" dirty="0">
-                <a:latin typeface="標楷體" panose="03000509000000000000" pitchFamily="65" charset="-120"/>
-                <a:ea typeface="標楷體" panose="03000509000000000000" pitchFamily="65" charset="-120"/>
-              </a:rPr>
-              <a:t>問題討論</a:t>
-            </a:r>
-          </a:p>
-        </p:txBody>
-      </p:sp>
-    </p:spTree>
-    <p:extLst>
-      <p:ext uri="{BB962C8B-B14F-4D97-AF65-F5344CB8AC3E}">
-        <p14:creationId xmlns:p14="http://schemas.microsoft.com/office/powerpoint/2010/main" val="460641026"/>
       </p:ext>
     </p:extLst>
   </p:cSld>

--- a/實驗六/presentation/實驗六_第二組_葉彥辰_郭亮佑_蘇昱嘉.pptx
+++ b/實驗六/presentation/實驗六_第二組_葉彥辰_郭亮佑_蘇昱嘉.pptx
@@ -130,6 +130,93 @@
 <file path=ppt/changesInfos/changesInfo1.xml><?xml version="1.0" encoding="utf-8"?>
 <pc:chgInfo xmlns:a="http://schemas.openxmlformats.org/drawingml/2006/main" xmlns:r="http://schemas.openxmlformats.org/officeDocument/2006/relationships" xmlns:ac="http://schemas.microsoft.com/office/drawing/2013/main/command" xmlns:pc="http://schemas.microsoft.com/office/powerpoint/2013/main/command">
   <pc:docChgLst>
+    <pc:chgData name="亮佑 郭" userId="0ac4c1b3aead664f" providerId="LiveId" clId="{69C52A65-8E28-4CC2-9C97-070222943FBD}"/>
+    <pc:docChg chg="undo custSel modSld">
+      <pc:chgData name="亮佑 郭" userId="0ac4c1b3aead664f" providerId="LiveId" clId="{69C52A65-8E28-4CC2-9C97-070222943FBD}" dt="2025-04-06T13:49:39.372" v="118" actId="14734"/>
+      <pc:docMkLst>
+        <pc:docMk/>
+      </pc:docMkLst>
+      <pc:sldChg chg="addSp delSp modSp mod">
+        <pc:chgData name="亮佑 郭" userId="0ac4c1b3aead664f" providerId="LiveId" clId="{69C52A65-8E28-4CC2-9C97-070222943FBD}" dt="2025-04-06T13:46:32.226" v="77" actId="1076"/>
+        <pc:sldMkLst>
+          <pc:docMk/>
+          <pc:sldMk cId="161310738" sldId="346"/>
+        </pc:sldMkLst>
+        <pc:spChg chg="add del">
+          <ac:chgData name="亮佑 郭" userId="0ac4c1b3aead664f" providerId="LiveId" clId="{69C52A65-8E28-4CC2-9C97-070222943FBD}" dt="2025-04-06T13:46:16.382" v="58" actId="22"/>
+          <ac:spMkLst>
+            <pc:docMk/>
+            <pc:sldMk cId="161310738" sldId="346"/>
+            <ac:spMk id="8" creationId="{4206B9A0-21CD-B924-735C-0DFA672DB5F0}"/>
+          </ac:spMkLst>
+        </pc:spChg>
+        <pc:spChg chg="add mod">
+          <ac:chgData name="亮佑 郭" userId="0ac4c1b3aead664f" providerId="LiveId" clId="{69C52A65-8E28-4CC2-9C97-070222943FBD}" dt="2025-04-06T13:46:32.226" v="77" actId="1076"/>
+          <ac:spMkLst>
+            <pc:docMk/>
+            <pc:sldMk cId="161310738" sldId="346"/>
+            <ac:spMk id="9" creationId="{50219755-1860-A3EF-BFC5-28081B909F11}"/>
+          </ac:spMkLst>
+        </pc:spChg>
+        <pc:graphicFrameChg chg="add mod modGraphic">
+          <ac:chgData name="亮佑 郭" userId="0ac4c1b3aead664f" providerId="LiveId" clId="{69C52A65-8E28-4CC2-9C97-070222943FBD}" dt="2025-04-06T13:46:04.118" v="52" actId="207"/>
+          <ac:graphicFrameMkLst>
+            <pc:docMk/>
+            <pc:sldMk cId="161310738" sldId="346"/>
+            <ac:graphicFrameMk id="6" creationId="{ECA25411-23B2-0600-1DD9-F48AC735A0CA}"/>
+          </ac:graphicFrameMkLst>
+        </pc:graphicFrameChg>
+        <pc:picChg chg="add del mod">
+          <ac:chgData name="亮佑 郭" userId="0ac4c1b3aead664f" providerId="LiveId" clId="{69C52A65-8E28-4CC2-9C97-070222943FBD}" dt="2025-04-06T13:44:03.872" v="34" actId="478"/>
+          <ac:picMkLst>
+            <pc:docMk/>
+            <pc:sldMk cId="161310738" sldId="346"/>
+            <ac:picMk id="5" creationId="{3297DE3C-977A-A645-183A-7FC3BA40E4A7}"/>
+          </ac:picMkLst>
+        </pc:picChg>
+      </pc:sldChg>
+      <pc:sldChg chg="addSp delSp modSp mod">
+        <pc:chgData name="亮佑 郭" userId="0ac4c1b3aead664f" providerId="LiveId" clId="{69C52A65-8E28-4CC2-9C97-070222943FBD}" dt="2025-04-06T13:49:39.372" v="118" actId="14734"/>
+        <pc:sldMkLst>
+          <pc:docMk/>
+          <pc:sldMk cId="3487155211" sldId="349"/>
+        </pc:sldMkLst>
+        <pc:spChg chg="add mod">
+          <ac:chgData name="亮佑 郭" userId="0ac4c1b3aead664f" providerId="LiveId" clId="{69C52A65-8E28-4CC2-9C97-070222943FBD}" dt="2025-04-06T13:46:11.509" v="55" actId="1076"/>
+          <ac:spMkLst>
+            <pc:docMk/>
+            <pc:sldMk cId="3487155211" sldId="349"/>
+            <ac:spMk id="6" creationId="{60862FFA-239A-2037-1478-C659C560B798}"/>
+          </ac:spMkLst>
+        </pc:spChg>
+        <pc:graphicFrameChg chg="add del mod modGraphic">
+          <ac:chgData name="亮佑 郭" userId="0ac4c1b3aead664f" providerId="LiveId" clId="{69C52A65-8E28-4CC2-9C97-070222943FBD}" dt="2025-04-06T13:48:38.216" v="99" actId="478"/>
+          <ac:graphicFrameMkLst>
+            <pc:docMk/>
+            <pc:sldMk cId="3487155211" sldId="349"/>
+            <ac:graphicFrameMk id="7" creationId="{FD5BB32B-C784-E7E6-1C92-85E362DBFD1D}"/>
+          </ac:graphicFrameMkLst>
+        </pc:graphicFrameChg>
+        <pc:graphicFrameChg chg="add mod modGraphic">
+          <ac:chgData name="亮佑 郭" userId="0ac4c1b3aead664f" providerId="LiveId" clId="{69C52A65-8E28-4CC2-9C97-070222943FBD}" dt="2025-04-06T13:49:39.372" v="118" actId="14734"/>
+          <ac:graphicFrameMkLst>
+            <pc:docMk/>
+            <pc:sldMk cId="3487155211" sldId="349"/>
+            <ac:graphicFrameMk id="8" creationId="{770B0403-EE8E-C8E2-8FA1-98AE4BB8ABF6}"/>
+          </ac:graphicFrameMkLst>
+        </pc:graphicFrameChg>
+        <pc:picChg chg="add del mod">
+          <ac:chgData name="亮佑 郭" userId="0ac4c1b3aead664f" providerId="LiveId" clId="{69C52A65-8E28-4CC2-9C97-070222943FBD}" dt="2025-04-06T13:46:09.087" v="53" actId="478"/>
+          <ac:picMkLst>
+            <pc:docMk/>
+            <pc:sldMk cId="3487155211" sldId="349"/>
+            <ac:picMk id="5" creationId="{F9639515-E698-2B3B-06F9-A4920F54E9C9}"/>
+          </ac:picMkLst>
+        </pc:picChg>
+      </pc:sldChg>
+    </pc:docChg>
+  </pc:docChgLst>
+  <pc:docChgLst>
     <pc:chgData name="亮佑 郭" userId="0ac4c1b3aead664f" providerId="LiveId" clId="{6D0249C2-CDB6-4B5A-AD3A-51DACC1CBF54}"/>
     <pc:docChg chg="undo redo custSel addSld modSld">
       <pc:chgData name="亮佑 郭" userId="0ac4c1b3aead664f" providerId="LiveId" clId="{6D0249C2-CDB6-4B5A-AD3A-51DACC1CBF54}" dt="2025-03-02T13:07:28.303" v="1492" actId="20577"/>
@@ -142,14 +229,6 @@
           <pc:docMk/>
           <pc:sldMk cId="3472544154" sldId="256"/>
         </pc:sldMkLst>
-        <pc:spChg chg="del mod">
-          <ac:chgData name="亮佑 郭" userId="0ac4c1b3aead664f" providerId="LiveId" clId="{6D0249C2-CDB6-4B5A-AD3A-51DACC1CBF54}" dt="2025-03-02T04:26:21.232" v="1085" actId="21"/>
-          <ac:spMkLst>
-            <pc:docMk/>
-            <pc:sldMk cId="3472544154" sldId="256"/>
-            <ac:spMk id="3" creationId="{00000000-0000-0000-0000-000000000000}"/>
-          </ac:spMkLst>
-        </pc:spChg>
         <pc:picChg chg="add mod">
           <ac:chgData name="亮佑 郭" userId="0ac4c1b3aead664f" providerId="LiveId" clId="{6D0249C2-CDB6-4B5A-AD3A-51DACC1CBF54}" dt="2025-03-02T04:26:15.826" v="1084" actId="1076"/>
           <ac:picMkLst>
@@ -165,30 +244,6 @@
           <pc:docMk/>
           <pc:sldMk cId="1791802273" sldId="281"/>
         </pc:sldMkLst>
-        <pc:spChg chg="add mod">
-          <ac:chgData name="亮佑 郭" userId="0ac4c1b3aead664f" providerId="LiveId" clId="{6D0249C2-CDB6-4B5A-AD3A-51DACC1CBF54}" dt="2025-03-01T14:44:47.444" v="1036" actId="1076"/>
-          <ac:spMkLst>
-            <pc:docMk/>
-            <pc:sldMk cId="1791802273" sldId="281"/>
-            <ac:spMk id="4" creationId="{8097CCF3-78C5-4A6F-26DD-27D59587E832}"/>
-          </ac:spMkLst>
-        </pc:spChg>
-        <pc:spChg chg="add mod">
-          <ac:chgData name="亮佑 郭" userId="0ac4c1b3aead664f" providerId="LiveId" clId="{6D0249C2-CDB6-4B5A-AD3A-51DACC1CBF54}" dt="2025-03-01T14:41:30.366" v="1010" actId="1076"/>
-          <ac:spMkLst>
-            <pc:docMk/>
-            <pc:sldMk cId="1791802273" sldId="281"/>
-            <ac:spMk id="6" creationId="{F71DA522-15EA-8E8C-BACE-A90A0F8C967E}"/>
-          </ac:spMkLst>
-        </pc:spChg>
-        <pc:spChg chg="add mod">
-          <ac:chgData name="亮佑 郭" userId="0ac4c1b3aead664f" providerId="LiveId" clId="{6D0249C2-CDB6-4B5A-AD3A-51DACC1CBF54}" dt="2025-03-01T14:44:49.924" v="1037" actId="1076"/>
-          <ac:spMkLst>
-            <pc:docMk/>
-            <pc:sldMk cId="1791802273" sldId="281"/>
-            <ac:spMk id="7" creationId="{2C941493-C624-8C48-27EB-C0F503973BB5}"/>
-          </ac:spMkLst>
-        </pc:spChg>
       </pc:sldChg>
       <pc:sldChg chg="addSp modSp mod">
         <pc:chgData name="亮佑 郭" userId="0ac4c1b3aead664f" providerId="LiveId" clId="{6D0249C2-CDB6-4B5A-AD3A-51DACC1CBF54}" dt="2025-03-01T13:22:29.785" v="637" actId="1076"/>
@@ -196,30 +251,6 @@
           <pc:docMk/>
           <pc:sldMk cId="2918753784" sldId="282"/>
         </pc:sldMkLst>
-        <pc:spChg chg="add mod">
-          <ac:chgData name="亮佑 郭" userId="0ac4c1b3aead664f" providerId="LiveId" clId="{6D0249C2-CDB6-4B5A-AD3A-51DACC1CBF54}" dt="2025-03-01T13:22:27.665" v="636" actId="1076"/>
-          <ac:spMkLst>
-            <pc:docMk/>
-            <pc:sldMk cId="2918753784" sldId="282"/>
-            <ac:spMk id="6" creationId="{DB53811A-7063-5697-427B-B64DFB7568FD}"/>
-          </ac:spMkLst>
-        </pc:spChg>
-        <pc:picChg chg="mod">
-          <ac:chgData name="亮佑 郭" userId="0ac4c1b3aead664f" providerId="LiveId" clId="{6D0249C2-CDB6-4B5A-AD3A-51DACC1CBF54}" dt="2025-03-01T13:22:29.785" v="637" actId="1076"/>
-          <ac:picMkLst>
-            <pc:docMk/>
-            <pc:sldMk cId="2918753784" sldId="282"/>
-            <ac:picMk id="3" creationId="{00000000-0000-0000-0000-000000000000}"/>
-          </ac:picMkLst>
-        </pc:picChg>
-        <pc:picChg chg="add mod">
-          <ac:chgData name="亮佑 郭" userId="0ac4c1b3aead664f" providerId="LiveId" clId="{6D0249C2-CDB6-4B5A-AD3A-51DACC1CBF54}" dt="2025-03-01T13:22:25.505" v="635" actId="1076"/>
-          <ac:picMkLst>
-            <pc:docMk/>
-            <pc:sldMk cId="2918753784" sldId="282"/>
-            <ac:picMk id="5" creationId="{94E6D5E5-C5E8-FF5D-0A3A-D19B5BE6E68B}"/>
-          </ac:picMkLst>
-        </pc:picChg>
       </pc:sldChg>
       <pc:sldChg chg="addSp delSp modSp mod">
         <pc:chgData name="亮佑 郭" userId="0ac4c1b3aead664f" providerId="LiveId" clId="{6D0249C2-CDB6-4B5A-AD3A-51DACC1CBF54}" dt="2025-03-01T12:25:09.212" v="155" actId="1076"/>
@@ -227,62 +258,6 @@
           <pc:docMk/>
           <pc:sldMk cId="1961476027" sldId="284"/>
         </pc:sldMkLst>
-        <pc:picChg chg="add mod">
-          <ac:chgData name="亮佑 郭" userId="0ac4c1b3aead664f" providerId="LiveId" clId="{6D0249C2-CDB6-4B5A-AD3A-51DACC1CBF54}" dt="2025-03-01T12:23:24.962" v="129" actId="14100"/>
-          <ac:picMkLst>
-            <pc:docMk/>
-            <pc:sldMk cId="1961476027" sldId="284"/>
-            <ac:picMk id="3" creationId="{04446FD3-72FC-2FB2-D9D0-3434673BB43B}"/>
-          </ac:picMkLst>
-        </pc:picChg>
-        <pc:picChg chg="add del mod">
-          <ac:chgData name="亮佑 郭" userId="0ac4c1b3aead664f" providerId="LiveId" clId="{6D0249C2-CDB6-4B5A-AD3A-51DACC1CBF54}" dt="2025-03-01T12:23:42.535" v="133" actId="478"/>
-          <ac:picMkLst>
-            <pc:docMk/>
-            <pc:sldMk cId="1961476027" sldId="284"/>
-            <ac:picMk id="6" creationId="{48718938-DA83-AFF4-B8E4-B5A4E3167AB2}"/>
-          </ac:picMkLst>
-        </pc:picChg>
-        <pc:picChg chg="mod">
-          <ac:chgData name="亮佑 郭" userId="0ac4c1b3aead664f" providerId="LiveId" clId="{6D0249C2-CDB6-4B5A-AD3A-51DACC1CBF54}" dt="2025-03-01T12:25:09.212" v="155" actId="1076"/>
-          <ac:picMkLst>
-            <pc:docMk/>
-            <pc:sldMk cId="1961476027" sldId="284"/>
-            <ac:picMk id="9" creationId="{00000000-0000-0000-0000-000000000000}"/>
-          </ac:picMkLst>
-        </pc:picChg>
-        <pc:picChg chg="del mod">
-          <ac:chgData name="亮佑 郭" userId="0ac4c1b3aead664f" providerId="LiveId" clId="{6D0249C2-CDB6-4B5A-AD3A-51DACC1CBF54}" dt="2025-03-01T12:22:43.472" v="116" actId="478"/>
-          <ac:picMkLst>
-            <pc:docMk/>
-            <pc:sldMk cId="1961476027" sldId="284"/>
-            <ac:picMk id="10" creationId="{00000000-0000-0000-0000-000000000000}"/>
-          </ac:picMkLst>
-        </pc:picChg>
-        <pc:picChg chg="del mod">
-          <ac:chgData name="亮佑 郭" userId="0ac4c1b3aead664f" providerId="LiveId" clId="{6D0249C2-CDB6-4B5A-AD3A-51DACC1CBF54}" dt="2025-03-01T12:22:59.411" v="122" actId="21"/>
-          <ac:picMkLst>
-            <pc:docMk/>
-            <pc:sldMk cId="1961476027" sldId="284"/>
-            <ac:picMk id="11" creationId="{00000000-0000-0000-0000-000000000000}"/>
-          </ac:picMkLst>
-        </pc:picChg>
-        <pc:picChg chg="add mod">
-          <ac:chgData name="亮佑 郭" userId="0ac4c1b3aead664f" providerId="LiveId" clId="{6D0249C2-CDB6-4B5A-AD3A-51DACC1CBF54}" dt="2025-03-01T12:24:08.192" v="136" actId="1076"/>
-          <ac:picMkLst>
-            <pc:docMk/>
-            <pc:sldMk cId="1961476027" sldId="284"/>
-            <ac:picMk id="12" creationId="{E87E09B1-C1C6-99A5-5ABA-DDD842AF361A}"/>
-          </ac:picMkLst>
-        </pc:picChg>
-        <pc:picChg chg="add mod">
-          <ac:chgData name="亮佑 郭" userId="0ac4c1b3aead664f" providerId="LiveId" clId="{6D0249C2-CDB6-4B5A-AD3A-51DACC1CBF54}" dt="2025-03-01T12:24:29.989" v="143" actId="1076"/>
-          <ac:picMkLst>
-            <pc:docMk/>
-            <pc:sldMk cId="1961476027" sldId="284"/>
-            <ac:picMk id="14" creationId="{3FD878A2-2B05-28B7-4839-3F3C71FE1F22}"/>
-          </ac:picMkLst>
-        </pc:picChg>
       </pc:sldChg>
       <pc:sldChg chg="addSp delSp modSp new mod">
         <pc:chgData name="亮佑 郭" userId="0ac4c1b3aead664f" providerId="LiveId" clId="{6D0249C2-CDB6-4B5A-AD3A-51DACC1CBF54}" dt="2025-03-02T04:20:23.311" v="1069" actId="20577"/>
@@ -290,38 +265,6 @@
           <pc:docMk/>
           <pc:sldMk cId="3609315435" sldId="288"/>
         </pc:sldMkLst>
-        <pc:spChg chg="mod">
-          <ac:chgData name="亮佑 郭" userId="0ac4c1b3aead664f" providerId="LiveId" clId="{6D0249C2-CDB6-4B5A-AD3A-51DACC1CBF54}" dt="2025-03-01T12:24:36.822" v="144"/>
-          <ac:spMkLst>
-            <pc:docMk/>
-            <pc:sldMk cId="3609315435" sldId="288"/>
-            <ac:spMk id="2" creationId="{93DBDA2A-9D5F-65B2-42E1-FFC85E5716A9}"/>
-          </ac:spMkLst>
-        </pc:spChg>
-        <pc:spChg chg="mod">
-          <ac:chgData name="亮佑 郭" userId="0ac4c1b3aead664f" providerId="LiveId" clId="{6D0249C2-CDB6-4B5A-AD3A-51DACC1CBF54}" dt="2025-03-02T04:20:23.311" v="1069" actId="20577"/>
-          <ac:spMkLst>
-            <pc:docMk/>
-            <pc:sldMk cId="3609315435" sldId="288"/>
-            <ac:spMk id="3" creationId="{3D391326-D7A3-972A-DAD0-9B2FDFC06F41}"/>
-          </ac:spMkLst>
-        </pc:spChg>
-        <pc:picChg chg="add mod">
-          <ac:chgData name="亮佑 郭" userId="0ac4c1b3aead664f" providerId="LiveId" clId="{6D0249C2-CDB6-4B5A-AD3A-51DACC1CBF54}" dt="2025-03-01T12:25:18.123" v="159" actId="1076"/>
-          <ac:picMkLst>
-            <pc:docMk/>
-            <pc:sldMk cId="3609315435" sldId="288"/>
-            <ac:picMk id="4" creationId="{5741FEA9-4F29-FF06-659D-3FB934F207A9}"/>
-          </ac:picMkLst>
-        </pc:picChg>
-        <pc:picChg chg="add del mod">
-          <ac:chgData name="亮佑 郭" userId="0ac4c1b3aead664f" providerId="LiveId" clId="{6D0249C2-CDB6-4B5A-AD3A-51DACC1CBF54}" dt="2025-03-01T12:23:16.055" v="127" actId="478"/>
-          <ac:picMkLst>
-            <pc:docMk/>
-            <pc:sldMk cId="3609315435" sldId="288"/>
-            <ac:picMk id="11" creationId="{00000000-0000-0000-0000-000000000000}"/>
-          </ac:picMkLst>
-        </pc:picChg>
       </pc:sldChg>
       <pc:sldChg chg="addSp delSp modSp new mod">
         <pc:chgData name="亮佑 郭" userId="0ac4c1b3aead664f" providerId="LiveId" clId="{6D0249C2-CDB6-4B5A-AD3A-51DACC1CBF54}" dt="2025-03-02T13:07:04.964" v="1468" actId="1076"/>
@@ -329,46 +272,6 @@
           <pc:docMk/>
           <pc:sldMk cId="607302404" sldId="289"/>
         </pc:sldMkLst>
-        <pc:spChg chg="mod">
-          <ac:chgData name="亮佑 郭" userId="0ac4c1b3aead664f" providerId="LiveId" clId="{6D0249C2-CDB6-4B5A-AD3A-51DACC1CBF54}" dt="2025-03-01T12:24:38.041" v="145"/>
-          <ac:spMkLst>
-            <pc:docMk/>
-            <pc:sldMk cId="607302404" sldId="289"/>
-            <ac:spMk id="2" creationId="{C7F71CDE-D6F8-DDBA-1DF9-46AD1F74E039}"/>
-          </ac:spMkLst>
-        </pc:spChg>
-        <pc:spChg chg="del">
-          <ac:chgData name="亮佑 郭" userId="0ac4c1b3aead664f" providerId="LiveId" clId="{6D0249C2-CDB6-4B5A-AD3A-51DACC1CBF54}" dt="2025-03-01T12:25:28.516" v="161"/>
-          <ac:spMkLst>
-            <pc:docMk/>
-            <pc:sldMk cId="607302404" sldId="289"/>
-            <ac:spMk id="3" creationId="{1E7291FA-C8A8-1A79-C2DD-50875A81219A}"/>
-          </ac:spMkLst>
-        </pc:spChg>
-        <pc:spChg chg="add del mod">
-          <ac:chgData name="亮佑 郭" userId="0ac4c1b3aead664f" providerId="LiveId" clId="{6D0249C2-CDB6-4B5A-AD3A-51DACC1CBF54}" dt="2025-03-01T12:30:34.958" v="173"/>
-          <ac:spMkLst>
-            <pc:docMk/>
-            <pc:sldMk cId="607302404" sldId="289"/>
-            <ac:spMk id="5" creationId="{5F77B2ED-A6E9-D096-C89D-203BBD1309D2}"/>
-          </ac:spMkLst>
-        </pc:spChg>
-        <pc:spChg chg="add mod">
-          <ac:chgData name="亮佑 郭" userId="0ac4c1b3aead664f" providerId="LiveId" clId="{6D0249C2-CDB6-4B5A-AD3A-51DACC1CBF54}" dt="2025-03-02T13:07:04.964" v="1468" actId="1076"/>
-          <ac:spMkLst>
-            <pc:docMk/>
-            <pc:sldMk cId="607302404" sldId="289"/>
-            <ac:spMk id="6" creationId="{F1B6DDEF-642D-29AB-F060-2C8869EAA1F4}"/>
-          </ac:spMkLst>
-        </pc:spChg>
-        <pc:picChg chg="add mod">
-          <ac:chgData name="亮佑 郭" userId="0ac4c1b3aead664f" providerId="LiveId" clId="{6D0249C2-CDB6-4B5A-AD3A-51DACC1CBF54}" dt="2025-03-01T12:25:32.743" v="163" actId="14100"/>
-          <ac:picMkLst>
-            <pc:docMk/>
-            <pc:sldMk cId="607302404" sldId="289"/>
-            <ac:picMk id="4" creationId="{A1D057D6-DC39-1357-E773-EBAFE63EACD8}"/>
-          </ac:picMkLst>
-        </pc:picChg>
       </pc:sldChg>
       <pc:sldChg chg="addSp delSp modSp new mod">
         <pc:chgData name="亮佑 郭" userId="0ac4c1b3aead664f" providerId="LiveId" clId="{6D0249C2-CDB6-4B5A-AD3A-51DACC1CBF54}" dt="2025-03-02T13:07:28.303" v="1492" actId="20577"/>
@@ -376,38 +279,6 @@
           <pc:docMk/>
           <pc:sldMk cId="1302444796" sldId="290"/>
         </pc:sldMkLst>
-        <pc:spChg chg="mod">
-          <ac:chgData name="亮佑 郭" userId="0ac4c1b3aead664f" providerId="LiveId" clId="{6D0249C2-CDB6-4B5A-AD3A-51DACC1CBF54}" dt="2025-03-01T12:25:55.427" v="169" actId="1076"/>
-          <ac:spMkLst>
-            <pc:docMk/>
-            <pc:sldMk cId="1302444796" sldId="290"/>
-            <ac:spMk id="2" creationId="{D8126450-EBC4-B91D-77A2-4D350FE905B7}"/>
-          </ac:spMkLst>
-        </pc:spChg>
-        <pc:spChg chg="del">
-          <ac:chgData name="亮佑 郭" userId="0ac4c1b3aead664f" providerId="LiveId" clId="{6D0249C2-CDB6-4B5A-AD3A-51DACC1CBF54}" dt="2025-03-01T12:25:46.805" v="164" actId="22"/>
-          <ac:spMkLst>
-            <pc:docMk/>
-            <pc:sldMk cId="1302444796" sldId="290"/>
-            <ac:spMk id="3" creationId="{B9209836-6949-F366-13C8-F77C783DE049}"/>
-          </ac:spMkLst>
-        </pc:spChg>
-        <pc:spChg chg="add mod">
-          <ac:chgData name="亮佑 郭" userId="0ac4c1b3aead664f" providerId="LiveId" clId="{6D0249C2-CDB6-4B5A-AD3A-51DACC1CBF54}" dt="2025-03-02T13:07:28.303" v="1492" actId="20577"/>
-          <ac:spMkLst>
-            <pc:docMk/>
-            <pc:sldMk cId="1302444796" sldId="290"/>
-            <ac:spMk id="6" creationId="{1ACC9EE2-1A1B-F64C-037C-37D79C10F091}"/>
-          </ac:spMkLst>
-        </pc:spChg>
-        <pc:picChg chg="add mod ord">
-          <ac:chgData name="亮佑 郭" userId="0ac4c1b3aead664f" providerId="LiveId" clId="{6D0249C2-CDB6-4B5A-AD3A-51DACC1CBF54}" dt="2025-03-01T12:30:53.152" v="174" actId="1076"/>
-          <ac:picMkLst>
-            <pc:docMk/>
-            <pc:sldMk cId="1302444796" sldId="290"/>
-            <ac:picMk id="5" creationId="{30575999-B37B-04FD-0D20-820268306B9F}"/>
-          </ac:picMkLst>
-        </pc:picChg>
       </pc:sldChg>
     </pc:docChg>
   </pc:docChgLst>
@@ -5489,6 +5360,1398 @@
           </a:p>
         </p:txBody>
       </p:sp>
+      <p:graphicFrame>
+        <p:nvGraphicFramePr>
+          <p:cNvPr id="6" name="表格 5">
+            <a:extLst>
+              <a:ext uri="{FF2B5EF4-FFF2-40B4-BE49-F238E27FC236}">
+                <a16:creationId xmlns:a16="http://schemas.microsoft.com/office/drawing/2014/main" id="{ECA25411-23B2-0600-1DD9-F48AC735A0CA}"/>
+              </a:ext>
+            </a:extLst>
+          </p:cNvPr>
+          <p:cNvGraphicFramePr>
+            <a:graphicFrameLocks noGrp="1"/>
+          </p:cNvGraphicFramePr>
+          <p:nvPr>
+            <p:extLst>
+              <p:ext uri="{D42A27DB-BD31-4B8C-83A1-F6EECF244321}">
+                <p14:modId xmlns:p14="http://schemas.microsoft.com/office/powerpoint/2010/main" val="3317444331"/>
+              </p:ext>
+            </p:extLst>
+          </p:nvPr>
+        </p:nvGraphicFramePr>
+        <p:xfrm>
+          <a:off x="838200" y="2691310"/>
+          <a:ext cx="10691949" cy="2172698"/>
+        </p:xfrm>
+        <a:graphic>
+          <a:graphicData uri="http://schemas.openxmlformats.org/drawingml/2006/table">
+            <a:tbl>
+              <a:tblPr>
+                <a:tableStyleId>{00A15C55-8517-42AA-B614-E9B94910E393}</a:tableStyleId>
+              </a:tblPr>
+              <a:tblGrid>
+                <a:gridCol w="823671">
+                  <a:extLst>
+                    <a:ext uri="{9D8B030D-6E8A-4147-A177-3AD203B41FA5}">
+                      <a16:colId xmlns:a16="http://schemas.microsoft.com/office/drawing/2014/main" val="2956297239"/>
+                    </a:ext>
+                  </a:extLst>
+                </a:gridCol>
+                <a:gridCol w="1202370">
+                  <a:extLst>
+                    <a:ext uri="{9D8B030D-6E8A-4147-A177-3AD203B41FA5}">
+                      <a16:colId xmlns:a16="http://schemas.microsoft.com/office/drawing/2014/main" val="3681429819"/>
+                    </a:ext>
+                  </a:extLst>
+                </a:gridCol>
+                <a:gridCol w="1426435">
+                  <a:extLst>
+                    <a:ext uri="{9D8B030D-6E8A-4147-A177-3AD203B41FA5}">
+                      <a16:colId xmlns:a16="http://schemas.microsoft.com/office/drawing/2014/main" val="2374460003"/>
+                    </a:ext>
+                  </a:extLst>
+                </a:gridCol>
+                <a:gridCol w="1464305">
+                  <a:extLst>
+                    <a:ext uri="{9D8B030D-6E8A-4147-A177-3AD203B41FA5}">
+                      <a16:colId xmlns:a16="http://schemas.microsoft.com/office/drawing/2014/main" val="3308578841"/>
+                    </a:ext>
+                  </a:extLst>
+                </a:gridCol>
+                <a:gridCol w="1467461">
+                  <a:extLst>
+                    <a:ext uri="{9D8B030D-6E8A-4147-A177-3AD203B41FA5}">
+                      <a16:colId xmlns:a16="http://schemas.microsoft.com/office/drawing/2014/main" val="1852374010"/>
+                    </a:ext>
+                  </a:extLst>
+                </a:gridCol>
+                <a:gridCol w="1161346">
+                  <a:extLst>
+                    <a:ext uri="{9D8B030D-6E8A-4147-A177-3AD203B41FA5}">
+                      <a16:colId xmlns:a16="http://schemas.microsoft.com/office/drawing/2014/main" val="2581451169"/>
+                    </a:ext>
+                  </a:extLst>
+                </a:gridCol>
+                <a:gridCol w="1868250">
+                  <a:extLst>
+                    <a:ext uri="{9D8B030D-6E8A-4147-A177-3AD203B41FA5}">
+                      <a16:colId xmlns:a16="http://schemas.microsoft.com/office/drawing/2014/main" val="522556834"/>
+                    </a:ext>
+                  </a:extLst>
+                </a:gridCol>
+                <a:gridCol w="1278111">
+                  <a:extLst>
+                    <a:ext uri="{9D8B030D-6E8A-4147-A177-3AD203B41FA5}">
+                      <a16:colId xmlns:a16="http://schemas.microsoft.com/office/drawing/2014/main" val="1725712059"/>
+                    </a:ext>
+                  </a:extLst>
+                </a:gridCol>
+              </a:tblGrid>
+              <a:tr h="426417">
+                <a:tc>
+                  <a:txBody>
+                    <a:bodyPr/>
+                    <a:lstStyle/>
+                    <a:p>
+                      <a:pPr algn="l" fontAlgn="b"/>
+                      <a:r>
+                        <a:rPr lang="zh-TW" altLang="en-US" sz="1100" u="none" strike="noStrike" dirty="0">
+                          <a:solidFill>
+                            <a:schemeClr val="bg1"/>
+                          </a:solidFill>
+                          <a:effectLst/>
+                          <a:latin typeface="標楷體" panose="03000509000000000000" pitchFamily="65" charset="-120"/>
+                          <a:ea typeface="標楷體" panose="03000509000000000000" pitchFamily="65" charset="-120"/>
+                        </a:rPr>
+                        <a:t>項目</a:t>
+                      </a:r>
+                      <a:endParaRPr lang="zh-TW" altLang="en-US" sz="1100" b="1" i="0" u="none" strike="noStrike" dirty="0">
+                        <a:solidFill>
+                          <a:schemeClr val="bg1"/>
+                        </a:solidFill>
+                        <a:effectLst/>
+                        <a:latin typeface="標楷體" panose="03000509000000000000" pitchFamily="65" charset="-120"/>
+                        <a:ea typeface="標楷體" panose="03000509000000000000" pitchFamily="65" charset="-120"/>
+                      </a:endParaRPr>
+                    </a:p>
+                  </a:txBody>
+                  <a:tcPr marL="9322" marR="9322" marT="9322" marB="0" anchor="b">
+                    <a:solidFill>
+                      <a:schemeClr val="accent1"/>
+                    </a:solidFill>
+                  </a:tcPr>
+                </a:tc>
+                <a:tc>
+                  <a:txBody>
+                    <a:bodyPr/>
+                    <a:lstStyle/>
+                    <a:p>
+                      <a:pPr algn="l" fontAlgn="b"/>
+                      <a:r>
+                        <a:rPr lang="zh-TW" altLang="en-US" sz="1100" u="none" strike="noStrike" dirty="0">
+                          <a:solidFill>
+                            <a:schemeClr val="bg1"/>
+                          </a:solidFill>
+                          <a:effectLst/>
+                          <a:latin typeface="標楷體" panose="03000509000000000000" pitchFamily="65" charset="-120"/>
+                          <a:ea typeface="標楷體" panose="03000509000000000000" pitchFamily="65" charset="-120"/>
+                        </a:rPr>
+                        <a:t>衰減器</a:t>
+                      </a:r>
+                      <a:r>
+                        <a:rPr lang="en-US" sz="1100" u="none" strike="noStrike" dirty="0">
+                          <a:solidFill>
+                            <a:schemeClr val="bg1"/>
+                          </a:solidFill>
+                          <a:effectLst/>
+                          <a:latin typeface="標楷體" panose="03000509000000000000" pitchFamily="65" charset="-120"/>
+                          <a:ea typeface="標楷體" panose="03000509000000000000" pitchFamily="65" charset="-120"/>
+                        </a:rPr>
+                        <a:t>P5</a:t>
+                      </a:r>
+                      <a:endParaRPr lang="en-US" sz="1100" b="1" i="0" u="none" strike="noStrike" dirty="0">
+                        <a:solidFill>
+                          <a:schemeClr val="bg1"/>
+                        </a:solidFill>
+                        <a:effectLst/>
+                        <a:latin typeface="標楷體" panose="03000509000000000000" pitchFamily="65" charset="-120"/>
+                        <a:ea typeface="標楷體" panose="03000509000000000000" pitchFamily="65" charset="-120"/>
+                      </a:endParaRPr>
+                    </a:p>
+                  </a:txBody>
+                  <a:tcPr marL="9322" marR="9322" marT="9322" marB="0" anchor="b">
+                    <a:solidFill>
+                      <a:schemeClr val="accent1"/>
+                    </a:solidFill>
+                  </a:tcPr>
+                </a:tc>
+                <a:tc>
+                  <a:txBody>
+                    <a:bodyPr/>
+                    <a:lstStyle/>
+                    <a:p>
+                      <a:pPr algn="l" fontAlgn="b"/>
+                      <a:r>
+                        <a:rPr lang="zh-TW" altLang="en-US" sz="1100" u="none" strike="noStrike" dirty="0">
+                          <a:solidFill>
+                            <a:schemeClr val="bg1"/>
+                          </a:solidFill>
+                          <a:effectLst/>
+                          <a:latin typeface="標楷體" panose="03000509000000000000" pitchFamily="65" charset="-120"/>
+                          <a:ea typeface="標楷體" panose="03000509000000000000" pitchFamily="65" charset="-120"/>
+                        </a:rPr>
+                        <a:t>響應穩態值</a:t>
+                      </a:r>
+                      <a:r>
+                        <a:rPr lang="en-US" sz="1100" u="none" strike="noStrike" dirty="0" err="1">
+                          <a:solidFill>
+                            <a:schemeClr val="bg1"/>
+                          </a:solidFill>
+                          <a:effectLst/>
+                          <a:latin typeface="標楷體" panose="03000509000000000000" pitchFamily="65" charset="-120"/>
+                          <a:ea typeface="標楷體" panose="03000509000000000000" pitchFamily="65" charset="-120"/>
+                        </a:rPr>
+                        <a:t>y_ss</a:t>
+                      </a:r>
+                      <a:r>
+                        <a:rPr lang="en-US" sz="1100" u="none" strike="noStrike" dirty="0">
+                          <a:solidFill>
+                            <a:schemeClr val="bg1"/>
+                          </a:solidFill>
+                          <a:effectLst/>
+                          <a:latin typeface="標楷體" panose="03000509000000000000" pitchFamily="65" charset="-120"/>
+                          <a:ea typeface="標楷體" panose="03000509000000000000" pitchFamily="65" charset="-120"/>
+                        </a:rPr>
+                        <a:t>[v]</a:t>
+                      </a:r>
+                      <a:endParaRPr lang="en-US" sz="1100" b="1" i="0" u="none" strike="noStrike" dirty="0">
+                        <a:solidFill>
+                          <a:schemeClr val="bg1"/>
+                        </a:solidFill>
+                        <a:effectLst/>
+                        <a:latin typeface="標楷體" panose="03000509000000000000" pitchFamily="65" charset="-120"/>
+                        <a:ea typeface="標楷體" panose="03000509000000000000" pitchFamily="65" charset="-120"/>
+                      </a:endParaRPr>
+                    </a:p>
+                  </a:txBody>
+                  <a:tcPr marL="9322" marR="9322" marT="9322" marB="0" anchor="b">
+                    <a:solidFill>
+                      <a:schemeClr val="accent1"/>
+                    </a:solidFill>
+                  </a:tcPr>
+                </a:tc>
+                <a:tc>
+                  <a:txBody>
+                    <a:bodyPr/>
+                    <a:lstStyle/>
+                    <a:p>
+                      <a:pPr algn="l" fontAlgn="b"/>
+                      <a:r>
+                        <a:rPr lang="zh-TW" altLang="en-US" sz="1100" u="none" strike="noStrike" dirty="0">
+                          <a:solidFill>
+                            <a:schemeClr val="bg1"/>
+                          </a:solidFill>
+                          <a:effectLst/>
+                          <a:latin typeface="標楷體" panose="03000509000000000000" pitchFamily="65" charset="-120"/>
+                          <a:ea typeface="標楷體" panose="03000509000000000000" pitchFamily="65" charset="-120"/>
+                        </a:rPr>
+                        <a:t>尖峰超越量</a:t>
+                      </a:r>
+                      <a:r>
+                        <a:rPr lang="el-GR" sz="1100" u="none" strike="noStrike" dirty="0">
+                          <a:solidFill>
+                            <a:schemeClr val="bg1"/>
+                          </a:solidFill>
+                          <a:effectLst/>
+                          <a:ea typeface="標楷體" panose="03000509000000000000" pitchFamily="65" charset="-120"/>
+                        </a:rPr>
+                        <a:t>Δ</a:t>
+                      </a:r>
+                      <a:r>
+                        <a:rPr lang="en-US" sz="1100" u="none" strike="noStrike" dirty="0">
+                          <a:solidFill>
+                            <a:schemeClr val="bg1"/>
+                          </a:solidFill>
+                          <a:effectLst/>
+                          <a:latin typeface="標楷體" panose="03000509000000000000" pitchFamily="65" charset="-120"/>
+                          <a:ea typeface="標楷體" panose="03000509000000000000" pitchFamily="65" charset="-120"/>
+                        </a:rPr>
+                        <a:t>y [V]</a:t>
+                      </a:r>
+                      <a:endParaRPr lang="en-US" sz="1100" b="1" i="0" u="none" strike="noStrike" dirty="0">
+                        <a:solidFill>
+                          <a:schemeClr val="bg1"/>
+                        </a:solidFill>
+                        <a:effectLst/>
+                        <a:latin typeface="標楷體" panose="03000509000000000000" pitchFamily="65" charset="-120"/>
+                        <a:ea typeface="標楷體" panose="03000509000000000000" pitchFamily="65" charset="-120"/>
+                      </a:endParaRPr>
+                    </a:p>
+                  </a:txBody>
+                  <a:tcPr marL="9322" marR="9322" marT="9322" marB="0" anchor="b">
+                    <a:solidFill>
+                      <a:schemeClr val="accent1"/>
+                    </a:solidFill>
+                  </a:tcPr>
+                </a:tc>
+                <a:tc>
+                  <a:txBody>
+                    <a:bodyPr/>
+                    <a:lstStyle/>
+                    <a:p>
+                      <a:pPr algn="l" fontAlgn="b"/>
+                      <a:r>
+                        <a:rPr lang="zh-TW" altLang="en-US" sz="1100" u="none" strike="noStrike" dirty="0">
+                          <a:solidFill>
+                            <a:schemeClr val="bg1"/>
+                          </a:solidFill>
+                          <a:effectLst/>
+                          <a:latin typeface="標楷體" panose="03000509000000000000" pitchFamily="65" charset="-120"/>
+                          <a:ea typeface="標楷體" panose="03000509000000000000" pitchFamily="65" charset="-120"/>
+                        </a:rPr>
+                        <a:t>最大超越量𝑀𝑝</a:t>
+                      </a:r>
+                      <a:r>
+                        <a:rPr lang="en-US" altLang="zh-TW" sz="1100" u="none" strike="noStrike" dirty="0">
+                          <a:solidFill>
+                            <a:schemeClr val="bg1"/>
+                          </a:solidFill>
+                          <a:effectLst/>
+                          <a:latin typeface="標楷體" panose="03000509000000000000" pitchFamily="65" charset="-120"/>
+                          <a:ea typeface="標楷體" panose="03000509000000000000" pitchFamily="65" charset="-120"/>
+                        </a:rPr>
+                        <a:t>[%]</a:t>
+                      </a:r>
+                      <a:endParaRPr lang="en-US" altLang="zh-TW" sz="1100" b="1" i="0" u="none" strike="noStrike" dirty="0">
+                        <a:solidFill>
+                          <a:schemeClr val="bg1"/>
+                        </a:solidFill>
+                        <a:effectLst/>
+                        <a:latin typeface="標楷體" panose="03000509000000000000" pitchFamily="65" charset="-120"/>
+                        <a:ea typeface="標楷體" panose="03000509000000000000" pitchFamily="65" charset="-120"/>
+                      </a:endParaRPr>
+                    </a:p>
+                  </a:txBody>
+                  <a:tcPr marL="9322" marR="9322" marT="9322" marB="0" anchor="b">
+                    <a:solidFill>
+                      <a:schemeClr val="accent1"/>
+                    </a:solidFill>
+                  </a:tcPr>
+                </a:tc>
+                <a:tc>
+                  <a:txBody>
+                    <a:bodyPr/>
+                    <a:lstStyle/>
+                    <a:p>
+                      <a:pPr algn="l" fontAlgn="b"/>
+                      <a:r>
+                        <a:rPr lang="zh-TW" altLang="en-US" sz="1100" u="none" strike="noStrike" dirty="0">
+                          <a:solidFill>
+                            <a:schemeClr val="bg1"/>
+                          </a:solidFill>
+                          <a:effectLst/>
+                          <a:latin typeface="標楷體" panose="03000509000000000000" pitchFamily="65" charset="-120"/>
+                          <a:ea typeface="標楷體" panose="03000509000000000000" pitchFamily="65" charset="-120"/>
+                        </a:rPr>
+                        <a:t>尖峰時間𝑡𝑝</a:t>
+                      </a:r>
+                      <a:r>
+                        <a:rPr lang="en-US" altLang="zh-TW" sz="1100" u="none" strike="noStrike" dirty="0">
+                          <a:solidFill>
+                            <a:schemeClr val="bg1"/>
+                          </a:solidFill>
+                          <a:effectLst/>
+                          <a:latin typeface="標楷體" panose="03000509000000000000" pitchFamily="65" charset="-120"/>
+                          <a:ea typeface="標楷體" panose="03000509000000000000" pitchFamily="65" charset="-120"/>
+                        </a:rPr>
+                        <a:t>[</a:t>
+                      </a:r>
+                      <a:r>
+                        <a:rPr lang="en-US" sz="1100" u="none" strike="noStrike" dirty="0">
+                          <a:solidFill>
+                            <a:schemeClr val="bg1"/>
+                          </a:solidFill>
+                          <a:effectLst/>
+                          <a:latin typeface="標楷體" panose="03000509000000000000" pitchFamily="65" charset="-120"/>
+                          <a:ea typeface="標楷體" panose="03000509000000000000" pitchFamily="65" charset="-120"/>
+                        </a:rPr>
+                        <a:t>s]</a:t>
+                      </a:r>
+                      <a:endParaRPr lang="en-US" sz="1100" b="1" i="0" u="none" strike="noStrike" dirty="0">
+                        <a:solidFill>
+                          <a:schemeClr val="bg1"/>
+                        </a:solidFill>
+                        <a:effectLst/>
+                        <a:latin typeface="標楷體" panose="03000509000000000000" pitchFamily="65" charset="-120"/>
+                        <a:ea typeface="標楷體" panose="03000509000000000000" pitchFamily="65" charset="-120"/>
+                      </a:endParaRPr>
+                    </a:p>
+                  </a:txBody>
+                  <a:tcPr marL="9322" marR="9322" marT="9322" marB="0" anchor="b">
+                    <a:solidFill>
+                      <a:schemeClr val="accent1"/>
+                    </a:solidFill>
+                  </a:tcPr>
+                </a:tc>
+                <a:tc>
+                  <a:txBody>
+                    <a:bodyPr/>
+                    <a:lstStyle/>
+                    <a:p>
+                      <a:pPr algn="l" fontAlgn="b"/>
+                      <a:r>
+                        <a:rPr lang="zh-TW" altLang="en-US" sz="1100" u="none" strike="noStrike" dirty="0">
+                          <a:solidFill>
+                            <a:schemeClr val="bg1"/>
+                          </a:solidFill>
+                          <a:effectLst/>
+                          <a:latin typeface="標楷體" panose="03000509000000000000" pitchFamily="65" charset="-120"/>
+                          <a:ea typeface="標楷體" panose="03000509000000000000" pitchFamily="65" charset="-120"/>
+                        </a:rPr>
+                        <a:t>上升時間𝑡𝑟</a:t>
+                      </a:r>
+                      <a:r>
+                        <a:rPr lang="en-US" altLang="zh-TW" sz="1100" u="none" strike="noStrike" dirty="0">
+                          <a:solidFill>
+                            <a:schemeClr val="bg1"/>
+                          </a:solidFill>
+                          <a:effectLst/>
+                          <a:latin typeface="標楷體" panose="03000509000000000000" pitchFamily="65" charset="-120"/>
+                          <a:ea typeface="標楷體" panose="03000509000000000000" pitchFamily="65" charset="-120"/>
+                        </a:rPr>
+                        <a:t>[</a:t>
+                      </a:r>
+                      <a:r>
+                        <a:rPr lang="en-US" sz="1100" u="none" strike="noStrike" dirty="0">
+                          <a:solidFill>
+                            <a:schemeClr val="bg1"/>
+                          </a:solidFill>
+                          <a:effectLst/>
+                          <a:latin typeface="標楷體" panose="03000509000000000000" pitchFamily="65" charset="-120"/>
+                          <a:ea typeface="標楷體" panose="03000509000000000000" pitchFamily="65" charset="-120"/>
+                        </a:rPr>
+                        <a:t>s]</a:t>
+                      </a:r>
+                      <a:endParaRPr lang="en-US" sz="1100" b="1" i="0" u="none" strike="noStrike" dirty="0">
+                        <a:solidFill>
+                          <a:schemeClr val="bg1"/>
+                        </a:solidFill>
+                        <a:effectLst/>
+                        <a:latin typeface="標楷體" panose="03000509000000000000" pitchFamily="65" charset="-120"/>
+                        <a:ea typeface="標楷體" panose="03000509000000000000" pitchFamily="65" charset="-120"/>
+                      </a:endParaRPr>
+                    </a:p>
+                  </a:txBody>
+                  <a:tcPr marL="9322" marR="9322" marT="9322" marB="0" anchor="b">
+                    <a:solidFill>
+                      <a:schemeClr val="accent1"/>
+                    </a:solidFill>
+                  </a:tcPr>
+                </a:tc>
+                <a:tc>
+                  <a:txBody>
+                    <a:bodyPr/>
+                    <a:lstStyle/>
+                    <a:p>
+                      <a:pPr algn="l" fontAlgn="b"/>
+                      <a:r>
+                        <a:rPr lang="zh-TW" altLang="en-US" sz="1100" u="none" strike="noStrike" dirty="0">
+                          <a:solidFill>
+                            <a:schemeClr val="bg1"/>
+                          </a:solidFill>
+                          <a:effectLst/>
+                          <a:latin typeface="標楷體" panose="03000509000000000000" pitchFamily="65" charset="-120"/>
+                          <a:ea typeface="標楷體" panose="03000509000000000000" pitchFamily="65" charset="-120"/>
+                        </a:rPr>
+                        <a:t>穩態誤差𝑒𝑠𝑠</a:t>
+                      </a:r>
+                      <a:r>
+                        <a:rPr lang="en-US" altLang="zh-TW" sz="1100" u="none" strike="noStrike" dirty="0">
+                          <a:solidFill>
+                            <a:schemeClr val="bg1"/>
+                          </a:solidFill>
+                          <a:effectLst/>
+                          <a:latin typeface="標楷體" panose="03000509000000000000" pitchFamily="65" charset="-120"/>
+                          <a:ea typeface="標楷體" panose="03000509000000000000" pitchFamily="65" charset="-120"/>
+                        </a:rPr>
+                        <a:t>[V]</a:t>
+                      </a:r>
+                      <a:endParaRPr lang="en-US" altLang="zh-TW" sz="1100" b="1" i="0" u="none" strike="noStrike" dirty="0">
+                        <a:solidFill>
+                          <a:schemeClr val="bg1"/>
+                        </a:solidFill>
+                        <a:effectLst/>
+                        <a:latin typeface="標楷體" panose="03000509000000000000" pitchFamily="65" charset="-120"/>
+                        <a:ea typeface="標楷體" panose="03000509000000000000" pitchFamily="65" charset="-120"/>
+                      </a:endParaRPr>
+                    </a:p>
+                  </a:txBody>
+                  <a:tcPr marL="9322" marR="9322" marT="9322" marB="0" anchor="b">
+                    <a:solidFill>
+                      <a:schemeClr val="accent1"/>
+                    </a:solidFill>
+                  </a:tcPr>
+                </a:tc>
+                <a:extLst>
+                  <a:ext uri="{0D108BD9-81ED-4DB2-BD59-A6C34878D82A}">
+                    <a16:rowId xmlns:a16="http://schemas.microsoft.com/office/drawing/2014/main" val="1481722503"/>
+                  </a:ext>
+                </a:extLst>
+              </a:tr>
+              <a:tr h="467030">
+                <a:tc>
+                  <a:txBody>
+                    <a:bodyPr/>
+                    <a:lstStyle/>
+                    <a:p>
+                      <a:pPr algn="l" fontAlgn="b"/>
+                      <a:r>
+                        <a:rPr lang="zh-TW" altLang="en-US" sz="1100" u="none" strike="noStrike">
+                          <a:effectLst/>
+                          <a:latin typeface="標楷體" panose="03000509000000000000" pitchFamily="65" charset="-120"/>
+                          <a:ea typeface="標楷體" panose="03000509000000000000" pitchFamily="65" charset="-120"/>
+                        </a:rPr>
+                        <a:t>實驗</a:t>
+                      </a:r>
+                      <a:endParaRPr lang="zh-TW" altLang="en-US" sz="1100" b="0" i="0" u="none" strike="noStrike">
+                        <a:solidFill>
+                          <a:srgbClr val="000000"/>
+                        </a:solidFill>
+                        <a:effectLst/>
+                        <a:latin typeface="標楷體" panose="03000509000000000000" pitchFamily="65" charset="-120"/>
+                        <a:ea typeface="標楷體" panose="03000509000000000000" pitchFamily="65" charset="-120"/>
+                      </a:endParaRPr>
+                    </a:p>
+                  </a:txBody>
+                  <a:tcPr marL="9322" marR="9322" marT="9322" marB="0" anchor="b"/>
+                </a:tc>
+                <a:tc>
+                  <a:txBody>
+                    <a:bodyPr/>
+                    <a:lstStyle/>
+                    <a:p>
+                      <a:pPr algn="r" fontAlgn="b"/>
+                      <a:r>
+                        <a:rPr lang="en-US" altLang="zh-TW" sz="1100" u="none" strike="noStrike" dirty="0">
+                          <a:effectLst/>
+                          <a:latin typeface="標楷體" panose="03000509000000000000" pitchFamily="65" charset="-120"/>
+                          <a:ea typeface="標楷體" panose="03000509000000000000" pitchFamily="65" charset="-120"/>
+                        </a:rPr>
+                        <a:t>10%</a:t>
+                      </a:r>
+                      <a:endParaRPr lang="en-US" altLang="zh-TW" sz="1100" b="0" i="0" u="none" strike="noStrike" dirty="0">
+                        <a:solidFill>
+                          <a:srgbClr val="000000"/>
+                        </a:solidFill>
+                        <a:effectLst/>
+                        <a:latin typeface="標楷體" panose="03000509000000000000" pitchFamily="65" charset="-120"/>
+                        <a:ea typeface="標楷體" panose="03000509000000000000" pitchFamily="65" charset="-120"/>
+                      </a:endParaRPr>
+                    </a:p>
+                  </a:txBody>
+                  <a:tcPr marL="9322" marR="9322" marT="9322" marB="0" anchor="b"/>
+                </a:tc>
+                <a:tc>
+                  <a:txBody>
+                    <a:bodyPr/>
+                    <a:lstStyle/>
+                    <a:p>
+                      <a:pPr algn="r" fontAlgn="b"/>
+                      <a:r>
+                        <a:rPr lang="en-US" altLang="zh-TW" sz="1100" u="none" strike="noStrike">
+                          <a:effectLst/>
+                          <a:latin typeface="標楷體" panose="03000509000000000000" pitchFamily="65" charset="-120"/>
+                          <a:ea typeface="標楷體" panose="03000509000000000000" pitchFamily="65" charset="-120"/>
+                        </a:rPr>
+                        <a:t>5.04</a:t>
+                      </a:r>
+                      <a:endParaRPr lang="en-US" altLang="zh-TW" sz="1100" b="0" i="0" u="none" strike="noStrike">
+                        <a:solidFill>
+                          <a:srgbClr val="000000"/>
+                        </a:solidFill>
+                        <a:effectLst/>
+                        <a:latin typeface="標楷體" panose="03000509000000000000" pitchFamily="65" charset="-120"/>
+                        <a:ea typeface="標楷體" panose="03000509000000000000" pitchFamily="65" charset="-120"/>
+                      </a:endParaRPr>
+                    </a:p>
+                  </a:txBody>
+                  <a:tcPr marL="9322" marR="9322" marT="9322" marB="0" anchor="b"/>
+                </a:tc>
+                <a:tc>
+                  <a:txBody>
+                    <a:bodyPr/>
+                    <a:lstStyle/>
+                    <a:p>
+                      <a:pPr algn="r" fontAlgn="b"/>
+                      <a:r>
+                        <a:rPr lang="en-US" altLang="zh-TW" sz="1100" u="none" strike="noStrike">
+                          <a:effectLst/>
+                          <a:latin typeface="標楷體" panose="03000509000000000000" pitchFamily="65" charset="-120"/>
+                          <a:ea typeface="標楷體" panose="03000509000000000000" pitchFamily="65" charset="-120"/>
+                        </a:rPr>
+                        <a:t>8.47</a:t>
+                      </a:r>
+                      <a:endParaRPr lang="en-US" altLang="zh-TW" sz="1100" b="0" i="0" u="none" strike="noStrike">
+                        <a:solidFill>
+                          <a:srgbClr val="000000"/>
+                        </a:solidFill>
+                        <a:effectLst/>
+                        <a:latin typeface="標楷體" panose="03000509000000000000" pitchFamily="65" charset="-120"/>
+                        <a:ea typeface="標楷體" panose="03000509000000000000" pitchFamily="65" charset="-120"/>
+                      </a:endParaRPr>
+                    </a:p>
+                  </a:txBody>
+                  <a:tcPr marL="9322" marR="9322" marT="9322" marB="0" anchor="b"/>
+                </a:tc>
+                <a:tc>
+                  <a:txBody>
+                    <a:bodyPr/>
+                    <a:lstStyle/>
+                    <a:p>
+                      <a:pPr algn="r" fontAlgn="b"/>
+                      <a:r>
+                        <a:rPr lang="en-US" altLang="zh-TW" sz="1100" u="none" strike="noStrike">
+                          <a:effectLst/>
+                          <a:latin typeface="標楷體" panose="03000509000000000000" pitchFamily="65" charset="-120"/>
+                          <a:ea typeface="標楷體" panose="03000509000000000000" pitchFamily="65" charset="-120"/>
+                        </a:rPr>
+                        <a:t>1.68</a:t>
+                      </a:r>
+                      <a:endParaRPr lang="en-US" altLang="zh-TW" sz="1100" b="0" i="0" u="none" strike="noStrike">
+                        <a:solidFill>
+                          <a:srgbClr val="000000"/>
+                        </a:solidFill>
+                        <a:effectLst/>
+                        <a:latin typeface="標楷體" panose="03000509000000000000" pitchFamily="65" charset="-120"/>
+                        <a:ea typeface="標楷體" panose="03000509000000000000" pitchFamily="65" charset="-120"/>
+                      </a:endParaRPr>
+                    </a:p>
+                  </a:txBody>
+                  <a:tcPr marL="9322" marR="9322" marT="9322" marB="0" anchor="b"/>
+                </a:tc>
+                <a:tc>
+                  <a:txBody>
+                    <a:bodyPr/>
+                    <a:lstStyle/>
+                    <a:p>
+                      <a:pPr algn="r" fontAlgn="b"/>
+                      <a:r>
+                        <a:rPr lang="en-US" altLang="zh-TW" sz="1100" u="none" strike="noStrike">
+                          <a:effectLst/>
+                          <a:latin typeface="標楷體" panose="03000509000000000000" pitchFamily="65" charset="-120"/>
+                          <a:ea typeface="標楷體" panose="03000509000000000000" pitchFamily="65" charset="-120"/>
+                        </a:rPr>
+                        <a:t>0.86</a:t>
+                      </a:r>
+                      <a:endParaRPr lang="en-US" altLang="zh-TW" sz="1100" b="0" i="0" u="none" strike="noStrike">
+                        <a:solidFill>
+                          <a:srgbClr val="000000"/>
+                        </a:solidFill>
+                        <a:effectLst/>
+                        <a:latin typeface="標楷體" panose="03000509000000000000" pitchFamily="65" charset="-120"/>
+                        <a:ea typeface="標楷體" panose="03000509000000000000" pitchFamily="65" charset="-120"/>
+                      </a:endParaRPr>
+                    </a:p>
+                  </a:txBody>
+                  <a:tcPr marL="9322" marR="9322" marT="9322" marB="0" anchor="b"/>
+                </a:tc>
+                <a:tc>
+                  <a:txBody>
+                    <a:bodyPr/>
+                    <a:lstStyle/>
+                    <a:p>
+                      <a:pPr algn="r" fontAlgn="b"/>
+                      <a:r>
+                        <a:rPr lang="en-US" altLang="zh-TW" sz="1100" u="none" strike="noStrike">
+                          <a:effectLst/>
+                          <a:latin typeface="標楷體" panose="03000509000000000000" pitchFamily="65" charset="-120"/>
+                          <a:ea typeface="標楷體" panose="03000509000000000000" pitchFamily="65" charset="-120"/>
+                        </a:rPr>
+                        <a:t>0.56</a:t>
+                      </a:r>
+                      <a:endParaRPr lang="en-US" altLang="zh-TW" sz="1100" b="0" i="0" u="none" strike="noStrike">
+                        <a:solidFill>
+                          <a:srgbClr val="000000"/>
+                        </a:solidFill>
+                        <a:effectLst/>
+                        <a:latin typeface="標楷體" panose="03000509000000000000" pitchFamily="65" charset="-120"/>
+                        <a:ea typeface="標楷體" panose="03000509000000000000" pitchFamily="65" charset="-120"/>
+                      </a:endParaRPr>
+                    </a:p>
+                  </a:txBody>
+                  <a:tcPr marL="9322" marR="9322" marT="9322" marB="0" anchor="b"/>
+                </a:tc>
+                <a:tc>
+                  <a:txBody>
+                    <a:bodyPr/>
+                    <a:lstStyle/>
+                    <a:p>
+                      <a:pPr algn="r" fontAlgn="b"/>
+                      <a:r>
+                        <a:rPr lang="en-US" altLang="zh-TW" sz="1100" u="none" strike="noStrike">
+                          <a:effectLst/>
+                          <a:latin typeface="標楷體" panose="03000509000000000000" pitchFamily="65" charset="-120"/>
+                          <a:ea typeface="標楷體" panose="03000509000000000000" pitchFamily="65" charset="-120"/>
+                        </a:rPr>
+                        <a:t>0</a:t>
+                      </a:r>
+                      <a:endParaRPr lang="en-US" altLang="zh-TW" sz="1100" b="0" i="0" u="none" strike="noStrike">
+                        <a:solidFill>
+                          <a:srgbClr val="000000"/>
+                        </a:solidFill>
+                        <a:effectLst/>
+                        <a:latin typeface="標楷體" panose="03000509000000000000" pitchFamily="65" charset="-120"/>
+                        <a:ea typeface="標楷體" panose="03000509000000000000" pitchFamily="65" charset="-120"/>
+                      </a:endParaRPr>
+                    </a:p>
+                  </a:txBody>
+                  <a:tcPr marL="9322" marR="9322" marT="9322" marB="0" anchor="b"/>
+                </a:tc>
+                <a:extLst>
+                  <a:ext uri="{0D108BD9-81ED-4DB2-BD59-A6C34878D82A}">
+                    <a16:rowId xmlns:a16="http://schemas.microsoft.com/office/drawing/2014/main" val="1167949956"/>
+                  </a:ext>
+                </a:extLst>
+              </a:tr>
+              <a:tr h="426417">
+                <a:tc>
+                  <a:txBody>
+                    <a:bodyPr/>
+                    <a:lstStyle/>
+                    <a:p>
+                      <a:pPr algn="l" fontAlgn="b"/>
+                      <a:r>
+                        <a:rPr lang="zh-TW" altLang="en-US" sz="1100" u="none" strike="noStrike">
+                          <a:effectLst/>
+                          <a:latin typeface="標楷體" panose="03000509000000000000" pitchFamily="65" charset="-120"/>
+                          <a:ea typeface="標楷體" panose="03000509000000000000" pitchFamily="65" charset="-120"/>
+                        </a:rPr>
+                        <a:t>實驗</a:t>
+                      </a:r>
+                      <a:endParaRPr lang="zh-TW" altLang="en-US" sz="1100" b="0" i="0" u="none" strike="noStrike">
+                        <a:solidFill>
+                          <a:srgbClr val="000000"/>
+                        </a:solidFill>
+                        <a:effectLst/>
+                        <a:latin typeface="標楷體" panose="03000509000000000000" pitchFamily="65" charset="-120"/>
+                        <a:ea typeface="標楷體" panose="03000509000000000000" pitchFamily="65" charset="-120"/>
+                      </a:endParaRPr>
+                    </a:p>
+                  </a:txBody>
+                  <a:tcPr marL="9322" marR="9322" marT="9322" marB="0" anchor="b"/>
+                </a:tc>
+                <a:tc>
+                  <a:txBody>
+                    <a:bodyPr/>
+                    <a:lstStyle/>
+                    <a:p>
+                      <a:pPr algn="r" fontAlgn="b"/>
+                      <a:r>
+                        <a:rPr lang="en-US" altLang="zh-TW" sz="1100" u="none" strike="noStrike">
+                          <a:effectLst/>
+                          <a:latin typeface="標楷體" panose="03000509000000000000" pitchFamily="65" charset="-120"/>
+                          <a:ea typeface="標楷體" panose="03000509000000000000" pitchFamily="65" charset="-120"/>
+                        </a:rPr>
+                        <a:t>50%</a:t>
+                      </a:r>
+                      <a:endParaRPr lang="en-US" altLang="zh-TW" sz="1100" b="0" i="0" u="none" strike="noStrike">
+                        <a:solidFill>
+                          <a:srgbClr val="000000"/>
+                        </a:solidFill>
+                        <a:effectLst/>
+                        <a:latin typeface="標楷體" panose="03000509000000000000" pitchFamily="65" charset="-120"/>
+                        <a:ea typeface="標楷體" panose="03000509000000000000" pitchFamily="65" charset="-120"/>
+                      </a:endParaRPr>
+                    </a:p>
+                  </a:txBody>
+                  <a:tcPr marL="9322" marR="9322" marT="9322" marB="0" anchor="b"/>
+                </a:tc>
+                <a:tc>
+                  <a:txBody>
+                    <a:bodyPr/>
+                    <a:lstStyle/>
+                    <a:p>
+                      <a:pPr algn="r" fontAlgn="b"/>
+                      <a:r>
+                        <a:rPr lang="en-US" altLang="zh-TW" sz="1100" u="none" strike="noStrike" dirty="0">
+                          <a:effectLst/>
+                          <a:latin typeface="標楷體" panose="03000509000000000000" pitchFamily="65" charset="-120"/>
+                          <a:ea typeface="標楷體" panose="03000509000000000000" pitchFamily="65" charset="-120"/>
+                        </a:rPr>
+                        <a:t>4.97</a:t>
+                      </a:r>
+                      <a:endParaRPr lang="en-US" altLang="zh-TW" sz="1100" b="0" i="0" u="none" strike="noStrike" dirty="0">
+                        <a:solidFill>
+                          <a:srgbClr val="000000"/>
+                        </a:solidFill>
+                        <a:effectLst/>
+                        <a:latin typeface="標楷體" panose="03000509000000000000" pitchFamily="65" charset="-120"/>
+                        <a:ea typeface="標楷體" panose="03000509000000000000" pitchFamily="65" charset="-120"/>
+                      </a:endParaRPr>
+                    </a:p>
+                  </a:txBody>
+                  <a:tcPr marL="9322" marR="9322" marT="9322" marB="0" anchor="b"/>
+                </a:tc>
+                <a:tc>
+                  <a:txBody>
+                    <a:bodyPr/>
+                    <a:lstStyle/>
+                    <a:p>
+                      <a:pPr algn="r" fontAlgn="b"/>
+                      <a:r>
+                        <a:rPr lang="en-US" altLang="zh-TW" sz="1100" u="none" strike="noStrike">
+                          <a:effectLst/>
+                          <a:latin typeface="標楷體" panose="03000509000000000000" pitchFamily="65" charset="-120"/>
+                          <a:ea typeface="標楷體" panose="03000509000000000000" pitchFamily="65" charset="-120"/>
+                        </a:rPr>
+                        <a:t>8.73</a:t>
+                      </a:r>
+                      <a:endParaRPr lang="en-US" altLang="zh-TW" sz="1100" b="0" i="0" u="none" strike="noStrike">
+                        <a:solidFill>
+                          <a:srgbClr val="000000"/>
+                        </a:solidFill>
+                        <a:effectLst/>
+                        <a:latin typeface="標楷體" panose="03000509000000000000" pitchFamily="65" charset="-120"/>
+                        <a:ea typeface="標楷體" panose="03000509000000000000" pitchFamily="65" charset="-120"/>
+                      </a:endParaRPr>
+                    </a:p>
+                  </a:txBody>
+                  <a:tcPr marL="9322" marR="9322" marT="9322" marB="0" anchor="b"/>
+                </a:tc>
+                <a:tc>
+                  <a:txBody>
+                    <a:bodyPr/>
+                    <a:lstStyle/>
+                    <a:p>
+                      <a:pPr algn="r" fontAlgn="b"/>
+                      <a:r>
+                        <a:rPr lang="en-US" altLang="zh-TW" sz="1100" u="none" strike="noStrike">
+                          <a:effectLst/>
+                          <a:latin typeface="標楷體" panose="03000509000000000000" pitchFamily="65" charset="-120"/>
+                          <a:ea typeface="標楷體" panose="03000509000000000000" pitchFamily="65" charset="-120"/>
+                        </a:rPr>
+                        <a:t>1.76</a:t>
+                      </a:r>
+                      <a:endParaRPr lang="en-US" altLang="zh-TW" sz="1100" b="0" i="0" u="none" strike="noStrike">
+                        <a:solidFill>
+                          <a:srgbClr val="000000"/>
+                        </a:solidFill>
+                        <a:effectLst/>
+                        <a:latin typeface="標楷體" panose="03000509000000000000" pitchFamily="65" charset="-120"/>
+                        <a:ea typeface="標楷體" panose="03000509000000000000" pitchFamily="65" charset="-120"/>
+                      </a:endParaRPr>
+                    </a:p>
+                  </a:txBody>
+                  <a:tcPr marL="9322" marR="9322" marT="9322" marB="0" anchor="b"/>
+                </a:tc>
+                <a:tc>
+                  <a:txBody>
+                    <a:bodyPr/>
+                    <a:lstStyle/>
+                    <a:p>
+                      <a:pPr algn="r" fontAlgn="b"/>
+                      <a:r>
+                        <a:rPr lang="en-US" altLang="zh-TW" sz="1100" u="none" strike="noStrike">
+                          <a:effectLst/>
+                          <a:latin typeface="標楷體" panose="03000509000000000000" pitchFamily="65" charset="-120"/>
+                          <a:ea typeface="標楷體" panose="03000509000000000000" pitchFamily="65" charset="-120"/>
+                        </a:rPr>
+                        <a:t>0.82</a:t>
+                      </a:r>
+                      <a:endParaRPr lang="en-US" altLang="zh-TW" sz="1100" b="0" i="0" u="none" strike="noStrike">
+                        <a:solidFill>
+                          <a:srgbClr val="000000"/>
+                        </a:solidFill>
+                        <a:effectLst/>
+                        <a:latin typeface="標楷體" panose="03000509000000000000" pitchFamily="65" charset="-120"/>
+                        <a:ea typeface="標楷體" panose="03000509000000000000" pitchFamily="65" charset="-120"/>
+                      </a:endParaRPr>
+                    </a:p>
+                  </a:txBody>
+                  <a:tcPr marL="9322" marR="9322" marT="9322" marB="0" anchor="b"/>
+                </a:tc>
+                <a:tc>
+                  <a:txBody>
+                    <a:bodyPr/>
+                    <a:lstStyle/>
+                    <a:p>
+                      <a:pPr algn="r" fontAlgn="b"/>
+                      <a:r>
+                        <a:rPr lang="en-US" altLang="zh-TW" sz="1100" u="none" strike="noStrike">
+                          <a:effectLst/>
+                          <a:latin typeface="標楷體" panose="03000509000000000000" pitchFamily="65" charset="-120"/>
+                          <a:ea typeface="標楷體" panose="03000509000000000000" pitchFamily="65" charset="-120"/>
+                        </a:rPr>
+                        <a:t>0.52</a:t>
+                      </a:r>
+                      <a:endParaRPr lang="en-US" altLang="zh-TW" sz="1100" b="0" i="0" u="none" strike="noStrike">
+                        <a:solidFill>
+                          <a:srgbClr val="000000"/>
+                        </a:solidFill>
+                        <a:effectLst/>
+                        <a:latin typeface="標楷體" panose="03000509000000000000" pitchFamily="65" charset="-120"/>
+                        <a:ea typeface="標楷體" panose="03000509000000000000" pitchFamily="65" charset="-120"/>
+                      </a:endParaRPr>
+                    </a:p>
+                  </a:txBody>
+                  <a:tcPr marL="9322" marR="9322" marT="9322" marB="0" anchor="b"/>
+                </a:tc>
+                <a:tc>
+                  <a:txBody>
+                    <a:bodyPr/>
+                    <a:lstStyle/>
+                    <a:p>
+                      <a:pPr algn="r" fontAlgn="b"/>
+                      <a:r>
+                        <a:rPr lang="en-US" altLang="zh-TW" sz="1100" u="none" strike="noStrike">
+                          <a:effectLst/>
+                          <a:latin typeface="標楷體" panose="03000509000000000000" pitchFamily="65" charset="-120"/>
+                          <a:ea typeface="標楷體" panose="03000509000000000000" pitchFamily="65" charset="-120"/>
+                        </a:rPr>
+                        <a:t>0</a:t>
+                      </a:r>
+                      <a:endParaRPr lang="en-US" altLang="zh-TW" sz="1100" b="0" i="0" u="none" strike="noStrike">
+                        <a:solidFill>
+                          <a:srgbClr val="000000"/>
+                        </a:solidFill>
+                        <a:effectLst/>
+                        <a:latin typeface="標楷體" panose="03000509000000000000" pitchFamily="65" charset="-120"/>
+                        <a:ea typeface="標楷體" panose="03000509000000000000" pitchFamily="65" charset="-120"/>
+                      </a:endParaRPr>
+                    </a:p>
+                  </a:txBody>
+                  <a:tcPr marL="9322" marR="9322" marT="9322" marB="0" anchor="b"/>
+                </a:tc>
+                <a:extLst>
+                  <a:ext uri="{0D108BD9-81ED-4DB2-BD59-A6C34878D82A}">
+                    <a16:rowId xmlns:a16="http://schemas.microsoft.com/office/drawing/2014/main" val="3729421997"/>
+                  </a:ext>
+                </a:extLst>
+              </a:tr>
+              <a:tr h="426417">
+                <a:tc>
+                  <a:txBody>
+                    <a:bodyPr/>
+                    <a:lstStyle/>
+                    <a:p>
+                      <a:pPr algn="l" fontAlgn="b"/>
+                      <a:r>
+                        <a:rPr lang="zh-TW" altLang="en-US" sz="1100" u="none" strike="noStrike">
+                          <a:effectLst/>
+                          <a:latin typeface="標楷體" panose="03000509000000000000" pitchFamily="65" charset="-120"/>
+                          <a:ea typeface="標楷體" panose="03000509000000000000" pitchFamily="65" charset="-120"/>
+                        </a:rPr>
+                        <a:t>模擬</a:t>
+                      </a:r>
+                      <a:endParaRPr lang="zh-TW" altLang="en-US" sz="1100" b="0" i="0" u="none" strike="noStrike">
+                        <a:solidFill>
+                          <a:srgbClr val="000000"/>
+                        </a:solidFill>
+                        <a:effectLst/>
+                        <a:latin typeface="標楷體" panose="03000509000000000000" pitchFamily="65" charset="-120"/>
+                        <a:ea typeface="標楷體" panose="03000509000000000000" pitchFamily="65" charset="-120"/>
+                      </a:endParaRPr>
+                    </a:p>
+                  </a:txBody>
+                  <a:tcPr marL="9322" marR="9322" marT="9322" marB="0" anchor="b"/>
+                </a:tc>
+                <a:tc>
+                  <a:txBody>
+                    <a:bodyPr/>
+                    <a:lstStyle/>
+                    <a:p>
+                      <a:pPr algn="r" fontAlgn="b"/>
+                      <a:r>
+                        <a:rPr lang="en-US" altLang="zh-TW" sz="1100" u="none" strike="noStrike">
+                          <a:effectLst/>
+                          <a:latin typeface="標楷體" panose="03000509000000000000" pitchFamily="65" charset="-120"/>
+                          <a:ea typeface="標楷體" panose="03000509000000000000" pitchFamily="65" charset="-120"/>
+                        </a:rPr>
+                        <a:t>10%</a:t>
+                      </a:r>
+                      <a:endParaRPr lang="en-US" altLang="zh-TW" sz="1100" b="0" i="0" u="none" strike="noStrike">
+                        <a:solidFill>
+                          <a:srgbClr val="000000"/>
+                        </a:solidFill>
+                        <a:effectLst/>
+                        <a:latin typeface="標楷體" panose="03000509000000000000" pitchFamily="65" charset="-120"/>
+                        <a:ea typeface="標楷體" panose="03000509000000000000" pitchFamily="65" charset="-120"/>
+                      </a:endParaRPr>
+                    </a:p>
+                  </a:txBody>
+                  <a:tcPr marL="9322" marR="9322" marT="9322" marB="0" anchor="b"/>
+                </a:tc>
+                <a:tc>
+                  <a:txBody>
+                    <a:bodyPr/>
+                    <a:lstStyle/>
+                    <a:p>
+                      <a:pPr algn="r" fontAlgn="b"/>
+                      <a:r>
+                        <a:rPr lang="en-US" altLang="zh-TW" sz="1100" u="none" strike="noStrike">
+                          <a:effectLst/>
+                          <a:latin typeface="標楷體" panose="03000509000000000000" pitchFamily="65" charset="-120"/>
+                          <a:ea typeface="標楷體" panose="03000509000000000000" pitchFamily="65" charset="-120"/>
+                        </a:rPr>
+                        <a:t>5</a:t>
+                      </a:r>
+                      <a:endParaRPr lang="en-US" altLang="zh-TW" sz="1100" b="0" i="0" u="none" strike="noStrike">
+                        <a:solidFill>
+                          <a:srgbClr val="000000"/>
+                        </a:solidFill>
+                        <a:effectLst/>
+                        <a:latin typeface="標楷體" panose="03000509000000000000" pitchFamily="65" charset="-120"/>
+                        <a:ea typeface="標楷體" panose="03000509000000000000" pitchFamily="65" charset="-120"/>
+                      </a:endParaRPr>
+                    </a:p>
+                  </a:txBody>
+                  <a:tcPr marL="9322" marR="9322" marT="9322" marB="0" anchor="b"/>
+                </a:tc>
+                <a:tc>
+                  <a:txBody>
+                    <a:bodyPr/>
+                    <a:lstStyle/>
+                    <a:p>
+                      <a:pPr algn="r" fontAlgn="b"/>
+                      <a:r>
+                        <a:rPr lang="en-US" altLang="zh-TW" sz="1100" u="none" strike="noStrike" dirty="0">
+                          <a:effectLst/>
+                          <a:latin typeface="標楷體" panose="03000509000000000000" pitchFamily="65" charset="-120"/>
+                          <a:ea typeface="標楷體" panose="03000509000000000000" pitchFamily="65" charset="-120"/>
+                        </a:rPr>
+                        <a:t>8.3</a:t>
+                      </a:r>
+                      <a:endParaRPr lang="en-US" altLang="zh-TW" sz="1100" b="0" i="0" u="none" strike="noStrike" dirty="0">
+                        <a:solidFill>
+                          <a:srgbClr val="000000"/>
+                        </a:solidFill>
+                        <a:effectLst/>
+                        <a:latin typeface="標楷體" panose="03000509000000000000" pitchFamily="65" charset="-120"/>
+                        <a:ea typeface="標楷體" panose="03000509000000000000" pitchFamily="65" charset="-120"/>
+                      </a:endParaRPr>
+                    </a:p>
+                  </a:txBody>
+                  <a:tcPr marL="9322" marR="9322" marT="9322" marB="0" anchor="b"/>
+                </a:tc>
+                <a:tc>
+                  <a:txBody>
+                    <a:bodyPr/>
+                    <a:lstStyle/>
+                    <a:p>
+                      <a:pPr algn="r" fontAlgn="b"/>
+                      <a:r>
+                        <a:rPr lang="en-US" altLang="zh-TW" sz="1100" u="none" strike="noStrike">
+                          <a:effectLst/>
+                          <a:latin typeface="標楷體" panose="03000509000000000000" pitchFamily="65" charset="-120"/>
+                          <a:ea typeface="標楷體" panose="03000509000000000000" pitchFamily="65" charset="-120"/>
+                        </a:rPr>
+                        <a:t>1.66</a:t>
+                      </a:r>
+                      <a:endParaRPr lang="en-US" altLang="zh-TW" sz="1100" b="0" i="0" u="none" strike="noStrike">
+                        <a:solidFill>
+                          <a:srgbClr val="000000"/>
+                        </a:solidFill>
+                        <a:effectLst/>
+                        <a:latin typeface="標楷體" panose="03000509000000000000" pitchFamily="65" charset="-120"/>
+                        <a:ea typeface="標楷體" panose="03000509000000000000" pitchFamily="65" charset="-120"/>
+                      </a:endParaRPr>
+                    </a:p>
+                  </a:txBody>
+                  <a:tcPr marL="9322" marR="9322" marT="9322" marB="0" anchor="b"/>
+                </a:tc>
+                <a:tc>
+                  <a:txBody>
+                    <a:bodyPr/>
+                    <a:lstStyle/>
+                    <a:p>
+                      <a:pPr algn="r" fontAlgn="b"/>
+                      <a:r>
+                        <a:rPr lang="en-US" altLang="zh-TW" sz="1100" u="none" strike="noStrike">
+                          <a:effectLst/>
+                          <a:latin typeface="標楷體" panose="03000509000000000000" pitchFamily="65" charset="-120"/>
+                          <a:ea typeface="標楷體" panose="03000509000000000000" pitchFamily="65" charset="-120"/>
+                        </a:rPr>
+                        <a:t>0.5</a:t>
+                      </a:r>
+                      <a:endParaRPr lang="en-US" altLang="zh-TW" sz="1100" b="0" i="0" u="none" strike="noStrike">
+                        <a:solidFill>
+                          <a:srgbClr val="000000"/>
+                        </a:solidFill>
+                        <a:effectLst/>
+                        <a:latin typeface="標楷體" panose="03000509000000000000" pitchFamily="65" charset="-120"/>
+                        <a:ea typeface="標楷體" panose="03000509000000000000" pitchFamily="65" charset="-120"/>
+                      </a:endParaRPr>
+                    </a:p>
+                  </a:txBody>
+                  <a:tcPr marL="9322" marR="9322" marT="9322" marB="0" anchor="b"/>
+                </a:tc>
+                <a:tc>
+                  <a:txBody>
+                    <a:bodyPr/>
+                    <a:lstStyle/>
+                    <a:p>
+                      <a:pPr algn="r" fontAlgn="b"/>
+                      <a:r>
+                        <a:rPr lang="en-US" altLang="zh-TW" sz="1100" u="none" strike="noStrike">
+                          <a:effectLst/>
+                          <a:latin typeface="標楷體" panose="03000509000000000000" pitchFamily="65" charset="-120"/>
+                          <a:ea typeface="標楷體" panose="03000509000000000000" pitchFamily="65" charset="-120"/>
+                        </a:rPr>
+                        <a:t>0.3</a:t>
+                      </a:r>
+                      <a:endParaRPr lang="en-US" altLang="zh-TW" sz="1100" b="0" i="0" u="none" strike="noStrike">
+                        <a:solidFill>
+                          <a:srgbClr val="000000"/>
+                        </a:solidFill>
+                        <a:effectLst/>
+                        <a:latin typeface="標楷體" panose="03000509000000000000" pitchFamily="65" charset="-120"/>
+                        <a:ea typeface="標楷體" panose="03000509000000000000" pitchFamily="65" charset="-120"/>
+                      </a:endParaRPr>
+                    </a:p>
+                  </a:txBody>
+                  <a:tcPr marL="9322" marR="9322" marT="9322" marB="0" anchor="b"/>
+                </a:tc>
+                <a:tc>
+                  <a:txBody>
+                    <a:bodyPr/>
+                    <a:lstStyle/>
+                    <a:p>
+                      <a:pPr algn="r" fontAlgn="b"/>
+                      <a:r>
+                        <a:rPr lang="en-US" altLang="zh-TW" sz="1100" u="none" strike="noStrike">
+                          <a:effectLst/>
+                          <a:latin typeface="標楷體" panose="03000509000000000000" pitchFamily="65" charset="-120"/>
+                          <a:ea typeface="標楷體" panose="03000509000000000000" pitchFamily="65" charset="-120"/>
+                        </a:rPr>
+                        <a:t>0</a:t>
+                      </a:r>
+                      <a:endParaRPr lang="en-US" altLang="zh-TW" sz="1100" b="0" i="0" u="none" strike="noStrike">
+                        <a:solidFill>
+                          <a:srgbClr val="000000"/>
+                        </a:solidFill>
+                        <a:effectLst/>
+                        <a:latin typeface="標楷體" panose="03000509000000000000" pitchFamily="65" charset="-120"/>
+                        <a:ea typeface="標楷體" panose="03000509000000000000" pitchFamily="65" charset="-120"/>
+                      </a:endParaRPr>
+                    </a:p>
+                  </a:txBody>
+                  <a:tcPr marL="9322" marR="9322" marT="9322" marB="0" anchor="b"/>
+                </a:tc>
+                <a:extLst>
+                  <a:ext uri="{0D108BD9-81ED-4DB2-BD59-A6C34878D82A}">
+                    <a16:rowId xmlns:a16="http://schemas.microsoft.com/office/drawing/2014/main" val="3897328308"/>
+                  </a:ext>
+                </a:extLst>
+              </a:tr>
+              <a:tr h="426417">
+                <a:tc>
+                  <a:txBody>
+                    <a:bodyPr/>
+                    <a:lstStyle/>
+                    <a:p>
+                      <a:pPr algn="l" fontAlgn="b"/>
+                      <a:r>
+                        <a:rPr lang="zh-TW" altLang="en-US" sz="1100" u="none" strike="noStrike">
+                          <a:effectLst/>
+                          <a:latin typeface="標楷體" panose="03000509000000000000" pitchFamily="65" charset="-120"/>
+                          <a:ea typeface="標楷體" panose="03000509000000000000" pitchFamily="65" charset="-120"/>
+                        </a:rPr>
+                        <a:t>模擬</a:t>
+                      </a:r>
+                      <a:endParaRPr lang="zh-TW" altLang="en-US" sz="1100" b="0" i="0" u="none" strike="noStrike">
+                        <a:solidFill>
+                          <a:srgbClr val="000000"/>
+                        </a:solidFill>
+                        <a:effectLst/>
+                        <a:latin typeface="標楷體" panose="03000509000000000000" pitchFamily="65" charset="-120"/>
+                        <a:ea typeface="標楷體" panose="03000509000000000000" pitchFamily="65" charset="-120"/>
+                      </a:endParaRPr>
+                    </a:p>
+                  </a:txBody>
+                  <a:tcPr marL="9322" marR="9322" marT="9322" marB="0" anchor="b"/>
+                </a:tc>
+                <a:tc>
+                  <a:txBody>
+                    <a:bodyPr/>
+                    <a:lstStyle/>
+                    <a:p>
+                      <a:pPr algn="r" fontAlgn="b"/>
+                      <a:r>
+                        <a:rPr lang="en-US" altLang="zh-TW" sz="1100" u="none" strike="noStrike">
+                          <a:effectLst/>
+                          <a:latin typeface="標楷體" panose="03000509000000000000" pitchFamily="65" charset="-120"/>
+                          <a:ea typeface="標楷體" panose="03000509000000000000" pitchFamily="65" charset="-120"/>
+                        </a:rPr>
+                        <a:t>50%</a:t>
+                      </a:r>
+                      <a:endParaRPr lang="en-US" altLang="zh-TW" sz="1100" b="0" i="0" u="none" strike="noStrike">
+                        <a:solidFill>
+                          <a:srgbClr val="000000"/>
+                        </a:solidFill>
+                        <a:effectLst/>
+                        <a:latin typeface="標楷體" panose="03000509000000000000" pitchFamily="65" charset="-120"/>
+                        <a:ea typeface="標楷體" panose="03000509000000000000" pitchFamily="65" charset="-120"/>
+                      </a:endParaRPr>
+                    </a:p>
+                  </a:txBody>
+                  <a:tcPr marL="9322" marR="9322" marT="9322" marB="0" anchor="b"/>
+                </a:tc>
+                <a:tc>
+                  <a:txBody>
+                    <a:bodyPr/>
+                    <a:lstStyle/>
+                    <a:p>
+                      <a:pPr algn="r" fontAlgn="b"/>
+                      <a:r>
+                        <a:rPr lang="en-US" altLang="zh-TW" sz="1100" u="none" strike="noStrike">
+                          <a:effectLst/>
+                          <a:latin typeface="標楷體" panose="03000509000000000000" pitchFamily="65" charset="-120"/>
+                          <a:ea typeface="標楷體" panose="03000509000000000000" pitchFamily="65" charset="-120"/>
+                        </a:rPr>
+                        <a:t>5</a:t>
+                      </a:r>
+                      <a:endParaRPr lang="en-US" altLang="zh-TW" sz="1100" b="0" i="0" u="none" strike="noStrike">
+                        <a:solidFill>
+                          <a:srgbClr val="000000"/>
+                        </a:solidFill>
+                        <a:effectLst/>
+                        <a:latin typeface="標楷體" panose="03000509000000000000" pitchFamily="65" charset="-120"/>
+                        <a:ea typeface="標楷體" panose="03000509000000000000" pitchFamily="65" charset="-120"/>
+                      </a:endParaRPr>
+                    </a:p>
+                  </a:txBody>
+                  <a:tcPr marL="9322" marR="9322" marT="9322" marB="0" anchor="b"/>
+                </a:tc>
+                <a:tc>
+                  <a:txBody>
+                    <a:bodyPr/>
+                    <a:lstStyle/>
+                    <a:p>
+                      <a:pPr algn="r" fontAlgn="b"/>
+                      <a:r>
+                        <a:rPr lang="en-US" altLang="zh-TW" sz="1100" u="none" strike="noStrike">
+                          <a:effectLst/>
+                          <a:latin typeface="標楷體" panose="03000509000000000000" pitchFamily="65" charset="-120"/>
+                          <a:ea typeface="標楷體" panose="03000509000000000000" pitchFamily="65" charset="-120"/>
+                        </a:rPr>
+                        <a:t>8.8</a:t>
+                      </a:r>
+                      <a:endParaRPr lang="en-US" altLang="zh-TW" sz="1100" b="0" i="0" u="none" strike="noStrike">
+                        <a:solidFill>
+                          <a:srgbClr val="000000"/>
+                        </a:solidFill>
+                        <a:effectLst/>
+                        <a:latin typeface="標楷體" panose="03000509000000000000" pitchFamily="65" charset="-120"/>
+                        <a:ea typeface="標楷體" panose="03000509000000000000" pitchFamily="65" charset="-120"/>
+                      </a:endParaRPr>
+                    </a:p>
+                  </a:txBody>
+                  <a:tcPr marL="9322" marR="9322" marT="9322" marB="0" anchor="b"/>
+                </a:tc>
+                <a:tc>
+                  <a:txBody>
+                    <a:bodyPr/>
+                    <a:lstStyle/>
+                    <a:p>
+                      <a:pPr algn="r" fontAlgn="b"/>
+                      <a:r>
+                        <a:rPr lang="en-US" altLang="zh-TW" sz="1100" u="none" strike="noStrike" dirty="0">
+                          <a:effectLst/>
+                          <a:latin typeface="標楷體" panose="03000509000000000000" pitchFamily="65" charset="-120"/>
+                          <a:ea typeface="標楷體" panose="03000509000000000000" pitchFamily="65" charset="-120"/>
+                        </a:rPr>
+                        <a:t>1.6</a:t>
+                      </a:r>
+                      <a:endParaRPr lang="en-US" altLang="zh-TW" sz="1100" b="0" i="0" u="none" strike="noStrike" dirty="0">
+                        <a:solidFill>
+                          <a:srgbClr val="000000"/>
+                        </a:solidFill>
+                        <a:effectLst/>
+                        <a:latin typeface="標楷體" panose="03000509000000000000" pitchFamily="65" charset="-120"/>
+                        <a:ea typeface="標楷體" panose="03000509000000000000" pitchFamily="65" charset="-120"/>
+                      </a:endParaRPr>
+                    </a:p>
+                  </a:txBody>
+                  <a:tcPr marL="9322" marR="9322" marT="9322" marB="0" anchor="b"/>
+                </a:tc>
+                <a:tc>
+                  <a:txBody>
+                    <a:bodyPr/>
+                    <a:lstStyle/>
+                    <a:p>
+                      <a:pPr algn="r" fontAlgn="b"/>
+                      <a:r>
+                        <a:rPr lang="en-US" altLang="zh-TW" sz="1100" u="none" strike="noStrike" dirty="0">
+                          <a:effectLst/>
+                          <a:latin typeface="標楷體" panose="03000509000000000000" pitchFamily="65" charset="-120"/>
+                          <a:ea typeface="標楷體" panose="03000509000000000000" pitchFamily="65" charset="-120"/>
+                        </a:rPr>
+                        <a:t>0.5</a:t>
+                      </a:r>
+                      <a:endParaRPr lang="en-US" altLang="zh-TW" sz="1100" b="0" i="0" u="none" strike="noStrike" dirty="0">
+                        <a:solidFill>
+                          <a:srgbClr val="000000"/>
+                        </a:solidFill>
+                        <a:effectLst/>
+                        <a:latin typeface="標楷體" panose="03000509000000000000" pitchFamily="65" charset="-120"/>
+                        <a:ea typeface="標楷體" panose="03000509000000000000" pitchFamily="65" charset="-120"/>
+                      </a:endParaRPr>
+                    </a:p>
+                  </a:txBody>
+                  <a:tcPr marL="9322" marR="9322" marT="9322" marB="0" anchor="b"/>
+                </a:tc>
+                <a:tc>
+                  <a:txBody>
+                    <a:bodyPr/>
+                    <a:lstStyle/>
+                    <a:p>
+                      <a:pPr algn="r" fontAlgn="b"/>
+                      <a:r>
+                        <a:rPr lang="en-US" altLang="zh-TW" sz="1100" u="none" strike="noStrike" dirty="0">
+                          <a:effectLst/>
+                          <a:latin typeface="標楷體" panose="03000509000000000000" pitchFamily="65" charset="-120"/>
+                          <a:ea typeface="標楷體" panose="03000509000000000000" pitchFamily="65" charset="-120"/>
+                        </a:rPr>
+                        <a:t>0.3</a:t>
+                      </a:r>
+                      <a:endParaRPr lang="en-US" altLang="zh-TW" sz="1100" b="0" i="0" u="none" strike="noStrike" dirty="0">
+                        <a:solidFill>
+                          <a:srgbClr val="000000"/>
+                        </a:solidFill>
+                        <a:effectLst/>
+                        <a:latin typeface="標楷體" panose="03000509000000000000" pitchFamily="65" charset="-120"/>
+                        <a:ea typeface="標楷體" panose="03000509000000000000" pitchFamily="65" charset="-120"/>
+                      </a:endParaRPr>
+                    </a:p>
+                  </a:txBody>
+                  <a:tcPr marL="9322" marR="9322" marT="9322" marB="0" anchor="b"/>
+                </a:tc>
+                <a:tc>
+                  <a:txBody>
+                    <a:bodyPr/>
+                    <a:lstStyle/>
+                    <a:p>
+                      <a:pPr algn="r" fontAlgn="b"/>
+                      <a:r>
+                        <a:rPr lang="en-US" altLang="zh-TW" sz="1100" u="none" strike="noStrike" dirty="0">
+                          <a:effectLst/>
+                          <a:latin typeface="標楷體" panose="03000509000000000000" pitchFamily="65" charset="-120"/>
+                          <a:ea typeface="標楷體" panose="03000509000000000000" pitchFamily="65" charset="-120"/>
+                        </a:rPr>
+                        <a:t>0</a:t>
+                      </a:r>
+                      <a:endParaRPr lang="en-US" altLang="zh-TW" sz="1100" b="0" i="0" u="none" strike="noStrike" dirty="0">
+                        <a:solidFill>
+                          <a:srgbClr val="000000"/>
+                        </a:solidFill>
+                        <a:effectLst/>
+                        <a:latin typeface="標楷體" panose="03000509000000000000" pitchFamily="65" charset="-120"/>
+                        <a:ea typeface="標楷體" panose="03000509000000000000" pitchFamily="65" charset="-120"/>
+                      </a:endParaRPr>
+                    </a:p>
+                  </a:txBody>
+                  <a:tcPr marL="9322" marR="9322" marT="9322" marB="0" anchor="b"/>
+                </a:tc>
+                <a:extLst>
+                  <a:ext uri="{0D108BD9-81ED-4DB2-BD59-A6C34878D82A}">
+                    <a16:rowId xmlns:a16="http://schemas.microsoft.com/office/drawing/2014/main" val="422826389"/>
+                  </a:ext>
+                </a:extLst>
+              </a:tr>
+            </a:tbl>
+          </a:graphicData>
+        </a:graphic>
+      </p:graphicFrame>
+      <p:sp>
+        <p:nvSpPr>
+          <p:cNvPr id="9" name="文字方塊 8">
+            <a:extLst>
+              <a:ext uri="{FF2B5EF4-FFF2-40B4-BE49-F238E27FC236}">
+                <a16:creationId xmlns:a16="http://schemas.microsoft.com/office/drawing/2014/main" id="{50219755-1860-A3EF-BFC5-28081B909F11}"/>
+              </a:ext>
+            </a:extLst>
+          </p:cNvPr>
+          <p:cNvSpPr txBox="1"/>
+          <p:nvPr/>
+        </p:nvSpPr>
+        <p:spPr>
+          <a:xfrm>
+            <a:off x="5651862" y="5306125"/>
+            <a:ext cx="1323703" cy="369332"/>
+          </a:xfrm>
+          <a:prstGeom prst="rect">
+            <a:avLst/>
+          </a:prstGeom>
+          <a:noFill/>
+        </p:spPr>
+        <p:txBody>
+          <a:bodyPr wrap="square" rtlCol="0">
+            <a:spAutoFit/>
+          </a:bodyPr>
+          <a:lstStyle/>
+          <a:p>
+            <a:r>
+              <a:rPr lang="zh-TW" altLang="en-US" dirty="0">
+                <a:latin typeface="標楷體" panose="03000509000000000000" pitchFamily="65" charset="-120"/>
+                <a:ea typeface="標楷體" panose="03000509000000000000" pitchFamily="65" charset="-120"/>
+              </a:rPr>
+              <a:t>表</a:t>
+            </a:r>
+            <a:r>
+              <a:rPr lang="en-US" altLang="zh-TW" dirty="0">
+                <a:latin typeface="標楷體" panose="03000509000000000000" pitchFamily="65" charset="-120"/>
+                <a:ea typeface="標楷體" panose="03000509000000000000" pitchFamily="65" charset="-120"/>
+              </a:rPr>
+              <a:t>6-1</a:t>
+            </a:r>
+            <a:endParaRPr lang="zh-TW" altLang="en-US" dirty="0">
+              <a:latin typeface="標楷體" panose="03000509000000000000" pitchFamily="65" charset="-120"/>
+              <a:ea typeface="標楷體" panose="03000509000000000000" pitchFamily="65" charset="-120"/>
+            </a:endParaRPr>
+          </a:p>
+        </p:txBody>
+      </p:sp>
     </p:spTree>
     <p:extLst>
       <p:ext uri="{BB962C8B-B14F-4D97-AF65-F5344CB8AC3E}">
@@ -6337,6 +7600,1071 @@
           </a:p>
         </p:txBody>
       </p:sp>
+      <p:sp>
+        <p:nvSpPr>
+          <p:cNvPr id="6" name="文字方塊 5">
+            <a:extLst>
+              <a:ext uri="{FF2B5EF4-FFF2-40B4-BE49-F238E27FC236}">
+                <a16:creationId xmlns:a16="http://schemas.microsoft.com/office/drawing/2014/main" id="{60862FFA-239A-2037-1478-C659C560B798}"/>
+              </a:ext>
+            </a:extLst>
+          </p:cNvPr>
+          <p:cNvSpPr txBox="1"/>
+          <p:nvPr/>
+        </p:nvSpPr>
+        <p:spPr>
+          <a:xfrm>
+            <a:off x="5808618" y="4998720"/>
+            <a:ext cx="1236617" cy="369332"/>
+          </a:xfrm>
+          <a:prstGeom prst="rect">
+            <a:avLst/>
+          </a:prstGeom>
+          <a:noFill/>
+        </p:spPr>
+        <p:txBody>
+          <a:bodyPr wrap="square" rtlCol="0">
+            <a:spAutoFit/>
+          </a:bodyPr>
+          <a:lstStyle/>
+          <a:p>
+            <a:r>
+              <a:rPr lang="zh-TW" altLang="en-US" dirty="0">
+                <a:latin typeface="標楷體" panose="03000509000000000000" pitchFamily="65" charset="-120"/>
+                <a:ea typeface="標楷體" panose="03000509000000000000" pitchFamily="65" charset="-120"/>
+              </a:rPr>
+              <a:t>表</a:t>
+            </a:r>
+            <a:r>
+              <a:rPr lang="en-US" altLang="zh-TW" dirty="0">
+                <a:latin typeface="標楷體" panose="03000509000000000000" pitchFamily="65" charset="-120"/>
+                <a:ea typeface="標楷體" panose="03000509000000000000" pitchFamily="65" charset="-120"/>
+              </a:rPr>
+              <a:t>6-2</a:t>
+            </a:r>
+            <a:endParaRPr lang="zh-TW" altLang="en-US" dirty="0">
+              <a:latin typeface="標楷體" panose="03000509000000000000" pitchFamily="65" charset="-120"/>
+              <a:ea typeface="標楷體" panose="03000509000000000000" pitchFamily="65" charset="-120"/>
+            </a:endParaRPr>
+          </a:p>
+        </p:txBody>
+      </p:sp>
+      <p:graphicFrame>
+        <p:nvGraphicFramePr>
+          <p:cNvPr id="8" name="表格 7">
+            <a:extLst>
+              <a:ext uri="{FF2B5EF4-FFF2-40B4-BE49-F238E27FC236}">
+                <a16:creationId xmlns:a16="http://schemas.microsoft.com/office/drawing/2014/main" id="{770B0403-EE8E-C8E2-8FA1-98AE4BB8ABF6}"/>
+              </a:ext>
+            </a:extLst>
+          </p:cNvPr>
+          <p:cNvGraphicFramePr>
+            <a:graphicFrameLocks noGrp="1"/>
+          </p:cNvGraphicFramePr>
+          <p:nvPr>
+            <p:extLst>
+              <p:ext uri="{D42A27DB-BD31-4B8C-83A1-F6EECF244321}">
+                <p14:modId xmlns:p14="http://schemas.microsoft.com/office/powerpoint/2010/main" val="67543319"/>
+              </p:ext>
+            </p:extLst>
+          </p:nvPr>
+        </p:nvGraphicFramePr>
+        <p:xfrm>
+          <a:off x="838200" y="2752652"/>
+          <a:ext cx="10515600" cy="1265932"/>
+        </p:xfrm>
+        <a:graphic>
+          <a:graphicData uri="http://schemas.openxmlformats.org/drawingml/2006/table">
+            <a:tbl>
+              <a:tblPr>
+                <a:tableStyleId>{00A15C55-8517-42AA-B614-E9B94910E393}</a:tableStyleId>
+              </a:tblPr>
+              <a:tblGrid>
+                <a:gridCol w="557780">
+                  <a:extLst>
+                    <a:ext uri="{9D8B030D-6E8A-4147-A177-3AD203B41FA5}">
+                      <a16:colId xmlns:a16="http://schemas.microsoft.com/office/drawing/2014/main" val="205217858"/>
+                    </a:ext>
+                  </a:extLst>
+                </a:gridCol>
+                <a:gridCol w="767116">
+                  <a:extLst>
+                    <a:ext uri="{9D8B030D-6E8A-4147-A177-3AD203B41FA5}">
+                      <a16:colId xmlns:a16="http://schemas.microsoft.com/office/drawing/2014/main" val="1820690852"/>
+                    </a:ext>
+                  </a:extLst>
+                </a:gridCol>
+                <a:gridCol w="1119813">
+                  <a:extLst>
+                    <a:ext uri="{9D8B030D-6E8A-4147-A177-3AD203B41FA5}">
+                      <a16:colId xmlns:a16="http://schemas.microsoft.com/office/drawing/2014/main" val="1293694280"/>
+                    </a:ext>
+                  </a:extLst>
+                </a:gridCol>
+                <a:gridCol w="1328493">
+                  <a:extLst>
+                    <a:ext uri="{9D8B030D-6E8A-4147-A177-3AD203B41FA5}">
+                      <a16:colId xmlns:a16="http://schemas.microsoft.com/office/drawing/2014/main" val="1821829648"/>
+                    </a:ext>
+                  </a:extLst>
+                </a:gridCol>
+                <a:gridCol w="1363763">
+                  <a:extLst>
+                    <a:ext uri="{9D8B030D-6E8A-4147-A177-3AD203B41FA5}">
+                      <a16:colId xmlns:a16="http://schemas.microsoft.com/office/drawing/2014/main" val="4196704334"/>
+                    </a:ext>
+                  </a:extLst>
+                </a:gridCol>
+                <a:gridCol w="1366702">
+                  <a:extLst>
+                    <a:ext uri="{9D8B030D-6E8A-4147-A177-3AD203B41FA5}">
+                      <a16:colId xmlns:a16="http://schemas.microsoft.com/office/drawing/2014/main" val="2533712700"/>
+                    </a:ext>
+                  </a:extLst>
+                </a:gridCol>
+                <a:gridCol w="1081606">
+                  <a:extLst>
+                    <a:ext uri="{9D8B030D-6E8A-4147-A177-3AD203B41FA5}">
+                      <a16:colId xmlns:a16="http://schemas.microsoft.com/office/drawing/2014/main" val="2394905618"/>
+                    </a:ext>
+                  </a:extLst>
+                </a:gridCol>
+                <a:gridCol w="1739974">
+                  <a:extLst>
+                    <a:ext uri="{9D8B030D-6E8A-4147-A177-3AD203B41FA5}">
+                      <a16:colId xmlns:a16="http://schemas.microsoft.com/office/drawing/2014/main" val="3016951611"/>
+                    </a:ext>
+                  </a:extLst>
+                </a:gridCol>
+                <a:gridCol w="1190353">
+                  <a:extLst>
+                    <a:ext uri="{9D8B030D-6E8A-4147-A177-3AD203B41FA5}">
+                      <a16:colId xmlns:a16="http://schemas.microsoft.com/office/drawing/2014/main" val="2251763853"/>
+                    </a:ext>
+                  </a:extLst>
+                </a:gridCol>
+              </a:tblGrid>
+              <a:tr h="338891">
+                <a:tc>
+                  <a:txBody>
+                    <a:bodyPr/>
+                    <a:lstStyle/>
+                    <a:p>
+                      <a:pPr algn="l" fontAlgn="b"/>
+                      <a:r>
+                        <a:rPr lang="zh-TW" altLang="en-US" sz="1000" u="none" strike="noStrike" dirty="0">
+                          <a:solidFill>
+                            <a:schemeClr val="bg1"/>
+                          </a:solidFill>
+                          <a:effectLst/>
+                          <a:latin typeface="標楷體" panose="03000509000000000000" pitchFamily="65" charset="-120"/>
+                          <a:ea typeface="標楷體" panose="03000509000000000000" pitchFamily="65" charset="-120"/>
+                        </a:rPr>
+                        <a:t>項目</a:t>
+                      </a:r>
+                      <a:endParaRPr lang="zh-TW" altLang="en-US" sz="1000" b="1" i="0" u="none" strike="noStrike" dirty="0">
+                        <a:solidFill>
+                          <a:schemeClr val="bg1"/>
+                        </a:solidFill>
+                        <a:effectLst/>
+                        <a:latin typeface="標楷體" panose="03000509000000000000" pitchFamily="65" charset="-120"/>
+                        <a:ea typeface="標楷體" panose="03000509000000000000" pitchFamily="65" charset="-120"/>
+                      </a:endParaRPr>
+                    </a:p>
+                  </a:txBody>
+                  <a:tcPr marL="8822" marR="8822" marT="8822" marB="0" anchor="b">
+                    <a:solidFill>
+                      <a:schemeClr val="accent1"/>
+                    </a:solidFill>
+                  </a:tcPr>
+                </a:tc>
+                <a:tc>
+                  <a:txBody>
+                    <a:bodyPr/>
+                    <a:lstStyle/>
+                    <a:p>
+                      <a:pPr algn="l" fontAlgn="b"/>
+                      <a:r>
+                        <a:rPr lang="zh-TW" altLang="en-US" sz="1000" u="none" strike="noStrike" dirty="0">
+                          <a:solidFill>
+                            <a:schemeClr val="bg1"/>
+                          </a:solidFill>
+                          <a:effectLst/>
+                          <a:latin typeface="標楷體" panose="03000509000000000000" pitchFamily="65" charset="-120"/>
+                          <a:ea typeface="標楷體" panose="03000509000000000000" pitchFamily="65" charset="-120"/>
+                        </a:rPr>
+                        <a:t>衰減器</a:t>
+                      </a:r>
+                      <a:r>
+                        <a:rPr lang="en-US" sz="1000" u="none" strike="noStrike" dirty="0">
+                          <a:solidFill>
+                            <a:schemeClr val="bg1"/>
+                          </a:solidFill>
+                          <a:effectLst/>
+                          <a:latin typeface="標楷體" panose="03000509000000000000" pitchFamily="65" charset="-120"/>
+                          <a:ea typeface="標楷體" panose="03000509000000000000" pitchFamily="65" charset="-120"/>
+                        </a:rPr>
+                        <a:t>P4</a:t>
+                      </a:r>
+                      <a:endParaRPr lang="en-US" sz="1000" b="1" i="0" u="none" strike="noStrike" dirty="0">
+                        <a:solidFill>
+                          <a:schemeClr val="bg1"/>
+                        </a:solidFill>
+                        <a:effectLst/>
+                        <a:latin typeface="標楷體" panose="03000509000000000000" pitchFamily="65" charset="-120"/>
+                        <a:ea typeface="標楷體" panose="03000509000000000000" pitchFamily="65" charset="-120"/>
+                      </a:endParaRPr>
+                    </a:p>
+                  </a:txBody>
+                  <a:tcPr marL="8822" marR="8822" marT="8822" marB="0" anchor="b">
+                    <a:solidFill>
+                      <a:schemeClr val="accent1"/>
+                    </a:solidFill>
+                  </a:tcPr>
+                </a:tc>
+                <a:tc>
+                  <a:txBody>
+                    <a:bodyPr/>
+                    <a:lstStyle/>
+                    <a:p>
+                      <a:pPr algn="l" fontAlgn="b"/>
+                      <a:r>
+                        <a:rPr lang="zh-TW" altLang="en-US" sz="1000" u="none" strike="noStrike" dirty="0">
+                          <a:solidFill>
+                            <a:schemeClr val="bg1"/>
+                          </a:solidFill>
+                          <a:effectLst/>
+                          <a:latin typeface="標楷體" panose="03000509000000000000" pitchFamily="65" charset="-120"/>
+                          <a:ea typeface="標楷體" panose="03000509000000000000" pitchFamily="65" charset="-120"/>
+                        </a:rPr>
+                        <a:t>衰減器</a:t>
+                      </a:r>
+                      <a:r>
+                        <a:rPr lang="en-US" sz="1000" u="none" strike="noStrike" dirty="0">
+                          <a:solidFill>
+                            <a:schemeClr val="bg1"/>
+                          </a:solidFill>
+                          <a:effectLst/>
+                          <a:latin typeface="標楷體" panose="03000509000000000000" pitchFamily="65" charset="-120"/>
+                          <a:ea typeface="標楷體" panose="03000509000000000000" pitchFamily="65" charset="-120"/>
+                        </a:rPr>
+                        <a:t>P5</a:t>
+                      </a:r>
+                      <a:endParaRPr lang="en-US" sz="1000" b="1" i="0" u="none" strike="noStrike" dirty="0">
+                        <a:solidFill>
+                          <a:schemeClr val="bg1"/>
+                        </a:solidFill>
+                        <a:effectLst/>
+                        <a:latin typeface="標楷體" panose="03000509000000000000" pitchFamily="65" charset="-120"/>
+                        <a:ea typeface="標楷體" panose="03000509000000000000" pitchFamily="65" charset="-120"/>
+                      </a:endParaRPr>
+                    </a:p>
+                  </a:txBody>
+                  <a:tcPr marL="8822" marR="8822" marT="8822" marB="0" anchor="b">
+                    <a:solidFill>
+                      <a:schemeClr val="accent1"/>
+                    </a:solidFill>
+                  </a:tcPr>
+                </a:tc>
+                <a:tc>
+                  <a:txBody>
+                    <a:bodyPr/>
+                    <a:lstStyle/>
+                    <a:p>
+                      <a:pPr algn="l" fontAlgn="b"/>
+                      <a:r>
+                        <a:rPr lang="zh-TW" altLang="en-US" sz="1000" u="none" strike="noStrike" dirty="0">
+                          <a:solidFill>
+                            <a:schemeClr val="bg1"/>
+                          </a:solidFill>
+                          <a:effectLst/>
+                          <a:latin typeface="標楷體" panose="03000509000000000000" pitchFamily="65" charset="-120"/>
+                          <a:ea typeface="標楷體" panose="03000509000000000000" pitchFamily="65" charset="-120"/>
+                        </a:rPr>
+                        <a:t>響應穩態值</a:t>
+                      </a:r>
+                      <a:r>
+                        <a:rPr lang="en-US" sz="1000" u="none" strike="noStrike" dirty="0" err="1">
+                          <a:solidFill>
+                            <a:schemeClr val="bg1"/>
+                          </a:solidFill>
+                          <a:effectLst/>
+                          <a:latin typeface="標楷體" panose="03000509000000000000" pitchFamily="65" charset="-120"/>
+                          <a:ea typeface="標楷體" panose="03000509000000000000" pitchFamily="65" charset="-120"/>
+                        </a:rPr>
+                        <a:t>y_ss</a:t>
+                      </a:r>
+                      <a:r>
+                        <a:rPr lang="en-US" sz="1000" u="none" strike="noStrike" dirty="0">
+                          <a:solidFill>
+                            <a:schemeClr val="bg1"/>
+                          </a:solidFill>
+                          <a:effectLst/>
+                          <a:latin typeface="標楷體" panose="03000509000000000000" pitchFamily="65" charset="-120"/>
+                          <a:ea typeface="標楷體" panose="03000509000000000000" pitchFamily="65" charset="-120"/>
+                        </a:rPr>
+                        <a:t>[v]</a:t>
+                      </a:r>
+                      <a:endParaRPr lang="en-US" sz="1000" b="1" i="0" u="none" strike="noStrike" dirty="0">
+                        <a:solidFill>
+                          <a:schemeClr val="bg1"/>
+                        </a:solidFill>
+                        <a:effectLst/>
+                        <a:latin typeface="標楷體" panose="03000509000000000000" pitchFamily="65" charset="-120"/>
+                        <a:ea typeface="標楷體" panose="03000509000000000000" pitchFamily="65" charset="-120"/>
+                      </a:endParaRPr>
+                    </a:p>
+                  </a:txBody>
+                  <a:tcPr marL="8822" marR="8822" marT="8822" marB="0" anchor="b">
+                    <a:solidFill>
+                      <a:schemeClr val="accent1"/>
+                    </a:solidFill>
+                  </a:tcPr>
+                </a:tc>
+                <a:tc>
+                  <a:txBody>
+                    <a:bodyPr/>
+                    <a:lstStyle/>
+                    <a:p>
+                      <a:pPr algn="l" fontAlgn="b"/>
+                      <a:r>
+                        <a:rPr lang="zh-TW" altLang="en-US" sz="1000" u="none" strike="noStrike" dirty="0">
+                          <a:solidFill>
+                            <a:schemeClr val="bg1"/>
+                          </a:solidFill>
+                          <a:effectLst/>
+                          <a:latin typeface="標楷體" panose="03000509000000000000" pitchFamily="65" charset="-120"/>
+                          <a:ea typeface="標楷體" panose="03000509000000000000" pitchFamily="65" charset="-120"/>
+                        </a:rPr>
+                        <a:t>尖峰超越量</a:t>
+                      </a:r>
+                      <a:r>
+                        <a:rPr lang="el-GR" sz="1000" u="none" strike="noStrike" dirty="0">
+                          <a:solidFill>
+                            <a:schemeClr val="bg1"/>
+                          </a:solidFill>
+                          <a:effectLst/>
+                          <a:ea typeface="標楷體" panose="03000509000000000000" pitchFamily="65" charset="-120"/>
+                        </a:rPr>
+                        <a:t>Δ</a:t>
+                      </a:r>
+                      <a:r>
+                        <a:rPr lang="en-US" sz="1000" u="none" strike="noStrike" dirty="0">
+                          <a:solidFill>
+                            <a:schemeClr val="bg1"/>
+                          </a:solidFill>
+                          <a:effectLst/>
+                          <a:latin typeface="標楷體" panose="03000509000000000000" pitchFamily="65" charset="-120"/>
+                          <a:ea typeface="標楷體" panose="03000509000000000000" pitchFamily="65" charset="-120"/>
+                        </a:rPr>
+                        <a:t>y [V]</a:t>
+                      </a:r>
+                      <a:endParaRPr lang="en-US" sz="1000" b="1" i="0" u="none" strike="noStrike" dirty="0">
+                        <a:solidFill>
+                          <a:schemeClr val="bg1"/>
+                        </a:solidFill>
+                        <a:effectLst/>
+                        <a:latin typeface="標楷體" panose="03000509000000000000" pitchFamily="65" charset="-120"/>
+                        <a:ea typeface="標楷體" panose="03000509000000000000" pitchFamily="65" charset="-120"/>
+                      </a:endParaRPr>
+                    </a:p>
+                  </a:txBody>
+                  <a:tcPr marL="8822" marR="8822" marT="8822" marB="0" anchor="b">
+                    <a:solidFill>
+                      <a:schemeClr val="accent1"/>
+                    </a:solidFill>
+                  </a:tcPr>
+                </a:tc>
+                <a:tc>
+                  <a:txBody>
+                    <a:bodyPr/>
+                    <a:lstStyle/>
+                    <a:p>
+                      <a:pPr algn="l" fontAlgn="b"/>
+                      <a:r>
+                        <a:rPr lang="zh-TW" altLang="en-US" sz="1000" u="none" strike="noStrike" dirty="0">
+                          <a:solidFill>
+                            <a:schemeClr val="bg1"/>
+                          </a:solidFill>
+                          <a:effectLst/>
+                          <a:latin typeface="標楷體" panose="03000509000000000000" pitchFamily="65" charset="-120"/>
+                          <a:ea typeface="標楷體" panose="03000509000000000000" pitchFamily="65" charset="-120"/>
+                        </a:rPr>
+                        <a:t>最大超越量𝑀𝑝</a:t>
+                      </a:r>
+                      <a:r>
+                        <a:rPr lang="en-US" altLang="zh-TW" sz="1000" u="none" strike="noStrike" dirty="0">
+                          <a:solidFill>
+                            <a:schemeClr val="bg1"/>
+                          </a:solidFill>
+                          <a:effectLst/>
+                          <a:latin typeface="標楷體" panose="03000509000000000000" pitchFamily="65" charset="-120"/>
+                          <a:ea typeface="標楷體" panose="03000509000000000000" pitchFamily="65" charset="-120"/>
+                        </a:rPr>
+                        <a:t>[%]</a:t>
+                      </a:r>
+                      <a:endParaRPr lang="en-US" altLang="zh-TW" sz="1000" b="1" i="0" u="none" strike="noStrike" dirty="0">
+                        <a:solidFill>
+                          <a:schemeClr val="bg1"/>
+                        </a:solidFill>
+                        <a:effectLst/>
+                        <a:latin typeface="標楷體" panose="03000509000000000000" pitchFamily="65" charset="-120"/>
+                        <a:ea typeface="標楷體" panose="03000509000000000000" pitchFamily="65" charset="-120"/>
+                      </a:endParaRPr>
+                    </a:p>
+                  </a:txBody>
+                  <a:tcPr marL="8822" marR="8822" marT="8822" marB="0" anchor="b">
+                    <a:solidFill>
+                      <a:schemeClr val="accent1"/>
+                    </a:solidFill>
+                  </a:tcPr>
+                </a:tc>
+                <a:tc>
+                  <a:txBody>
+                    <a:bodyPr/>
+                    <a:lstStyle/>
+                    <a:p>
+                      <a:pPr algn="l" fontAlgn="b"/>
+                      <a:r>
+                        <a:rPr lang="zh-TW" altLang="en-US" sz="1000" u="none" strike="noStrike" dirty="0">
+                          <a:solidFill>
+                            <a:schemeClr val="bg1"/>
+                          </a:solidFill>
+                          <a:effectLst/>
+                          <a:latin typeface="標楷體" panose="03000509000000000000" pitchFamily="65" charset="-120"/>
+                          <a:ea typeface="標楷體" panose="03000509000000000000" pitchFamily="65" charset="-120"/>
+                        </a:rPr>
+                        <a:t>尖峰時間𝑡𝑝</a:t>
+                      </a:r>
+                      <a:r>
+                        <a:rPr lang="en-US" altLang="zh-TW" sz="1000" u="none" strike="noStrike" dirty="0">
+                          <a:solidFill>
+                            <a:schemeClr val="bg1"/>
+                          </a:solidFill>
+                          <a:effectLst/>
+                          <a:latin typeface="標楷體" panose="03000509000000000000" pitchFamily="65" charset="-120"/>
+                          <a:ea typeface="標楷體" panose="03000509000000000000" pitchFamily="65" charset="-120"/>
+                        </a:rPr>
+                        <a:t>[</a:t>
+                      </a:r>
+                      <a:r>
+                        <a:rPr lang="en-US" sz="1000" u="none" strike="noStrike" dirty="0">
+                          <a:solidFill>
+                            <a:schemeClr val="bg1"/>
+                          </a:solidFill>
+                          <a:effectLst/>
+                          <a:latin typeface="標楷體" panose="03000509000000000000" pitchFamily="65" charset="-120"/>
+                          <a:ea typeface="標楷體" panose="03000509000000000000" pitchFamily="65" charset="-120"/>
+                        </a:rPr>
+                        <a:t>s]</a:t>
+                      </a:r>
+                      <a:endParaRPr lang="en-US" sz="1000" b="1" i="0" u="none" strike="noStrike" dirty="0">
+                        <a:solidFill>
+                          <a:schemeClr val="bg1"/>
+                        </a:solidFill>
+                        <a:effectLst/>
+                        <a:latin typeface="標楷體" panose="03000509000000000000" pitchFamily="65" charset="-120"/>
+                        <a:ea typeface="標楷體" panose="03000509000000000000" pitchFamily="65" charset="-120"/>
+                      </a:endParaRPr>
+                    </a:p>
+                  </a:txBody>
+                  <a:tcPr marL="8822" marR="8822" marT="8822" marB="0" anchor="b">
+                    <a:solidFill>
+                      <a:schemeClr val="accent1"/>
+                    </a:solidFill>
+                  </a:tcPr>
+                </a:tc>
+                <a:tc>
+                  <a:txBody>
+                    <a:bodyPr/>
+                    <a:lstStyle/>
+                    <a:p>
+                      <a:pPr algn="l" fontAlgn="b"/>
+                      <a:r>
+                        <a:rPr lang="zh-TW" altLang="en-US" sz="1000" u="none" strike="noStrike" dirty="0">
+                          <a:solidFill>
+                            <a:schemeClr val="bg1"/>
+                          </a:solidFill>
+                          <a:effectLst/>
+                          <a:latin typeface="標楷體" panose="03000509000000000000" pitchFamily="65" charset="-120"/>
+                          <a:ea typeface="標楷體" panose="03000509000000000000" pitchFamily="65" charset="-120"/>
+                        </a:rPr>
+                        <a:t>上升時間𝑡𝑟</a:t>
+                      </a:r>
+                      <a:r>
+                        <a:rPr lang="en-US" altLang="zh-TW" sz="1000" u="none" strike="noStrike" dirty="0">
+                          <a:solidFill>
+                            <a:schemeClr val="bg1"/>
+                          </a:solidFill>
+                          <a:effectLst/>
+                          <a:latin typeface="標楷體" panose="03000509000000000000" pitchFamily="65" charset="-120"/>
+                          <a:ea typeface="標楷體" panose="03000509000000000000" pitchFamily="65" charset="-120"/>
+                        </a:rPr>
+                        <a:t>[</a:t>
+                      </a:r>
+                      <a:r>
+                        <a:rPr lang="en-US" sz="1000" u="none" strike="noStrike" dirty="0">
+                          <a:solidFill>
+                            <a:schemeClr val="bg1"/>
+                          </a:solidFill>
+                          <a:effectLst/>
+                          <a:latin typeface="標楷體" panose="03000509000000000000" pitchFamily="65" charset="-120"/>
+                          <a:ea typeface="標楷體" panose="03000509000000000000" pitchFamily="65" charset="-120"/>
+                        </a:rPr>
+                        <a:t>s]</a:t>
+                      </a:r>
+                      <a:endParaRPr lang="en-US" sz="1000" b="1" i="0" u="none" strike="noStrike" dirty="0">
+                        <a:solidFill>
+                          <a:schemeClr val="bg1"/>
+                        </a:solidFill>
+                        <a:effectLst/>
+                        <a:latin typeface="標楷體" panose="03000509000000000000" pitchFamily="65" charset="-120"/>
+                        <a:ea typeface="標楷體" panose="03000509000000000000" pitchFamily="65" charset="-120"/>
+                      </a:endParaRPr>
+                    </a:p>
+                  </a:txBody>
+                  <a:tcPr marL="8822" marR="8822" marT="8822" marB="0" anchor="b">
+                    <a:solidFill>
+                      <a:schemeClr val="accent1"/>
+                    </a:solidFill>
+                  </a:tcPr>
+                </a:tc>
+                <a:tc>
+                  <a:txBody>
+                    <a:bodyPr/>
+                    <a:lstStyle/>
+                    <a:p>
+                      <a:pPr algn="l" fontAlgn="b"/>
+                      <a:r>
+                        <a:rPr lang="zh-TW" altLang="en-US" sz="1000" u="none" strike="noStrike" dirty="0">
+                          <a:solidFill>
+                            <a:schemeClr val="bg1"/>
+                          </a:solidFill>
+                          <a:effectLst/>
+                          <a:latin typeface="標楷體" panose="03000509000000000000" pitchFamily="65" charset="-120"/>
+                          <a:ea typeface="標楷體" panose="03000509000000000000" pitchFamily="65" charset="-120"/>
+                        </a:rPr>
+                        <a:t>穩態誤差𝑒𝑠𝑠</a:t>
+                      </a:r>
+                      <a:r>
+                        <a:rPr lang="en-US" altLang="zh-TW" sz="1000" u="none" strike="noStrike" dirty="0">
+                          <a:solidFill>
+                            <a:schemeClr val="bg1"/>
+                          </a:solidFill>
+                          <a:effectLst/>
+                          <a:latin typeface="標楷體" panose="03000509000000000000" pitchFamily="65" charset="-120"/>
+                          <a:ea typeface="標楷體" panose="03000509000000000000" pitchFamily="65" charset="-120"/>
+                        </a:rPr>
+                        <a:t>[V]</a:t>
+                      </a:r>
+                      <a:endParaRPr lang="en-US" altLang="zh-TW" sz="1000" b="1" i="0" u="none" strike="noStrike" dirty="0">
+                        <a:solidFill>
+                          <a:schemeClr val="bg1"/>
+                        </a:solidFill>
+                        <a:effectLst/>
+                        <a:latin typeface="標楷體" panose="03000509000000000000" pitchFamily="65" charset="-120"/>
+                        <a:ea typeface="標楷體" panose="03000509000000000000" pitchFamily="65" charset="-120"/>
+                      </a:endParaRPr>
+                    </a:p>
+                  </a:txBody>
+                  <a:tcPr marL="8822" marR="8822" marT="8822" marB="0" anchor="b">
+                    <a:solidFill>
+                      <a:schemeClr val="accent1"/>
+                    </a:solidFill>
+                  </a:tcPr>
+                </a:tc>
+                <a:extLst>
+                  <a:ext uri="{0D108BD9-81ED-4DB2-BD59-A6C34878D82A}">
+                    <a16:rowId xmlns:a16="http://schemas.microsoft.com/office/drawing/2014/main" val="2664648518"/>
+                  </a:ext>
+                </a:extLst>
+              </a:tr>
+              <a:tr h="433616">
+                <a:tc>
+                  <a:txBody>
+                    <a:bodyPr/>
+                    <a:lstStyle/>
+                    <a:p>
+                      <a:pPr algn="l" fontAlgn="b"/>
+                      <a:r>
+                        <a:rPr lang="zh-TW" altLang="en-US" sz="1000" u="none" strike="noStrike">
+                          <a:effectLst/>
+                          <a:latin typeface="標楷體" panose="03000509000000000000" pitchFamily="65" charset="-120"/>
+                          <a:ea typeface="標楷體" panose="03000509000000000000" pitchFamily="65" charset="-120"/>
+                        </a:rPr>
+                        <a:t>實驗</a:t>
+                      </a:r>
+                      <a:endParaRPr lang="zh-TW" altLang="en-US" sz="1000" b="0" i="0" u="none" strike="noStrike">
+                        <a:solidFill>
+                          <a:srgbClr val="000000"/>
+                        </a:solidFill>
+                        <a:effectLst/>
+                        <a:latin typeface="標楷體" panose="03000509000000000000" pitchFamily="65" charset="-120"/>
+                        <a:ea typeface="標楷體" panose="03000509000000000000" pitchFamily="65" charset="-120"/>
+                      </a:endParaRPr>
+                    </a:p>
+                  </a:txBody>
+                  <a:tcPr marL="8822" marR="8822" marT="8822" marB="0" anchor="b"/>
+                </a:tc>
+                <a:tc>
+                  <a:txBody>
+                    <a:bodyPr/>
+                    <a:lstStyle/>
+                    <a:p>
+                      <a:pPr algn="r" fontAlgn="b"/>
+                      <a:r>
+                        <a:rPr lang="en-US" altLang="zh-TW" sz="1000" u="none" strike="noStrike" dirty="0">
+                          <a:effectLst/>
+                          <a:latin typeface="標楷體" panose="03000509000000000000" pitchFamily="65" charset="-120"/>
+                          <a:ea typeface="標楷體" panose="03000509000000000000" pitchFamily="65" charset="-120"/>
+                        </a:rPr>
+                        <a:t>70%</a:t>
+                      </a:r>
+                      <a:endParaRPr lang="en-US" altLang="zh-TW" sz="1000" b="0" i="0" u="none" strike="noStrike" dirty="0">
+                        <a:solidFill>
+                          <a:srgbClr val="000000"/>
+                        </a:solidFill>
+                        <a:effectLst/>
+                        <a:latin typeface="標楷體" panose="03000509000000000000" pitchFamily="65" charset="-120"/>
+                        <a:ea typeface="標楷體" panose="03000509000000000000" pitchFamily="65" charset="-120"/>
+                      </a:endParaRPr>
+                    </a:p>
+                  </a:txBody>
+                  <a:tcPr marL="8822" marR="8822" marT="8822" marB="0" anchor="b"/>
+                </a:tc>
+                <a:tc>
+                  <a:txBody>
+                    <a:bodyPr/>
+                    <a:lstStyle/>
+                    <a:p>
+                      <a:pPr algn="r" fontAlgn="b"/>
+                      <a:r>
+                        <a:rPr lang="en-US" altLang="zh-TW" sz="1000" u="none" strike="noStrike" dirty="0">
+                          <a:effectLst/>
+                          <a:latin typeface="標楷體" panose="03000509000000000000" pitchFamily="65" charset="-120"/>
+                          <a:ea typeface="標楷體" panose="03000509000000000000" pitchFamily="65" charset="-120"/>
+                        </a:rPr>
+                        <a:t>50%</a:t>
+                      </a:r>
+                      <a:endParaRPr lang="en-US" altLang="zh-TW" sz="1000" b="0" i="0" u="none" strike="noStrike" dirty="0">
+                        <a:solidFill>
+                          <a:srgbClr val="000000"/>
+                        </a:solidFill>
+                        <a:effectLst/>
+                        <a:latin typeface="標楷體" panose="03000509000000000000" pitchFamily="65" charset="-120"/>
+                        <a:ea typeface="標楷體" panose="03000509000000000000" pitchFamily="65" charset="-120"/>
+                      </a:endParaRPr>
+                    </a:p>
+                  </a:txBody>
+                  <a:tcPr marL="8822" marR="8822" marT="8822" marB="0" anchor="b"/>
+                </a:tc>
+                <a:tc>
+                  <a:txBody>
+                    <a:bodyPr/>
+                    <a:lstStyle/>
+                    <a:p>
+                      <a:pPr algn="r" fontAlgn="b"/>
+                      <a:r>
+                        <a:rPr lang="en-US" altLang="zh-TW" sz="1000" u="none" strike="noStrike" dirty="0">
+                          <a:effectLst/>
+                          <a:latin typeface="標楷體" panose="03000509000000000000" pitchFamily="65" charset="-120"/>
+                          <a:ea typeface="標楷體" panose="03000509000000000000" pitchFamily="65" charset="-120"/>
+                        </a:rPr>
+                        <a:t>5.45</a:t>
+                      </a:r>
+                      <a:endParaRPr lang="en-US" altLang="zh-TW" sz="1000" b="0" i="0" u="none" strike="noStrike" dirty="0">
+                        <a:solidFill>
+                          <a:srgbClr val="000000"/>
+                        </a:solidFill>
+                        <a:effectLst/>
+                        <a:latin typeface="標楷體" panose="03000509000000000000" pitchFamily="65" charset="-120"/>
+                        <a:ea typeface="標楷體" panose="03000509000000000000" pitchFamily="65" charset="-120"/>
+                      </a:endParaRPr>
+                    </a:p>
+                  </a:txBody>
+                  <a:tcPr marL="8822" marR="8822" marT="8822" marB="0" anchor="b"/>
+                </a:tc>
+                <a:tc>
+                  <a:txBody>
+                    <a:bodyPr/>
+                    <a:lstStyle/>
+                    <a:p>
+                      <a:pPr algn="r" fontAlgn="b"/>
+                      <a:r>
+                        <a:rPr lang="en-US" altLang="zh-TW" sz="1000" u="none" strike="noStrike">
+                          <a:effectLst/>
+                          <a:latin typeface="標楷體" panose="03000509000000000000" pitchFamily="65" charset="-120"/>
+                          <a:ea typeface="標楷體" panose="03000509000000000000" pitchFamily="65" charset="-120"/>
+                        </a:rPr>
+                        <a:t>5</a:t>
+                      </a:r>
+                      <a:endParaRPr lang="en-US" altLang="zh-TW" sz="1000" b="0" i="0" u="none" strike="noStrike">
+                        <a:solidFill>
+                          <a:srgbClr val="000000"/>
+                        </a:solidFill>
+                        <a:effectLst/>
+                        <a:latin typeface="標楷體" panose="03000509000000000000" pitchFamily="65" charset="-120"/>
+                        <a:ea typeface="標楷體" panose="03000509000000000000" pitchFamily="65" charset="-120"/>
+                      </a:endParaRPr>
+                    </a:p>
+                  </a:txBody>
+                  <a:tcPr marL="8822" marR="8822" marT="8822" marB="0" anchor="b"/>
+                </a:tc>
+                <a:tc>
+                  <a:txBody>
+                    <a:bodyPr/>
+                    <a:lstStyle/>
+                    <a:p>
+                      <a:pPr algn="r" fontAlgn="b"/>
+                      <a:r>
+                        <a:rPr lang="en-US" altLang="zh-TW" sz="1000" u="none" strike="noStrike">
+                          <a:effectLst/>
+                          <a:latin typeface="標楷體" panose="03000509000000000000" pitchFamily="65" charset="-120"/>
+                          <a:ea typeface="標楷體" panose="03000509000000000000" pitchFamily="65" charset="-120"/>
+                        </a:rPr>
+                        <a:t>0.917</a:t>
+                      </a:r>
+                      <a:endParaRPr lang="en-US" altLang="zh-TW" sz="1000" b="0" i="0" u="none" strike="noStrike">
+                        <a:solidFill>
+                          <a:srgbClr val="000000"/>
+                        </a:solidFill>
+                        <a:effectLst/>
+                        <a:latin typeface="標楷體" panose="03000509000000000000" pitchFamily="65" charset="-120"/>
+                        <a:ea typeface="標楷體" panose="03000509000000000000" pitchFamily="65" charset="-120"/>
+                      </a:endParaRPr>
+                    </a:p>
+                  </a:txBody>
+                  <a:tcPr marL="8822" marR="8822" marT="8822" marB="0" anchor="b"/>
+                </a:tc>
+                <a:tc>
+                  <a:txBody>
+                    <a:bodyPr/>
+                    <a:lstStyle/>
+                    <a:p>
+                      <a:pPr algn="r" fontAlgn="b"/>
+                      <a:r>
+                        <a:rPr lang="en-US" altLang="zh-TW" sz="1000" u="none" strike="noStrike">
+                          <a:effectLst/>
+                          <a:latin typeface="標楷體" panose="03000509000000000000" pitchFamily="65" charset="-120"/>
+                          <a:ea typeface="標楷體" panose="03000509000000000000" pitchFamily="65" charset="-120"/>
+                        </a:rPr>
+                        <a:t>0.67</a:t>
+                      </a:r>
+                      <a:endParaRPr lang="en-US" altLang="zh-TW" sz="1000" b="0" i="0" u="none" strike="noStrike">
+                        <a:solidFill>
+                          <a:srgbClr val="000000"/>
+                        </a:solidFill>
+                        <a:effectLst/>
+                        <a:latin typeface="標楷體" panose="03000509000000000000" pitchFamily="65" charset="-120"/>
+                        <a:ea typeface="標楷體" panose="03000509000000000000" pitchFamily="65" charset="-120"/>
+                      </a:endParaRPr>
+                    </a:p>
+                  </a:txBody>
+                  <a:tcPr marL="8822" marR="8822" marT="8822" marB="0" anchor="b"/>
+                </a:tc>
+                <a:tc>
+                  <a:txBody>
+                    <a:bodyPr/>
+                    <a:lstStyle/>
+                    <a:p>
+                      <a:pPr algn="r" fontAlgn="b"/>
+                      <a:r>
+                        <a:rPr lang="en-US" altLang="zh-TW" sz="1000" u="none" strike="noStrike">
+                          <a:effectLst/>
+                          <a:latin typeface="標楷體" panose="03000509000000000000" pitchFamily="65" charset="-120"/>
+                          <a:ea typeface="標楷體" panose="03000509000000000000" pitchFamily="65" charset="-120"/>
+                        </a:rPr>
+                        <a:t>0.52</a:t>
+                      </a:r>
+                      <a:endParaRPr lang="en-US" altLang="zh-TW" sz="1000" b="0" i="0" u="none" strike="noStrike">
+                        <a:solidFill>
+                          <a:srgbClr val="000000"/>
+                        </a:solidFill>
+                        <a:effectLst/>
+                        <a:latin typeface="標楷體" panose="03000509000000000000" pitchFamily="65" charset="-120"/>
+                        <a:ea typeface="標楷體" panose="03000509000000000000" pitchFamily="65" charset="-120"/>
+                      </a:endParaRPr>
+                    </a:p>
+                  </a:txBody>
+                  <a:tcPr marL="8822" marR="8822" marT="8822" marB="0" anchor="b"/>
+                </a:tc>
+                <a:tc>
+                  <a:txBody>
+                    <a:bodyPr/>
+                    <a:lstStyle/>
+                    <a:p>
+                      <a:pPr algn="r" fontAlgn="b"/>
+                      <a:r>
+                        <a:rPr lang="en-US" altLang="zh-TW" sz="1000" u="none" strike="noStrike">
+                          <a:effectLst/>
+                          <a:latin typeface="標楷體" panose="03000509000000000000" pitchFamily="65" charset="-120"/>
+                          <a:ea typeface="標楷體" panose="03000509000000000000" pitchFamily="65" charset="-120"/>
+                        </a:rPr>
+                        <a:t>0</a:t>
+                      </a:r>
+                      <a:endParaRPr lang="en-US" altLang="zh-TW" sz="1000" b="0" i="0" u="none" strike="noStrike">
+                        <a:solidFill>
+                          <a:srgbClr val="000000"/>
+                        </a:solidFill>
+                        <a:effectLst/>
+                        <a:latin typeface="標楷體" panose="03000509000000000000" pitchFamily="65" charset="-120"/>
+                        <a:ea typeface="標楷體" panose="03000509000000000000" pitchFamily="65" charset="-120"/>
+                      </a:endParaRPr>
+                    </a:p>
+                  </a:txBody>
+                  <a:tcPr marL="8822" marR="8822" marT="8822" marB="0" anchor="b"/>
+                </a:tc>
+                <a:extLst>
+                  <a:ext uri="{0D108BD9-81ED-4DB2-BD59-A6C34878D82A}">
+                    <a16:rowId xmlns:a16="http://schemas.microsoft.com/office/drawing/2014/main" val="439462672"/>
+                  </a:ext>
+                </a:extLst>
+              </a:tr>
+              <a:tr h="493425">
+                <a:tc>
+                  <a:txBody>
+                    <a:bodyPr/>
+                    <a:lstStyle/>
+                    <a:p>
+                      <a:pPr algn="l" fontAlgn="b"/>
+                      <a:r>
+                        <a:rPr lang="zh-TW" altLang="en-US" sz="1000" u="none" strike="noStrike">
+                          <a:effectLst/>
+                          <a:latin typeface="標楷體" panose="03000509000000000000" pitchFamily="65" charset="-120"/>
+                          <a:ea typeface="標楷體" panose="03000509000000000000" pitchFamily="65" charset="-120"/>
+                        </a:rPr>
+                        <a:t>模擬</a:t>
+                      </a:r>
+                      <a:endParaRPr lang="zh-TW" altLang="en-US" sz="1000" b="0" i="0" u="none" strike="noStrike">
+                        <a:solidFill>
+                          <a:srgbClr val="000000"/>
+                        </a:solidFill>
+                        <a:effectLst/>
+                        <a:latin typeface="標楷體" panose="03000509000000000000" pitchFamily="65" charset="-120"/>
+                        <a:ea typeface="標楷體" panose="03000509000000000000" pitchFamily="65" charset="-120"/>
+                      </a:endParaRPr>
+                    </a:p>
+                  </a:txBody>
+                  <a:tcPr marL="8822" marR="8822" marT="8822" marB="0" anchor="b"/>
+                </a:tc>
+                <a:tc>
+                  <a:txBody>
+                    <a:bodyPr/>
+                    <a:lstStyle/>
+                    <a:p>
+                      <a:pPr algn="r" fontAlgn="b"/>
+                      <a:r>
+                        <a:rPr lang="en-US" altLang="zh-TW" sz="1000" u="none" strike="noStrike">
+                          <a:effectLst/>
+                          <a:latin typeface="標楷體" panose="03000509000000000000" pitchFamily="65" charset="-120"/>
+                          <a:ea typeface="標楷體" panose="03000509000000000000" pitchFamily="65" charset="-120"/>
+                        </a:rPr>
+                        <a:t>70%</a:t>
+                      </a:r>
+                      <a:endParaRPr lang="en-US" altLang="zh-TW" sz="1000" b="0" i="0" u="none" strike="noStrike">
+                        <a:solidFill>
+                          <a:srgbClr val="000000"/>
+                        </a:solidFill>
+                        <a:effectLst/>
+                        <a:latin typeface="標楷體" panose="03000509000000000000" pitchFamily="65" charset="-120"/>
+                        <a:ea typeface="標楷體" panose="03000509000000000000" pitchFamily="65" charset="-120"/>
+                      </a:endParaRPr>
+                    </a:p>
+                  </a:txBody>
+                  <a:tcPr marL="8822" marR="8822" marT="8822" marB="0" anchor="b"/>
+                </a:tc>
+                <a:tc>
+                  <a:txBody>
+                    <a:bodyPr/>
+                    <a:lstStyle/>
+                    <a:p>
+                      <a:pPr algn="r" fontAlgn="b"/>
+                      <a:r>
+                        <a:rPr lang="en-US" altLang="zh-TW" sz="1000" u="none" strike="noStrike">
+                          <a:effectLst/>
+                          <a:latin typeface="標楷體" panose="03000509000000000000" pitchFamily="65" charset="-120"/>
+                          <a:ea typeface="標楷體" panose="03000509000000000000" pitchFamily="65" charset="-120"/>
+                        </a:rPr>
+                        <a:t>50%</a:t>
+                      </a:r>
+                      <a:endParaRPr lang="en-US" altLang="zh-TW" sz="1000" b="0" i="0" u="none" strike="noStrike">
+                        <a:solidFill>
+                          <a:srgbClr val="000000"/>
+                        </a:solidFill>
+                        <a:effectLst/>
+                        <a:latin typeface="標楷體" panose="03000509000000000000" pitchFamily="65" charset="-120"/>
+                        <a:ea typeface="標楷體" panose="03000509000000000000" pitchFamily="65" charset="-120"/>
+                      </a:endParaRPr>
+                    </a:p>
+                  </a:txBody>
+                  <a:tcPr marL="8822" marR="8822" marT="8822" marB="0" anchor="b"/>
+                </a:tc>
+                <a:tc>
+                  <a:txBody>
+                    <a:bodyPr/>
+                    <a:lstStyle/>
+                    <a:p>
+                      <a:pPr algn="r" fontAlgn="b"/>
+                      <a:r>
+                        <a:rPr lang="en-US" altLang="zh-TW" sz="1000" u="none" strike="noStrike" dirty="0">
+                          <a:effectLst/>
+                          <a:latin typeface="標楷體" panose="03000509000000000000" pitchFamily="65" charset="-120"/>
+                          <a:ea typeface="標楷體" panose="03000509000000000000" pitchFamily="65" charset="-120"/>
+                        </a:rPr>
+                        <a:t>5</a:t>
+                      </a:r>
+                      <a:endParaRPr lang="en-US" altLang="zh-TW" sz="1000" b="0" i="0" u="none" strike="noStrike" dirty="0">
+                        <a:solidFill>
+                          <a:srgbClr val="000000"/>
+                        </a:solidFill>
+                        <a:effectLst/>
+                        <a:latin typeface="標楷體" panose="03000509000000000000" pitchFamily="65" charset="-120"/>
+                        <a:ea typeface="標楷體" panose="03000509000000000000" pitchFamily="65" charset="-120"/>
+                      </a:endParaRPr>
+                    </a:p>
+                  </a:txBody>
+                  <a:tcPr marL="8822" marR="8822" marT="8822" marB="0" anchor="b"/>
+                </a:tc>
+                <a:tc>
+                  <a:txBody>
+                    <a:bodyPr/>
+                    <a:lstStyle/>
+                    <a:p>
+                      <a:pPr algn="r" fontAlgn="b"/>
+                      <a:r>
+                        <a:rPr lang="en-US" altLang="zh-TW" sz="1000" u="none" strike="noStrike" dirty="0">
+                          <a:effectLst/>
+                          <a:latin typeface="標楷體" panose="03000509000000000000" pitchFamily="65" charset="-120"/>
+                          <a:ea typeface="標楷體" panose="03000509000000000000" pitchFamily="65" charset="-120"/>
+                        </a:rPr>
+                        <a:t>1.1</a:t>
+                      </a:r>
+                      <a:endParaRPr lang="en-US" altLang="zh-TW" sz="1000" b="0" i="0" u="none" strike="noStrike" dirty="0">
+                        <a:solidFill>
+                          <a:srgbClr val="000000"/>
+                        </a:solidFill>
+                        <a:effectLst/>
+                        <a:latin typeface="標楷體" panose="03000509000000000000" pitchFamily="65" charset="-120"/>
+                        <a:ea typeface="標楷體" panose="03000509000000000000" pitchFamily="65" charset="-120"/>
+                      </a:endParaRPr>
+                    </a:p>
+                  </a:txBody>
+                  <a:tcPr marL="8822" marR="8822" marT="8822" marB="0" anchor="b"/>
+                </a:tc>
+                <a:tc>
+                  <a:txBody>
+                    <a:bodyPr/>
+                    <a:lstStyle/>
+                    <a:p>
+                      <a:pPr algn="r" fontAlgn="b"/>
+                      <a:r>
+                        <a:rPr lang="en-US" altLang="zh-TW" sz="1000" u="none" strike="noStrike" dirty="0">
+                          <a:effectLst/>
+                          <a:latin typeface="標楷體" panose="03000509000000000000" pitchFamily="65" charset="-120"/>
+                          <a:ea typeface="標楷體" panose="03000509000000000000" pitchFamily="65" charset="-120"/>
+                        </a:rPr>
+                        <a:t>0.22</a:t>
+                      </a:r>
+                      <a:endParaRPr lang="en-US" altLang="zh-TW" sz="1000" b="0" i="0" u="none" strike="noStrike" dirty="0">
+                        <a:solidFill>
+                          <a:srgbClr val="000000"/>
+                        </a:solidFill>
+                        <a:effectLst/>
+                        <a:latin typeface="標楷體" panose="03000509000000000000" pitchFamily="65" charset="-120"/>
+                        <a:ea typeface="標楷體" panose="03000509000000000000" pitchFamily="65" charset="-120"/>
+                      </a:endParaRPr>
+                    </a:p>
+                  </a:txBody>
+                  <a:tcPr marL="8822" marR="8822" marT="8822" marB="0" anchor="b"/>
+                </a:tc>
+                <a:tc>
+                  <a:txBody>
+                    <a:bodyPr/>
+                    <a:lstStyle/>
+                    <a:p>
+                      <a:pPr algn="r" fontAlgn="b"/>
+                      <a:r>
+                        <a:rPr lang="en-US" altLang="zh-TW" sz="1000" u="none" strike="noStrike" dirty="0">
+                          <a:effectLst/>
+                          <a:latin typeface="標楷體" panose="03000509000000000000" pitchFamily="65" charset="-120"/>
+                          <a:ea typeface="標楷體" panose="03000509000000000000" pitchFamily="65" charset="-120"/>
+                        </a:rPr>
+                        <a:t>0.4</a:t>
+                      </a:r>
+                      <a:endParaRPr lang="en-US" altLang="zh-TW" sz="1000" b="0" i="0" u="none" strike="noStrike" dirty="0">
+                        <a:solidFill>
+                          <a:srgbClr val="000000"/>
+                        </a:solidFill>
+                        <a:effectLst/>
+                        <a:latin typeface="標楷體" panose="03000509000000000000" pitchFamily="65" charset="-120"/>
+                        <a:ea typeface="標楷體" panose="03000509000000000000" pitchFamily="65" charset="-120"/>
+                      </a:endParaRPr>
+                    </a:p>
+                  </a:txBody>
+                  <a:tcPr marL="8822" marR="8822" marT="8822" marB="0" anchor="b"/>
+                </a:tc>
+                <a:tc>
+                  <a:txBody>
+                    <a:bodyPr/>
+                    <a:lstStyle/>
+                    <a:p>
+                      <a:pPr algn="r" fontAlgn="b"/>
+                      <a:r>
+                        <a:rPr lang="en-US" altLang="zh-TW" sz="1000" u="none" strike="noStrike" dirty="0">
+                          <a:effectLst/>
+                          <a:latin typeface="標楷體" panose="03000509000000000000" pitchFamily="65" charset="-120"/>
+                          <a:ea typeface="標楷體" panose="03000509000000000000" pitchFamily="65" charset="-120"/>
+                        </a:rPr>
+                        <a:t>0.2</a:t>
+                      </a:r>
+                      <a:endParaRPr lang="en-US" altLang="zh-TW" sz="1000" b="0" i="0" u="none" strike="noStrike" dirty="0">
+                        <a:solidFill>
+                          <a:srgbClr val="000000"/>
+                        </a:solidFill>
+                        <a:effectLst/>
+                        <a:latin typeface="標楷體" panose="03000509000000000000" pitchFamily="65" charset="-120"/>
+                        <a:ea typeface="標楷體" panose="03000509000000000000" pitchFamily="65" charset="-120"/>
+                      </a:endParaRPr>
+                    </a:p>
+                  </a:txBody>
+                  <a:tcPr marL="8822" marR="8822" marT="8822" marB="0" anchor="b"/>
+                </a:tc>
+                <a:tc>
+                  <a:txBody>
+                    <a:bodyPr/>
+                    <a:lstStyle/>
+                    <a:p>
+                      <a:pPr algn="r" fontAlgn="b"/>
+                      <a:r>
+                        <a:rPr lang="en-US" altLang="zh-TW" sz="1000" u="none" strike="noStrike" dirty="0">
+                          <a:effectLst/>
+                          <a:latin typeface="標楷體" panose="03000509000000000000" pitchFamily="65" charset="-120"/>
+                          <a:ea typeface="標楷體" panose="03000509000000000000" pitchFamily="65" charset="-120"/>
+                        </a:rPr>
+                        <a:t>0</a:t>
+                      </a:r>
+                      <a:endParaRPr lang="en-US" altLang="zh-TW" sz="1000" b="0" i="0" u="none" strike="noStrike" dirty="0">
+                        <a:solidFill>
+                          <a:srgbClr val="000000"/>
+                        </a:solidFill>
+                        <a:effectLst/>
+                        <a:latin typeface="標楷體" panose="03000509000000000000" pitchFamily="65" charset="-120"/>
+                        <a:ea typeface="標楷體" panose="03000509000000000000" pitchFamily="65" charset="-120"/>
+                      </a:endParaRPr>
+                    </a:p>
+                  </a:txBody>
+                  <a:tcPr marL="8822" marR="8822" marT="8822" marB="0" anchor="b"/>
+                </a:tc>
+                <a:extLst>
+                  <a:ext uri="{0D108BD9-81ED-4DB2-BD59-A6C34878D82A}">
+                    <a16:rowId xmlns:a16="http://schemas.microsoft.com/office/drawing/2014/main" val="2744136916"/>
+                  </a:ext>
+                </a:extLst>
+              </a:tr>
+            </a:tbl>
+          </a:graphicData>
+        </a:graphic>
+      </p:graphicFrame>
     </p:spTree>
     <p:extLst>
       <p:ext uri="{BB962C8B-B14F-4D97-AF65-F5344CB8AC3E}">

--- a/實驗六/presentation/實驗六_第二組_葉彥辰_郭亮佑_蘇昱嘉.pptx
+++ b/實驗六/presentation/實驗六_第二組_葉彥辰_郭亮佑_蘇昱嘉.pptx
@@ -367,7 +367,7 @@
           <a:p>
             <a:fld id="{57D05ABF-D590-45D6-9362-AC05D4E152AF}" type="datetimeFigureOut">
               <a:rPr lang="zh-TW" altLang="en-US" smtClean="0"/>
-              <a:t>2025/4/6</a:t>
+              <a:t>2025/4/8</a:t>
             </a:fld>
             <a:endParaRPr lang="zh-TW" altLang="en-US"/>
           </a:p>
@@ -781,7 +781,7 @@
           <a:p>
             <a:fld id="{A6CAA258-0090-479D-81AE-6C5E423E63D8}" type="datetimeFigureOut">
               <a:rPr lang="zh-TW" altLang="en-US" smtClean="0"/>
-              <a:t>2025/4/6</a:t>
+              <a:t>2025/4/8</a:t>
             </a:fld>
             <a:endParaRPr lang="zh-TW" altLang="en-US"/>
           </a:p>
@@ -979,7 +979,7 @@
           <a:p>
             <a:fld id="{A6CAA258-0090-479D-81AE-6C5E423E63D8}" type="datetimeFigureOut">
               <a:rPr lang="zh-TW" altLang="en-US" smtClean="0"/>
-              <a:t>2025/4/6</a:t>
+              <a:t>2025/4/8</a:t>
             </a:fld>
             <a:endParaRPr lang="zh-TW" altLang="en-US"/>
           </a:p>
@@ -1187,7 +1187,7 @@
           <a:p>
             <a:fld id="{A6CAA258-0090-479D-81AE-6C5E423E63D8}" type="datetimeFigureOut">
               <a:rPr lang="zh-TW" altLang="en-US" smtClean="0"/>
-              <a:t>2025/4/6</a:t>
+              <a:t>2025/4/8</a:t>
             </a:fld>
             <a:endParaRPr lang="zh-TW" altLang="en-US"/>
           </a:p>
@@ -1385,7 +1385,7 @@
           <a:p>
             <a:fld id="{A6CAA258-0090-479D-81AE-6C5E423E63D8}" type="datetimeFigureOut">
               <a:rPr lang="zh-TW" altLang="en-US" smtClean="0"/>
-              <a:t>2025/4/6</a:t>
+              <a:t>2025/4/8</a:t>
             </a:fld>
             <a:endParaRPr lang="zh-TW" altLang="en-US"/>
           </a:p>
@@ -1660,7 +1660,7 @@
           <a:p>
             <a:fld id="{A6CAA258-0090-479D-81AE-6C5E423E63D8}" type="datetimeFigureOut">
               <a:rPr lang="zh-TW" altLang="en-US" smtClean="0"/>
-              <a:t>2025/4/6</a:t>
+              <a:t>2025/4/8</a:t>
             </a:fld>
             <a:endParaRPr lang="zh-TW" altLang="en-US"/>
           </a:p>
@@ -1925,7 +1925,7 @@
           <a:p>
             <a:fld id="{A6CAA258-0090-479D-81AE-6C5E423E63D8}" type="datetimeFigureOut">
               <a:rPr lang="zh-TW" altLang="en-US" smtClean="0"/>
-              <a:t>2025/4/6</a:t>
+              <a:t>2025/4/8</a:t>
             </a:fld>
             <a:endParaRPr lang="zh-TW" altLang="en-US"/>
           </a:p>
@@ -2337,7 +2337,7 @@
           <a:p>
             <a:fld id="{A6CAA258-0090-479D-81AE-6C5E423E63D8}" type="datetimeFigureOut">
               <a:rPr lang="zh-TW" altLang="en-US" smtClean="0"/>
-              <a:t>2025/4/6</a:t>
+              <a:t>2025/4/8</a:t>
             </a:fld>
             <a:endParaRPr lang="zh-TW" altLang="en-US"/>
           </a:p>
@@ -2478,7 +2478,7 @@
           <a:p>
             <a:fld id="{A6CAA258-0090-479D-81AE-6C5E423E63D8}" type="datetimeFigureOut">
               <a:rPr lang="zh-TW" altLang="en-US" smtClean="0"/>
-              <a:t>2025/4/6</a:t>
+              <a:t>2025/4/8</a:t>
             </a:fld>
             <a:endParaRPr lang="zh-TW" altLang="en-US"/>
           </a:p>
@@ -2591,7 +2591,7 @@
           <a:p>
             <a:fld id="{A6CAA258-0090-479D-81AE-6C5E423E63D8}" type="datetimeFigureOut">
               <a:rPr lang="zh-TW" altLang="en-US" smtClean="0"/>
-              <a:t>2025/4/6</a:t>
+              <a:t>2025/4/8</a:t>
             </a:fld>
             <a:endParaRPr lang="zh-TW" altLang="en-US"/>
           </a:p>
@@ -2902,7 +2902,7 @@
           <a:p>
             <a:fld id="{A6CAA258-0090-479D-81AE-6C5E423E63D8}" type="datetimeFigureOut">
               <a:rPr lang="zh-TW" altLang="en-US" smtClean="0"/>
-              <a:t>2025/4/6</a:t>
+              <a:t>2025/4/8</a:t>
             </a:fld>
             <a:endParaRPr lang="zh-TW" altLang="en-US"/>
           </a:p>
@@ -3190,7 +3190,7 @@
           <a:p>
             <a:fld id="{A6CAA258-0090-479D-81AE-6C5E423E63D8}" type="datetimeFigureOut">
               <a:rPr lang="zh-TW" altLang="en-US" smtClean="0"/>
-              <a:t>2025/4/6</a:t>
+              <a:t>2025/4/8</a:t>
             </a:fld>
             <a:endParaRPr lang="zh-TW" altLang="en-US"/>
           </a:p>
@@ -3431,7 +3431,7 @@
           <a:p>
             <a:fld id="{A6CAA258-0090-479D-81AE-6C5E423E63D8}" type="datetimeFigureOut">
               <a:rPr lang="zh-TW" altLang="en-US" smtClean="0"/>
-              <a:t>2025/4/6</a:t>
+              <a:t>2025/4/8</a:t>
             </a:fld>
             <a:endParaRPr lang="zh-TW" altLang="en-US"/>
           </a:p>
@@ -3992,14 +3992,14 @@
       </p:pic>
       <p:sp>
         <p:nvSpPr>
-          <p:cNvPr id="7" name="矩形 6"/>
+          <p:cNvPr id="3" name="矩形 2"/>
           <p:cNvSpPr/>
           <p:nvPr/>
         </p:nvSpPr>
         <p:spPr>
           <a:xfrm>
-            <a:off x="1162050" y="2176701"/>
-            <a:ext cx="6096000" cy="3477875"/>
+            <a:off x="838200" y="2411411"/>
+            <a:ext cx="6096000" cy="3139321"/>
           </a:xfrm>
           <a:prstGeom prst="rect">
             <a:avLst/>
@@ -4012,25 +4012,25 @@
           <a:lstStyle/>
           <a:p>
             <a:r>
-              <a:rPr lang="en-US" altLang="zh-TW" sz="2000" dirty="0">
+              <a:rPr lang="en-US" altLang="zh-TW" dirty="0">
                 <a:latin typeface="Cascadia Code" panose="020B0609020000020004" pitchFamily="49" charset="0"/>
               </a:rPr>
               <a:t>s = </a:t>
             </a:r>
             <a:r>
-              <a:rPr lang="en-US" altLang="zh-TW" sz="2000" dirty="0" err="1">
+              <a:rPr lang="en-US" altLang="zh-TW" dirty="0" err="1">
                 <a:latin typeface="Cascadia Code" panose="020B0609020000020004" pitchFamily="49" charset="0"/>
               </a:rPr>
               <a:t>tf</a:t>
             </a:r>
             <a:r>
-              <a:rPr lang="en-US" altLang="zh-TW" sz="2000" dirty="0">
+              <a:rPr lang="en-US" altLang="zh-TW" dirty="0">
                 <a:latin typeface="Cascadia Code" panose="020B0609020000020004" pitchFamily="49" charset="0"/>
               </a:rPr>
               <a:t>(</a:t>
             </a:r>
             <a:r>
-              <a:rPr lang="en-US" altLang="zh-TW" sz="2000" dirty="0">
+              <a:rPr lang="en-US" altLang="zh-TW" dirty="0">
                 <a:solidFill>
                   <a:srgbClr val="A709F5"/>
                 </a:solidFill>
@@ -4039,7 +4039,7 @@
               <a:t>'s'</a:t>
             </a:r>
             <a:r>
-              <a:rPr lang="en-US" altLang="zh-TW" sz="2000" dirty="0">
+              <a:rPr lang="en-US" altLang="zh-TW" dirty="0">
                 <a:latin typeface="Cascadia Code" panose="020B0609020000020004" pitchFamily="49" charset="0"/>
               </a:rPr>
               <a:t>);</a:t>
@@ -4047,7 +4047,7 @@
           </a:p>
           <a:p>
             <a:r>
-              <a:rPr lang="en-US" altLang="zh-TW" sz="2000" dirty="0">
+              <a:rPr lang="en-US" altLang="zh-TW" dirty="0">
                 <a:latin typeface="Cascadia Code" panose="020B0609020000020004" pitchFamily="49" charset="0"/>
               </a:rPr>
               <a:t>tau = 0.51;</a:t>
@@ -4055,13 +4055,13 @@
           </a:p>
           <a:p>
             <a:r>
-              <a:rPr lang="en-US" altLang="zh-TW" sz="2000" dirty="0" err="1">
+              <a:rPr lang="en-US" altLang="zh-TW" dirty="0" err="1">
                 <a:latin typeface="Cascadia Code" panose="020B0609020000020004" pitchFamily="49" charset="0"/>
               </a:rPr>
               <a:t>K_m</a:t>
             </a:r>
             <a:r>
-              <a:rPr lang="en-US" altLang="zh-TW" sz="2000" dirty="0">
+              <a:rPr lang="en-US" altLang="zh-TW" dirty="0">
                 <a:latin typeface="Cascadia Code" panose="020B0609020000020004" pitchFamily="49" charset="0"/>
               </a:rPr>
               <a:t> = 307;</a:t>
@@ -4069,33 +4069,55 @@
           </a:p>
           <a:p>
             <a:r>
-              <a:rPr lang="en-US" altLang="zh-TW" sz="2000" dirty="0">
+              <a:rPr lang="en-US" altLang="zh-TW" dirty="0">
                 <a:latin typeface="Cascadia Code" panose="020B0609020000020004" pitchFamily="49" charset="0"/>
               </a:rPr>
-              <a:t>D = 3;</a:t>
-            </a:r>
-          </a:p>
-          <a:p>
-            <a:endParaRPr lang="en-US" altLang="zh-TW" sz="2000" dirty="0">
+              <a:t>D = 0.1;</a:t>
+            </a:r>
+          </a:p>
+          <a:p>
+            <a:r>
+              <a:rPr lang="en-US" altLang="zh-TW" dirty="0">
+                <a:latin typeface="Cascadia Code" panose="020B0609020000020004" pitchFamily="49" charset="0"/>
+              </a:rPr>
+              <a:t/>
+            </a:r>
+            <a:br>
+              <a:rPr lang="en-US" altLang="zh-TW" dirty="0">
+                <a:latin typeface="Cascadia Code" panose="020B0609020000020004" pitchFamily="49" charset="0"/>
+              </a:rPr>
+            </a:br>
+            <a:endParaRPr lang="en-US" altLang="zh-TW" dirty="0">
               <a:latin typeface="Cascadia Code" panose="020B0609020000020004" pitchFamily="49" charset="0"/>
             </a:endParaRPr>
           </a:p>
           <a:p>
             <a:r>
-              <a:rPr lang="en-US" altLang="zh-TW" sz="2000" dirty="0">
+              <a:rPr lang="en-US" altLang="zh-TW" dirty="0">
                 <a:latin typeface="Cascadia Code" panose="020B0609020000020004" pitchFamily="49" charset="0"/>
               </a:rPr>
-              <a:t>sys = (s + D) / (s * (tau *s + 1));</a:t>
-            </a:r>
-          </a:p>
-          <a:p>
-            <a:endParaRPr lang="en-US" altLang="zh-TW" sz="2000" dirty="0">
+              <a:t>sys = (s + D) / (s * s * (tau *s + 1));</a:t>
+            </a:r>
+          </a:p>
+          <a:p>
+            <a:r>
+              <a:rPr lang="en-US" altLang="zh-TW" dirty="0">
+                <a:latin typeface="Cascadia Code" panose="020B0609020000020004" pitchFamily="49" charset="0"/>
+              </a:rPr>
+              <a:t/>
+            </a:r>
+            <a:br>
+              <a:rPr lang="en-US" altLang="zh-TW" dirty="0">
+                <a:latin typeface="Cascadia Code" panose="020B0609020000020004" pitchFamily="49" charset="0"/>
+              </a:rPr>
+            </a:br>
+            <a:endParaRPr lang="en-US" altLang="zh-TW" dirty="0">
               <a:latin typeface="Cascadia Code" panose="020B0609020000020004" pitchFamily="49" charset="0"/>
             </a:endParaRPr>
           </a:p>
           <a:p>
             <a:r>
-              <a:rPr lang="en-US" altLang="zh-TW" sz="2000" dirty="0">
+              <a:rPr lang="en-US" altLang="zh-TW" dirty="0">
                 <a:latin typeface="Cascadia Code" panose="020B0609020000020004" pitchFamily="49" charset="0"/>
               </a:rPr>
               <a:t>figure(1)</a:t>
@@ -4103,33 +4125,23 @@
           </a:p>
           <a:p>
             <a:r>
-              <a:rPr lang="en-US" altLang="zh-TW" sz="2000" dirty="0" err="1">
+              <a:rPr lang="en-US" altLang="zh-TW" dirty="0" err="1">
                 <a:latin typeface="Cascadia Code" panose="020B0609020000020004" pitchFamily="49" charset="0"/>
               </a:rPr>
               <a:t>rlocus</a:t>
             </a:r>
             <a:r>
-              <a:rPr lang="en-US" altLang="zh-TW" sz="2000" dirty="0">
+              <a:rPr lang="en-US" altLang="zh-TW" dirty="0">
                 <a:latin typeface="Cascadia Code" panose="020B0609020000020004" pitchFamily="49" charset="0"/>
               </a:rPr>
               <a:t>(sys)</a:t>
             </a:r>
-          </a:p>
-          <a:p>
-            <a:br>
-              <a:rPr lang="en-US" altLang="zh-TW" sz="2000" dirty="0">
-                <a:latin typeface="Cascadia Code" panose="020B0609020000020004" pitchFamily="49" charset="0"/>
-              </a:rPr>
-            </a:br>
-            <a:endParaRPr lang="en-US" altLang="zh-TW" sz="2000" dirty="0">
-              <a:latin typeface="Cascadia Code" panose="020B0609020000020004" pitchFamily="49" charset="0"/>
-            </a:endParaRPr>
           </a:p>
         </p:txBody>
       </p:sp>
       <p:pic>
         <p:nvPicPr>
-          <p:cNvPr id="8" name="圖片 7"/>
+          <p:cNvPr id="4" name="圖片 3"/>
           <p:cNvPicPr>
             <a:picLocks noChangeAspect="1"/>
           </p:cNvPicPr>
@@ -4149,8 +4161,8 @@
         </p:blipFill>
         <p:spPr>
           <a:xfrm>
-            <a:off x="6479667" y="2272017"/>
-            <a:ext cx="5621793" cy="3382559"/>
+            <a:off x="6365120" y="2536186"/>
+            <a:ext cx="5826880" cy="3491234"/>
           </a:xfrm>
           <a:prstGeom prst="rect">
             <a:avLst/>
@@ -4247,9 +4259,356 @@
           </a:prstGeom>
         </p:spPr>
       </p:pic>
+      <p:sp>
+        <p:nvSpPr>
+          <p:cNvPr id="5" name="矩形 4"/>
+          <p:cNvSpPr/>
+          <p:nvPr/>
+        </p:nvSpPr>
+        <p:spPr>
+          <a:xfrm>
+            <a:off x="695325" y="2509659"/>
+            <a:ext cx="6096000" cy="3647152"/>
+          </a:xfrm>
+          <a:prstGeom prst="rect">
+            <a:avLst/>
+          </a:prstGeom>
+        </p:spPr>
+        <p:txBody>
+          <a:bodyPr>
+            <a:spAutoFit/>
+          </a:bodyPr>
+          <a:lstStyle/>
+          <a:p>
+            <a:r>
+              <a:rPr lang="en-US" altLang="zh-TW" sz="1100" dirty="0">
+                <a:latin typeface="Cascadia Code" panose="020B0609020000020004" pitchFamily="49" charset="0"/>
+              </a:rPr>
+              <a:t>s = </a:t>
+            </a:r>
+            <a:r>
+              <a:rPr lang="en-US" altLang="zh-TW" sz="1100" dirty="0" err="1">
+                <a:latin typeface="Cascadia Code" panose="020B0609020000020004" pitchFamily="49" charset="0"/>
+              </a:rPr>
+              <a:t>tf</a:t>
+            </a:r>
+            <a:r>
+              <a:rPr lang="en-US" altLang="zh-TW" sz="1100" dirty="0">
+                <a:latin typeface="Cascadia Code" panose="020B0609020000020004" pitchFamily="49" charset="0"/>
+              </a:rPr>
+              <a:t>(</a:t>
+            </a:r>
+            <a:r>
+              <a:rPr lang="en-US" altLang="zh-TW" sz="1100" dirty="0">
+                <a:solidFill>
+                  <a:srgbClr val="A709F5"/>
+                </a:solidFill>
+                <a:latin typeface="Cascadia Code" panose="020B0609020000020004" pitchFamily="49" charset="0"/>
+              </a:rPr>
+              <a:t>'s'</a:t>
+            </a:r>
+            <a:r>
+              <a:rPr lang="en-US" altLang="zh-TW" sz="1100" dirty="0">
+                <a:latin typeface="Cascadia Code" panose="020B0609020000020004" pitchFamily="49" charset="0"/>
+              </a:rPr>
+              <a:t>);</a:t>
+            </a:r>
+          </a:p>
+          <a:p>
+            <a:r>
+              <a:rPr lang="en-US" altLang="zh-TW" sz="1100" dirty="0">
+                <a:latin typeface="Cascadia Code" panose="020B0609020000020004" pitchFamily="49" charset="0"/>
+              </a:rPr>
+              <a:t>tau = 0.51;</a:t>
+            </a:r>
+          </a:p>
+          <a:p>
+            <a:r>
+              <a:rPr lang="en-US" altLang="zh-TW" sz="1100" dirty="0" err="1">
+                <a:latin typeface="Cascadia Code" panose="020B0609020000020004" pitchFamily="49" charset="0"/>
+              </a:rPr>
+              <a:t>K_m</a:t>
+            </a:r>
+            <a:r>
+              <a:rPr lang="en-US" altLang="zh-TW" sz="1100" dirty="0">
+                <a:latin typeface="Cascadia Code" panose="020B0609020000020004" pitchFamily="49" charset="0"/>
+              </a:rPr>
+              <a:t> = 307;</a:t>
+            </a:r>
+          </a:p>
+          <a:p>
+            <a:r>
+              <a:rPr lang="en-US" altLang="zh-TW" sz="1100" dirty="0">
+                <a:latin typeface="Cascadia Code" panose="020B0609020000020004" pitchFamily="49" charset="0"/>
+              </a:rPr>
+              <a:t>D = 0.1;</a:t>
+            </a:r>
+          </a:p>
+          <a:p>
+            <a:r>
+              <a:rPr lang="en-US" altLang="zh-TW" sz="1100" dirty="0">
+                <a:latin typeface="Cascadia Code" panose="020B0609020000020004" pitchFamily="49" charset="0"/>
+              </a:rPr>
+              <a:t/>
+            </a:r>
+            <a:br>
+              <a:rPr lang="en-US" altLang="zh-TW" sz="1100" dirty="0">
+                <a:latin typeface="Cascadia Code" panose="020B0609020000020004" pitchFamily="49" charset="0"/>
+              </a:rPr>
+            </a:br>
+            <a:endParaRPr lang="en-US" altLang="zh-TW" sz="1100" dirty="0">
+              <a:latin typeface="Cascadia Code" panose="020B0609020000020004" pitchFamily="49" charset="0"/>
+            </a:endParaRPr>
+          </a:p>
+          <a:p>
+            <a:r>
+              <a:rPr lang="en-US" altLang="zh-TW" sz="1100" dirty="0">
+                <a:latin typeface="Cascadia Code" panose="020B0609020000020004" pitchFamily="49" charset="0"/>
+              </a:rPr>
+              <a:t>sys = (s + D) / (s * s * (tau *s + 1));</a:t>
+            </a:r>
+          </a:p>
+          <a:p>
+            <a:r>
+              <a:rPr lang="en-US" altLang="zh-TW" sz="1100" dirty="0">
+                <a:latin typeface="Cascadia Code" panose="020B0609020000020004" pitchFamily="49" charset="0"/>
+              </a:rPr>
+              <a:t/>
+            </a:r>
+            <a:br>
+              <a:rPr lang="en-US" altLang="zh-TW" sz="1100" dirty="0">
+                <a:latin typeface="Cascadia Code" panose="020B0609020000020004" pitchFamily="49" charset="0"/>
+              </a:rPr>
+            </a:br>
+            <a:endParaRPr lang="en-US" altLang="zh-TW" sz="1100" dirty="0">
+              <a:latin typeface="Cascadia Code" panose="020B0609020000020004" pitchFamily="49" charset="0"/>
+            </a:endParaRPr>
+          </a:p>
+          <a:p>
+            <a:r>
+              <a:rPr lang="en-US" altLang="zh-TW" sz="1100" dirty="0">
+                <a:latin typeface="Cascadia Code" panose="020B0609020000020004" pitchFamily="49" charset="0"/>
+              </a:rPr>
+              <a:t>figure(1)</a:t>
+            </a:r>
+          </a:p>
+          <a:p>
+            <a:r>
+              <a:rPr lang="en-US" altLang="zh-TW" sz="1100" dirty="0" err="1">
+                <a:latin typeface="Cascadia Code" panose="020B0609020000020004" pitchFamily="49" charset="0"/>
+              </a:rPr>
+              <a:t>rlocus</a:t>
+            </a:r>
+            <a:r>
+              <a:rPr lang="en-US" altLang="zh-TW" sz="1100" dirty="0">
+                <a:latin typeface="Cascadia Code" panose="020B0609020000020004" pitchFamily="49" charset="0"/>
+              </a:rPr>
+              <a:t>(sys)</a:t>
+            </a:r>
+          </a:p>
+          <a:p>
+            <a:r>
+              <a:rPr lang="en-US" altLang="zh-TW" sz="1100" dirty="0">
+                <a:latin typeface="Cascadia Code" panose="020B0609020000020004" pitchFamily="49" charset="0"/>
+              </a:rPr>
+              <a:t/>
+            </a:r>
+            <a:br>
+              <a:rPr lang="en-US" altLang="zh-TW" sz="1100" dirty="0">
+                <a:latin typeface="Cascadia Code" panose="020B0609020000020004" pitchFamily="49" charset="0"/>
+              </a:rPr>
+            </a:br>
+            <a:endParaRPr lang="en-US" altLang="zh-TW" sz="1100" dirty="0">
+              <a:latin typeface="Cascadia Code" panose="020B0609020000020004" pitchFamily="49" charset="0"/>
+            </a:endParaRPr>
+          </a:p>
+          <a:p>
+            <a:r>
+              <a:rPr lang="en-US" altLang="zh-TW" sz="1100" dirty="0">
+                <a:latin typeface="Cascadia Code" panose="020B0609020000020004" pitchFamily="49" charset="0"/>
+              </a:rPr>
+              <a:t>figure(2)</a:t>
+            </a:r>
+          </a:p>
+          <a:p>
+            <a:r>
+              <a:rPr lang="en-US" altLang="zh-TW" sz="1100" dirty="0">
+                <a:latin typeface="Cascadia Code" panose="020B0609020000020004" pitchFamily="49" charset="0"/>
+              </a:rPr>
+              <a:t>K = 0.358;</a:t>
+            </a:r>
+          </a:p>
+          <a:p>
+            <a:r>
+              <a:rPr lang="en-US" altLang="zh-TW" sz="1100" dirty="0" err="1">
+                <a:latin typeface="Cascadia Code" panose="020B0609020000020004" pitchFamily="49" charset="0"/>
+              </a:rPr>
+              <a:t>sys_cl</a:t>
+            </a:r>
+            <a:r>
+              <a:rPr lang="en-US" altLang="zh-TW" sz="1100" dirty="0">
+                <a:latin typeface="Cascadia Code" panose="020B0609020000020004" pitchFamily="49" charset="0"/>
+              </a:rPr>
+              <a:t> = feedback(K * sys, 1);</a:t>
+            </a:r>
+          </a:p>
+          <a:p>
+            <a:r>
+              <a:rPr lang="en-US" altLang="zh-TW" sz="1100" dirty="0">
+                <a:latin typeface="Cascadia Code" panose="020B0609020000020004" pitchFamily="49" charset="0"/>
+              </a:rPr>
+              <a:t>step(</a:t>
+            </a:r>
+            <a:r>
+              <a:rPr lang="en-US" altLang="zh-TW" sz="1100" dirty="0" err="1">
+                <a:latin typeface="Cascadia Code" panose="020B0609020000020004" pitchFamily="49" charset="0"/>
+              </a:rPr>
+              <a:t>sys_cl</a:t>
+            </a:r>
+            <a:r>
+              <a:rPr lang="en-US" altLang="zh-TW" sz="1100" dirty="0">
+                <a:latin typeface="Cascadia Code" panose="020B0609020000020004" pitchFamily="49" charset="0"/>
+              </a:rPr>
+              <a:t>)</a:t>
+            </a:r>
+          </a:p>
+          <a:p>
+            <a:r>
+              <a:rPr lang="en-US" altLang="zh-TW" sz="1100" dirty="0">
+                <a:latin typeface="Cascadia Code" panose="020B0609020000020004" pitchFamily="49" charset="0"/>
+              </a:rPr>
+              <a:t/>
+            </a:r>
+            <a:br>
+              <a:rPr lang="en-US" altLang="zh-TW" sz="1100" dirty="0">
+                <a:latin typeface="Cascadia Code" panose="020B0609020000020004" pitchFamily="49" charset="0"/>
+              </a:rPr>
+            </a:br>
+            <a:endParaRPr lang="en-US" altLang="zh-TW" sz="1100" dirty="0">
+              <a:latin typeface="Cascadia Code" panose="020B0609020000020004" pitchFamily="49" charset="0"/>
+            </a:endParaRPr>
+          </a:p>
+          <a:p>
+            <a:r>
+              <a:rPr lang="en-US" altLang="zh-TW" sz="1100" dirty="0" err="1">
+                <a:latin typeface="Cascadia Code" panose="020B0609020000020004" pitchFamily="49" charset="0"/>
+              </a:rPr>
+              <a:t>k_p</a:t>
+            </a:r>
+            <a:r>
+              <a:rPr lang="en-US" altLang="zh-TW" sz="1100" dirty="0">
+                <a:latin typeface="Cascadia Code" panose="020B0609020000020004" pitchFamily="49" charset="0"/>
+              </a:rPr>
+              <a:t> = K / </a:t>
+            </a:r>
+            <a:r>
+              <a:rPr lang="en-US" altLang="zh-TW" sz="1100" dirty="0" err="1">
+                <a:latin typeface="Cascadia Code" panose="020B0609020000020004" pitchFamily="49" charset="0"/>
+              </a:rPr>
+              <a:t>K_m</a:t>
+            </a:r>
+            <a:endParaRPr lang="en-US" altLang="zh-TW" sz="1100" dirty="0">
+              <a:latin typeface="Cascadia Code" panose="020B0609020000020004" pitchFamily="49" charset="0"/>
+            </a:endParaRPr>
+          </a:p>
+          <a:p>
+            <a:r>
+              <a:rPr lang="en-US" altLang="zh-TW" sz="1100" dirty="0" err="1">
+                <a:latin typeface="Cascadia Code" panose="020B0609020000020004" pitchFamily="49" charset="0"/>
+              </a:rPr>
+              <a:t>k_i</a:t>
+            </a:r>
+            <a:r>
+              <a:rPr lang="en-US" altLang="zh-TW" sz="1100" dirty="0">
+                <a:latin typeface="Cascadia Code" panose="020B0609020000020004" pitchFamily="49" charset="0"/>
+              </a:rPr>
+              <a:t> = </a:t>
+            </a:r>
+            <a:r>
+              <a:rPr lang="en-US" altLang="zh-TW" sz="1100" dirty="0" err="1">
+                <a:latin typeface="Cascadia Code" panose="020B0609020000020004" pitchFamily="49" charset="0"/>
+              </a:rPr>
+              <a:t>k_p</a:t>
+            </a:r>
+            <a:r>
+              <a:rPr lang="en-US" altLang="zh-TW" sz="1100" dirty="0">
+                <a:latin typeface="Cascadia Code" panose="020B0609020000020004" pitchFamily="49" charset="0"/>
+              </a:rPr>
+              <a:t> * D</a:t>
+            </a:r>
+          </a:p>
+        </p:txBody>
+      </p:sp>
+      <p:sp>
+        <p:nvSpPr>
+          <p:cNvPr id="7" name="矩形 6"/>
+          <p:cNvSpPr/>
+          <p:nvPr/>
+        </p:nvSpPr>
+        <p:spPr>
+          <a:xfrm>
+            <a:off x="4619625" y="2578864"/>
+            <a:ext cx="6096000" cy="2862322"/>
+          </a:xfrm>
+          <a:prstGeom prst="rect">
+            <a:avLst/>
+          </a:prstGeom>
+        </p:spPr>
+        <p:txBody>
+          <a:bodyPr>
+            <a:spAutoFit/>
+          </a:bodyPr>
+          <a:lstStyle/>
+          <a:p>
+            <a:r>
+              <a:rPr lang="zh-TW" altLang="en-US" dirty="0"/>
+              <a:t>k_p =</a:t>
+            </a:r>
+          </a:p>
+          <a:p>
+            <a:endParaRPr lang="zh-TW" altLang="en-US" dirty="0"/>
+          </a:p>
+          <a:p>
+            <a:r>
+              <a:rPr lang="zh-TW" altLang="en-US" dirty="0"/>
+              <a:t>    0.0012</a:t>
+            </a:r>
+          </a:p>
+          <a:p>
+            <a:endParaRPr lang="zh-TW" altLang="en-US" dirty="0"/>
+          </a:p>
+          <a:p>
+            <a:endParaRPr lang="zh-TW" altLang="en-US" dirty="0"/>
+          </a:p>
+          <a:p>
+            <a:r>
+              <a:rPr lang="zh-TW" altLang="en-US" dirty="0"/>
+              <a:t>k_i =</a:t>
+            </a:r>
+          </a:p>
+          <a:p>
+            <a:endParaRPr lang="zh-TW" altLang="en-US" dirty="0"/>
+          </a:p>
+          <a:p>
+            <a:r>
+              <a:rPr lang="zh-TW" altLang="en-US" dirty="0"/>
+              <a:t>   1.1661e-04</a:t>
+            </a:r>
+          </a:p>
+          <a:p>
+            <a:endParaRPr lang="zh-TW" altLang="en-US" dirty="0"/>
+          </a:p>
+          <a:p>
+            <a:r>
+              <a:rPr lang="zh-TW" altLang="en-US" dirty="0"/>
+              <a:t>&gt;&gt; </a:t>
+            </a:r>
+          </a:p>
+        </p:txBody>
+      </p:sp>
       <p:pic>
         <p:nvPicPr>
-          <p:cNvPr id="4" name="圖片 3"/>
+          <p:cNvPr id="8" name="圖片 7"/>
           <p:cNvPicPr>
             <a:picLocks noChangeAspect="1"/>
           </p:cNvPicPr>
@@ -4269,164 +4628,14 @@
         </p:blipFill>
         <p:spPr>
           <a:xfrm>
-            <a:off x="6308134" y="2763575"/>
-            <a:ext cx="3815720" cy="3139320"/>
+            <a:off x="6791325" y="2292249"/>
+            <a:ext cx="4486285" cy="3706061"/>
           </a:xfrm>
           <a:prstGeom prst="rect">
             <a:avLst/>
           </a:prstGeom>
         </p:spPr>
       </p:pic>
-      <p:sp>
-        <p:nvSpPr>
-          <p:cNvPr id="6" name="矩形 5"/>
-          <p:cNvSpPr/>
-          <p:nvPr/>
-        </p:nvSpPr>
-        <p:spPr>
-          <a:xfrm>
-            <a:off x="838200" y="2763574"/>
-            <a:ext cx="4514385" cy="3139321"/>
-          </a:xfrm>
-          <a:prstGeom prst="rect">
-            <a:avLst/>
-          </a:prstGeom>
-        </p:spPr>
-        <p:txBody>
-          <a:bodyPr wrap="square">
-            <a:spAutoFit/>
-          </a:bodyPr>
-          <a:lstStyle/>
-          <a:p>
-            <a:r>
-              <a:rPr lang="en-US" altLang="zh-TW" dirty="0">
-                <a:latin typeface="Cascadia Code" panose="020B0609020000020004" pitchFamily="49" charset="0"/>
-              </a:rPr>
-              <a:t>s = </a:t>
-            </a:r>
-            <a:r>
-              <a:rPr lang="en-US" altLang="zh-TW" dirty="0" err="1">
-                <a:latin typeface="Cascadia Code" panose="020B0609020000020004" pitchFamily="49" charset="0"/>
-              </a:rPr>
-              <a:t>tf</a:t>
-            </a:r>
-            <a:r>
-              <a:rPr lang="en-US" altLang="zh-TW" dirty="0">
-                <a:latin typeface="Cascadia Code" panose="020B0609020000020004" pitchFamily="49" charset="0"/>
-              </a:rPr>
-              <a:t>(</a:t>
-            </a:r>
-            <a:r>
-              <a:rPr lang="en-US" altLang="zh-TW" dirty="0">
-                <a:solidFill>
-                  <a:srgbClr val="A709F5"/>
-                </a:solidFill>
-                <a:latin typeface="Cascadia Code" panose="020B0609020000020004" pitchFamily="49" charset="0"/>
-              </a:rPr>
-              <a:t>'s'</a:t>
-            </a:r>
-            <a:r>
-              <a:rPr lang="en-US" altLang="zh-TW" dirty="0">
-                <a:latin typeface="Cascadia Code" panose="020B0609020000020004" pitchFamily="49" charset="0"/>
-              </a:rPr>
-              <a:t>);</a:t>
-            </a:r>
-          </a:p>
-          <a:p>
-            <a:r>
-              <a:rPr lang="en-US" altLang="zh-TW" dirty="0">
-                <a:latin typeface="Cascadia Code" panose="020B0609020000020004" pitchFamily="49" charset="0"/>
-              </a:rPr>
-              <a:t>tau = 0.51;</a:t>
-            </a:r>
-          </a:p>
-          <a:p>
-            <a:r>
-              <a:rPr lang="en-US" altLang="zh-TW" dirty="0" err="1">
-                <a:latin typeface="Cascadia Code" panose="020B0609020000020004" pitchFamily="49" charset="0"/>
-              </a:rPr>
-              <a:t>K_m</a:t>
-            </a:r>
-            <a:r>
-              <a:rPr lang="en-US" altLang="zh-TW" dirty="0">
-                <a:latin typeface="Cascadia Code" panose="020B0609020000020004" pitchFamily="49" charset="0"/>
-              </a:rPr>
-              <a:t> = 307;</a:t>
-            </a:r>
-          </a:p>
-          <a:p>
-            <a:r>
-              <a:rPr lang="en-US" altLang="zh-TW" dirty="0">
-                <a:latin typeface="Cascadia Code" panose="020B0609020000020004" pitchFamily="49" charset="0"/>
-              </a:rPr>
-              <a:t>D = 3;</a:t>
-            </a:r>
-          </a:p>
-          <a:p>
-            <a:r>
-              <a:rPr lang="en-US" altLang="zh-TW" dirty="0">
-                <a:latin typeface="Cascadia Code" panose="020B0609020000020004" pitchFamily="49" charset="0"/>
-              </a:rPr>
-              <a:t>sys = (s + D) / (s * (tau *s + 1));</a:t>
-            </a:r>
-          </a:p>
-          <a:p>
-            <a:endParaRPr lang="en-US" altLang="zh-TW" dirty="0">
-              <a:latin typeface="Cascadia Code" panose="020B0609020000020004" pitchFamily="49" charset="0"/>
-            </a:endParaRPr>
-          </a:p>
-          <a:p>
-            <a:r>
-              <a:rPr lang="en-US" altLang="zh-TW" dirty="0">
-                <a:latin typeface="Cascadia Code" panose="020B0609020000020004" pitchFamily="49" charset="0"/>
-              </a:rPr>
-              <a:t>figure(2)</a:t>
-            </a:r>
-          </a:p>
-          <a:p>
-            <a:r>
-              <a:rPr lang="en-US" altLang="zh-TW" dirty="0">
-                <a:latin typeface="Cascadia Code" panose="020B0609020000020004" pitchFamily="49" charset="0"/>
-              </a:rPr>
-              <a:t>K = 3.86;</a:t>
-            </a:r>
-          </a:p>
-          <a:p>
-            <a:r>
-              <a:rPr lang="en-US" altLang="zh-TW" dirty="0" err="1">
-                <a:latin typeface="Cascadia Code" panose="020B0609020000020004" pitchFamily="49" charset="0"/>
-              </a:rPr>
-              <a:t>sys_cl</a:t>
-            </a:r>
-            <a:r>
-              <a:rPr lang="en-US" altLang="zh-TW" dirty="0">
-                <a:latin typeface="Cascadia Code" panose="020B0609020000020004" pitchFamily="49" charset="0"/>
-              </a:rPr>
-              <a:t> = feedback(K * sys, 1);</a:t>
-            </a:r>
-          </a:p>
-          <a:p>
-            <a:r>
-              <a:rPr lang="en-US" altLang="zh-TW" dirty="0">
-                <a:latin typeface="Cascadia Code" panose="020B0609020000020004" pitchFamily="49" charset="0"/>
-              </a:rPr>
-              <a:t>step(</a:t>
-            </a:r>
-            <a:r>
-              <a:rPr lang="en-US" altLang="zh-TW" dirty="0" err="1">
-                <a:latin typeface="Cascadia Code" panose="020B0609020000020004" pitchFamily="49" charset="0"/>
-              </a:rPr>
-              <a:t>sys_cl</a:t>
-            </a:r>
-            <a:r>
-              <a:rPr lang="en-US" altLang="zh-TW" dirty="0">
-                <a:latin typeface="Cascadia Code" panose="020B0609020000020004" pitchFamily="49" charset="0"/>
-              </a:rPr>
-              <a:t>)</a:t>
-            </a:r>
-          </a:p>
-        </p:txBody>
-      </p:sp>
     </p:spTree>
     <p:extLst>
       <p:ext uri="{BB962C8B-B14F-4D97-AF65-F5344CB8AC3E}">
@@ -4517,102 +4726,36 @@
           </a:prstGeom>
         </p:spPr>
       </p:pic>
-      <p:sp>
-        <p:nvSpPr>
-          <p:cNvPr id="6" name="矩形 5"/>
-          <p:cNvSpPr/>
+      <p:pic>
+        <p:nvPicPr>
+          <p:cNvPr id="4" name="圖片 3"/>
+          <p:cNvPicPr>
+            <a:picLocks noChangeAspect="1"/>
+          </p:cNvPicPr>
           <p:nvPr/>
-        </p:nvSpPr>
+        </p:nvPicPr>
+        <p:blipFill>
+          <a:blip r:embed="rId3">
+            <a:extLst>
+              <a:ext uri="{28A0092B-C50C-407E-A947-70E740481C1C}">
+                <a14:useLocalDpi xmlns:a14="http://schemas.microsoft.com/office/drawing/2010/main" val="0"/>
+              </a:ext>
+            </a:extLst>
+          </a:blip>
+          <a:stretch>
+            <a:fillRect/>
+          </a:stretch>
+        </p:blipFill>
         <p:spPr>
           <a:xfrm>
-            <a:off x="495300" y="2656547"/>
-            <a:ext cx="9083040" cy="646331"/>
+            <a:off x="3637240" y="1973580"/>
+            <a:ext cx="7579400" cy="4812847"/>
           </a:xfrm>
           <a:prstGeom prst="rect">
             <a:avLst/>
           </a:prstGeom>
         </p:spPr>
-        <p:txBody>
-          <a:bodyPr wrap="square">
-            <a:spAutoFit/>
-          </a:bodyPr>
-          <a:lstStyle/>
-          <a:p>
-            <a:r>
-              <a:rPr lang="en-US" altLang="zh-TW" dirty="0">
-                <a:latin typeface="Cascadia Code" panose="020B0609020000020004" pitchFamily="49" charset="0"/>
-              </a:rPr>
-              <a:t>k = 3.86 -&gt; </a:t>
-            </a:r>
-            <a:r>
-              <a:rPr lang="en-US" altLang="zh-TW" dirty="0" err="1">
-                <a:latin typeface="Cascadia Code" panose="020B0609020000020004" pitchFamily="49" charset="0"/>
-              </a:rPr>
-              <a:t>k_p</a:t>
-            </a:r>
-            <a:r>
-              <a:rPr lang="en-US" altLang="zh-TW" dirty="0">
-                <a:latin typeface="Cascadia Code" panose="020B0609020000020004" pitchFamily="49" charset="0"/>
-              </a:rPr>
-              <a:t> = k / </a:t>
-            </a:r>
-            <a:r>
-              <a:rPr lang="en-US" altLang="zh-TW" dirty="0" err="1">
-                <a:latin typeface="Cascadia Code" panose="020B0609020000020004" pitchFamily="49" charset="0"/>
-              </a:rPr>
-              <a:t>k_m</a:t>
-            </a:r>
-            <a:r>
-              <a:rPr lang="en-US" altLang="zh-TW" dirty="0">
-                <a:latin typeface="Cascadia Code" panose="020B0609020000020004" pitchFamily="49" charset="0"/>
-              </a:rPr>
-              <a:t> = 3.86 / 307  =</a:t>
-            </a:r>
-            <a:r>
-              <a:rPr lang="en-US" altLang="zh-TW" b="1" dirty="0"/>
-              <a:t>0.01257328990228013</a:t>
-            </a:r>
-            <a:r>
-              <a:rPr lang="en-US" altLang="zh-TW" dirty="0">
-                <a:latin typeface="Cascadia Code" panose="020B0609020000020004" pitchFamily="49" charset="0"/>
-              </a:rPr>
-              <a:t> </a:t>
-            </a:r>
-          </a:p>
-          <a:p>
-            <a:r>
-              <a:rPr lang="en-US" altLang="zh-TW" dirty="0">
-                <a:latin typeface="Cascadia Code" panose="020B0609020000020004" pitchFamily="49" charset="0"/>
-              </a:rPr>
-              <a:t> -&gt; </a:t>
-            </a:r>
-            <a:r>
-              <a:rPr lang="en-US" altLang="zh-TW" dirty="0" err="1">
-                <a:latin typeface="Cascadia Code" panose="020B0609020000020004" pitchFamily="49" charset="0"/>
-              </a:rPr>
-              <a:t>k_i</a:t>
-            </a:r>
-            <a:r>
-              <a:rPr lang="en-US" altLang="zh-TW" dirty="0">
-                <a:latin typeface="Cascadia Code" panose="020B0609020000020004" pitchFamily="49" charset="0"/>
-              </a:rPr>
-              <a:t> = </a:t>
-            </a:r>
-            <a:r>
-              <a:rPr lang="en-US" altLang="zh-TW" dirty="0" err="1">
-                <a:latin typeface="Cascadia Code" panose="020B0609020000020004" pitchFamily="49" charset="0"/>
-              </a:rPr>
-              <a:t>k_p</a:t>
-            </a:r>
-            <a:r>
-              <a:rPr lang="en-US" altLang="zh-TW" dirty="0">
-                <a:latin typeface="Cascadia Code" panose="020B0609020000020004" pitchFamily="49" charset="0"/>
-              </a:rPr>
-              <a:t> * D = 0.03771986970684039</a:t>
-            </a:r>
-          </a:p>
-        </p:txBody>
-      </p:sp>
+      </p:pic>
     </p:spTree>
     <p:extLst>
       <p:ext uri="{BB962C8B-B14F-4D97-AF65-F5344CB8AC3E}">
@@ -9003,7 +9146,7 @@
       </p:pic>
       <p:pic>
         <p:nvPicPr>
-          <p:cNvPr id="5" name="圖片 4"/>
+          <p:cNvPr id="4" name="圖片 3"/>
           <p:cNvPicPr>
             <a:picLocks noChangeAspect="1"/>
           </p:cNvPicPr>
@@ -9017,8 +9160,8 @@
         </p:blipFill>
         <p:spPr>
           <a:xfrm>
-            <a:off x="1200615" y="2193724"/>
-            <a:ext cx="8459359" cy="4176324"/>
+            <a:off x="1968499" y="1993139"/>
+            <a:ext cx="9213449" cy="4480265"/>
           </a:xfrm>
           <a:prstGeom prst="rect">
             <a:avLst/>
